--- a/prezentacija.pptx
+++ b/prezentacija.pptx
@@ -2,7 +2,7 @@
 <file path=ppt/presentation.xml><?xml version="1.0" encoding="utf-8"?>
 <p:presentation xmlns:a="http://schemas.openxmlformats.org/drawingml/2006/main" xmlns:r="http://schemas.openxmlformats.org/officeDocument/2006/relationships" xmlns:p="http://schemas.openxmlformats.org/presentationml/2006/main" saveSubsetFonts="1">
   <p:sldMasterIdLst>
-    <p:sldMasterId id="2147483648" r:id="rId1"/>
+    <p:sldMasterId id="2147483660" r:id="rId1"/>
   </p:sldMasterIdLst>
   <p:sldIdLst>
     <p:sldId id="256" r:id="rId2"/>
@@ -15,6 +15,7 @@
     <p:sldId id="263" r:id="rId9"/>
     <p:sldId id="264" r:id="rId10"/>
     <p:sldId id="265" r:id="rId11"/>
+    <p:sldId id="266" r:id="rId12"/>
   </p:sldIdLst>
   <p:sldSz cx="12192000" cy="6858000"/>
   <p:notesSz cx="6858000" cy="9144000"/>
@@ -22,7 +23,7 @@
     <a:defPPr>
       <a:defRPr lang="en-US"/>
     </a:defPPr>
-    <a:lvl1pPr marL="0" algn="l" defTabSz="914400" rtl="0" eaLnBrk="1" latinLnBrk="0" hangingPunct="1">
+    <a:lvl1pPr marL="0" algn="l" defTabSz="457200" rtl="0" eaLnBrk="1" latinLnBrk="0" hangingPunct="1">
       <a:defRPr sz="1800" kern="1200">
         <a:solidFill>
           <a:schemeClr val="tx1"/>
@@ -32,7 +33,7 @@
         <a:cs typeface="+mn-cs"/>
       </a:defRPr>
     </a:lvl1pPr>
-    <a:lvl2pPr marL="457200" algn="l" defTabSz="914400" rtl="0" eaLnBrk="1" latinLnBrk="0" hangingPunct="1">
+    <a:lvl2pPr marL="457200" algn="l" defTabSz="457200" rtl="0" eaLnBrk="1" latinLnBrk="0" hangingPunct="1">
       <a:defRPr sz="1800" kern="1200">
         <a:solidFill>
           <a:schemeClr val="tx1"/>
@@ -42,7 +43,7 @@
         <a:cs typeface="+mn-cs"/>
       </a:defRPr>
     </a:lvl2pPr>
-    <a:lvl3pPr marL="914400" algn="l" defTabSz="914400" rtl="0" eaLnBrk="1" latinLnBrk="0" hangingPunct="1">
+    <a:lvl3pPr marL="914400" algn="l" defTabSz="457200" rtl="0" eaLnBrk="1" latinLnBrk="0" hangingPunct="1">
       <a:defRPr sz="1800" kern="1200">
         <a:solidFill>
           <a:schemeClr val="tx1"/>
@@ -52,7 +53,7 @@
         <a:cs typeface="+mn-cs"/>
       </a:defRPr>
     </a:lvl3pPr>
-    <a:lvl4pPr marL="1371600" algn="l" defTabSz="914400" rtl="0" eaLnBrk="1" latinLnBrk="0" hangingPunct="1">
+    <a:lvl4pPr marL="1371600" algn="l" defTabSz="457200" rtl="0" eaLnBrk="1" latinLnBrk="0" hangingPunct="1">
       <a:defRPr sz="1800" kern="1200">
         <a:solidFill>
           <a:schemeClr val="tx1"/>
@@ -62,7 +63,7 @@
         <a:cs typeface="+mn-cs"/>
       </a:defRPr>
     </a:lvl4pPr>
-    <a:lvl5pPr marL="1828800" algn="l" defTabSz="914400" rtl="0" eaLnBrk="1" latinLnBrk="0" hangingPunct="1">
+    <a:lvl5pPr marL="1828800" algn="l" defTabSz="457200" rtl="0" eaLnBrk="1" latinLnBrk="0" hangingPunct="1">
       <a:defRPr sz="1800" kern="1200">
         <a:solidFill>
           <a:schemeClr val="tx1"/>
@@ -72,7 +73,7 @@
         <a:cs typeface="+mn-cs"/>
       </a:defRPr>
     </a:lvl5pPr>
-    <a:lvl6pPr marL="2286000" algn="l" defTabSz="914400" rtl="0" eaLnBrk="1" latinLnBrk="0" hangingPunct="1">
+    <a:lvl6pPr marL="2286000" algn="l" defTabSz="457200" rtl="0" eaLnBrk="1" latinLnBrk="0" hangingPunct="1">
       <a:defRPr sz="1800" kern="1200">
         <a:solidFill>
           <a:schemeClr val="tx1"/>
@@ -82,7 +83,7 @@
         <a:cs typeface="+mn-cs"/>
       </a:defRPr>
     </a:lvl6pPr>
-    <a:lvl7pPr marL="2743200" algn="l" defTabSz="914400" rtl="0" eaLnBrk="1" latinLnBrk="0" hangingPunct="1">
+    <a:lvl7pPr marL="2743200" algn="l" defTabSz="457200" rtl="0" eaLnBrk="1" latinLnBrk="0" hangingPunct="1">
       <a:defRPr sz="1800" kern="1200">
         <a:solidFill>
           <a:schemeClr val="tx1"/>
@@ -92,7 +93,7 @@
         <a:cs typeface="+mn-cs"/>
       </a:defRPr>
     </a:lvl7pPr>
-    <a:lvl8pPr marL="3200400" algn="l" defTabSz="914400" rtl="0" eaLnBrk="1" latinLnBrk="0" hangingPunct="1">
+    <a:lvl8pPr marL="3200400" algn="l" defTabSz="457200" rtl="0" eaLnBrk="1" latinLnBrk="0" hangingPunct="1">
       <a:defRPr sz="1800" kern="1200">
         <a:solidFill>
           <a:schemeClr val="tx1"/>
@@ -102,7 +103,7 @@
         <a:cs typeface="+mn-cs"/>
       </a:defRPr>
     </a:lvl8pPr>
-    <a:lvl9pPr marL="3657600" algn="l" defTabSz="914400" rtl="0" eaLnBrk="1" latinLnBrk="0" hangingPunct="1">
+    <a:lvl9pPr marL="3657600" algn="l" defTabSz="457200" rtl="0" eaLnBrk="1" latinLnBrk="0" hangingPunct="1">
       <a:defRPr sz="1800" kern="1200">
         <a:solidFill>
           <a:schemeClr val="tx1"/>
@@ -140,13 +141,7 @@
       </p:grpSpPr>
       <p:sp>
         <p:nvSpPr>
-          <p:cNvPr id="2" name="Title 1">
-            <a:extLst>
-              <a:ext uri="{FF2B5EF4-FFF2-40B4-BE49-F238E27FC236}">
-                <a16:creationId xmlns:a16="http://schemas.microsoft.com/office/drawing/2014/main" id="{3D73CB18-BD1B-491F-B11A-E426DEF7E69B}"/>
-              </a:ext>
-            </a:extLst>
-          </p:cNvPr>
+          <p:cNvPr id="2" name="Title 1"/>
           <p:cNvSpPr>
             <a:spLocks noGrp="1"/>
           </p:cNvSpPr>
@@ -156,15 +151,32 @@
         </p:nvSpPr>
         <p:spPr>
           <a:xfrm>
-            <a:off x="1524000" y="1122363"/>
-            <a:ext cx="9144000" cy="2387600"/>
+            <a:off x="1751012" y="609601"/>
+            <a:ext cx="8676222" cy="3200400"/>
           </a:xfrm>
         </p:spPr>
         <p:txBody>
-          <a:bodyPr anchor="b"/>
+          <a:bodyPr anchor="b">
+            <a:normAutofit/>
+          </a:bodyPr>
           <a:lstStyle>
             <a:lvl1pPr algn="ctr">
-              <a:defRPr sz="6000"/>
+              <a:defRPr sz="4800">
+                <a:effectLst>
+                  <a:glow rad="38100">
+                    <a:schemeClr val="bg1">
+                      <a:lumMod val="65000"/>
+                      <a:lumOff val="35000"/>
+                      <a:alpha val="50000"/>
+                    </a:schemeClr>
+                  </a:glow>
+                  <a:outerShdw blurRad="28575" dist="31750" dir="13200000" algn="tl" rotWithShape="0">
+                    <a:srgbClr val="000000">
+                      <a:alpha val="25000"/>
+                    </a:srgbClr>
+                  </a:outerShdw>
+                </a:effectLst>
+              </a:defRPr>
             </a:lvl1pPr>
           </a:lstStyle>
           <a:p>
@@ -172,18 +184,13 @@
               <a:rPr lang="en-US"/>
               <a:t>Click to edit Master title style</a:t>
             </a:r>
-          </a:p>
-        </p:txBody>
-      </p:sp>
-      <p:sp>
-        <p:nvSpPr>
-          <p:cNvPr id="3" name="Subtitle 2">
-            <a:extLst>
-              <a:ext uri="{FF2B5EF4-FFF2-40B4-BE49-F238E27FC236}">
-                <a16:creationId xmlns:a16="http://schemas.microsoft.com/office/drawing/2014/main" id="{C464A8CE-8477-4CC3-8F15-4805BB1AF520}"/>
-              </a:ext>
-            </a:extLst>
-          </p:cNvPr>
+            <a:endParaRPr lang="en-US" dirty="0"/>
+          </a:p>
+        </p:txBody>
+      </p:sp>
+      <p:sp>
+        <p:nvSpPr>
+          <p:cNvPr id="3" name="Subtitle 2"/>
           <p:cNvSpPr>
             <a:spLocks noGrp="1"/>
           </p:cNvSpPr>
@@ -193,48 +200,113 @@
         </p:nvSpPr>
         <p:spPr>
           <a:xfrm>
-            <a:off x="1524000" y="3602038"/>
-            <a:ext cx="9144000" cy="1655762"/>
+            <a:off x="1751012" y="3886200"/>
+            <a:ext cx="8676222" cy="1905000"/>
           </a:xfrm>
         </p:spPr>
         <p:txBody>
-          <a:bodyPr/>
+          <a:bodyPr anchor="t">
+            <a:normAutofit/>
+          </a:bodyPr>
           <a:lstStyle>
             <a:lvl1pPr marL="0" indent="0" algn="ctr">
               <a:buNone/>
-              <a:defRPr sz="2400"/>
+              <a:defRPr sz="2100">
+                <a:gradFill flip="none" rotWithShape="1">
+                  <a:gsLst>
+                    <a:gs pos="0">
+                      <a:schemeClr val="tx1"/>
+                    </a:gs>
+                    <a:gs pos="100000">
+                      <a:schemeClr val="tx1">
+                        <a:lumMod val="75000"/>
+                      </a:schemeClr>
+                    </a:gs>
+                  </a:gsLst>
+                  <a:lin ang="5400000" scaled="0"/>
+                  <a:tileRect/>
+                </a:gradFill>
+              </a:defRPr>
             </a:lvl1pPr>
             <a:lvl2pPr marL="457200" indent="0" algn="ctr">
               <a:buNone/>
-              <a:defRPr sz="2000"/>
+              <a:defRPr>
+                <a:solidFill>
+                  <a:schemeClr val="tx1">
+                    <a:tint val="75000"/>
+                  </a:schemeClr>
+                </a:solidFill>
+              </a:defRPr>
             </a:lvl2pPr>
             <a:lvl3pPr marL="914400" indent="0" algn="ctr">
               <a:buNone/>
-              <a:defRPr sz="1800"/>
+              <a:defRPr>
+                <a:solidFill>
+                  <a:schemeClr val="tx1">
+                    <a:tint val="75000"/>
+                  </a:schemeClr>
+                </a:solidFill>
+              </a:defRPr>
             </a:lvl3pPr>
             <a:lvl4pPr marL="1371600" indent="0" algn="ctr">
               <a:buNone/>
-              <a:defRPr sz="1600"/>
+              <a:defRPr>
+                <a:solidFill>
+                  <a:schemeClr val="tx1">
+                    <a:tint val="75000"/>
+                  </a:schemeClr>
+                </a:solidFill>
+              </a:defRPr>
             </a:lvl4pPr>
             <a:lvl5pPr marL="1828800" indent="0" algn="ctr">
               <a:buNone/>
-              <a:defRPr sz="1600"/>
+              <a:defRPr>
+                <a:solidFill>
+                  <a:schemeClr val="tx1">
+                    <a:tint val="75000"/>
+                  </a:schemeClr>
+                </a:solidFill>
+              </a:defRPr>
             </a:lvl5pPr>
             <a:lvl6pPr marL="2286000" indent="0" algn="ctr">
               <a:buNone/>
-              <a:defRPr sz="1600"/>
+              <a:defRPr>
+                <a:solidFill>
+                  <a:schemeClr val="tx1">
+                    <a:tint val="75000"/>
+                  </a:schemeClr>
+                </a:solidFill>
+              </a:defRPr>
             </a:lvl6pPr>
             <a:lvl7pPr marL="2743200" indent="0" algn="ctr">
               <a:buNone/>
-              <a:defRPr sz="1600"/>
+              <a:defRPr>
+                <a:solidFill>
+                  <a:schemeClr val="tx1">
+                    <a:tint val="75000"/>
+                  </a:schemeClr>
+                </a:solidFill>
+              </a:defRPr>
             </a:lvl7pPr>
             <a:lvl8pPr marL="3200400" indent="0" algn="ctr">
               <a:buNone/>
-              <a:defRPr sz="1600"/>
+              <a:defRPr>
+                <a:solidFill>
+                  <a:schemeClr val="tx1">
+                    <a:tint val="75000"/>
+                  </a:schemeClr>
+                </a:solidFill>
+              </a:defRPr>
             </a:lvl8pPr>
             <a:lvl9pPr marL="3657600" indent="0" algn="ctr">
               <a:buNone/>
-              <a:defRPr sz="1600"/>
+              <a:defRPr>
+                <a:solidFill>
+                  <a:schemeClr val="tx1">
+                    <a:tint val="75000"/>
+                  </a:schemeClr>
+                </a:solidFill>
+              </a:defRPr>
             </a:lvl9pPr>
           </a:lstStyle>
           <a:p>
@@ -242,18 +314,13 @@
               <a:rPr lang="en-US"/>
               <a:t>Click to edit Master subtitle style</a:t>
             </a:r>
-          </a:p>
-        </p:txBody>
-      </p:sp>
-      <p:sp>
-        <p:nvSpPr>
-          <p:cNvPr id="4" name="Date Placeholder 3">
-            <a:extLst>
-              <a:ext uri="{FF2B5EF4-FFF2-40B4-BE49-F238E27FC236}">
-                <a16:creationId xmlns:a16="http://schemas.microsoft.com/office/drawing/2014/main" id="{BEFFE4CF-1BCD-4F36-BDC4-1D5890C70C10}"/>
-              </a:ext>
-            </a:extLst>
-          </p:cNvPr>
+            <a:endParaRPr lang="en-US" dirty="0"/>
+          </a:p>
+        </p:txBody>
+      </p:sp>
+      <p:sp>
+        <p:nvSpPr>
+          <p:cNvPr id="4" name="Date Placeholder 3"/>
           <p:cNvSpPr>
             <a:spLocks noGrp="1"/>
           </p:cNvSpPr>
@@ -276,13 +343,7 @@
       </p:sp>
       <p:sp>
         <p:nvSpPr>
-          <p:cNvPr id="5" name="Footer Placeholder 4">
-            <a:extLst>
-              <a:ext uri="{FF2B5EF4-FFF2-40B4-BE49-F238E27FC236}">
-                <a16:creationId xmlns:a16="http://schemas.microsoft.com/office/drawing/2014/main" id="{B8D298B3-E56B-430B-8DB0-370BC7747A8C}"/>
-              </a:ext>
-            </a:extLst>
-          </p:cNvPr>
+          <p:cNvPr id="5" name="Footer Placeholder 4"/>
           <p:cNvSpPr>
             <a:spLocks noGrp="1"/>
           </p:cNvSpPr>
@@ -301,13 +362,7 @@
       </p:sp>
       <p:sp>
         <p:nvSpPr>
-          <p:cNvPr id="6" name="Slide Number Placeholder 5">
-            <a:extLst>
-              <a:ext uri="{FF2B5EF4-FFF2-40B4-BE49-F238E27FC236}">
-                <a16:creationId xmlns:a16="http://schemas.microsoft.com/office/drawing/2014/main" id="{D5537E34-E782-4108-8ADB-536F81BD753E}"/>
-              </a:ext>
-            </a:extLst>
-          </p:cNvPr>
+          <p:cNvPr id="6" name="Slide Number Placeholder 5"/>
           <p:cNvSpPr>
             <a:spLocks noGrp="1"/>
           </p:cNvSpPr>
@@ -331,7 +386,7 @@
     </p:spTree>
     <p:extLst>
       <p:ext uri="{BB962C8B-B14F-4D97-AF65-F5344CB8AC3E}">
-        <p14:creationId xmlns:p14="http://schemas.microsoft.com/office/powerpoint/2010/main" val="1778360122"/>
+        <p14:creationId xmlns:p14="http://schemas.microsoft.com/office/powerpoint/2010/main" val="1495036390"/>
       </p:ext>
     </p:extLst>
   </p:cSld>
@@ -342,6 +397,2113 @@
 </file>
 
 <file path=ppt/slideLayouts/slideLayout10.xml><?xml version="1.0" encoding="utf-8"?>
+<p:sldLayout xmlns:a="http://schemas.openxmlformats.org/drawingml/2006/main" xmlns:r="http://schemas.openxmlformats.org/officeDocument/2006/relationships" xmlns:p="http://schemas.openxmlformats.org/presentationml/2006/main" preserve="1">
+  <p:cSld name="Panoramic Picture with Caption">
+    <p:spTree>
+      <p:nvGrpSpPr>
+        <p:cNvPr id="1" name=""/>
+        <p:cNvGrpSpPr/>
+        <p:nvPr/>
+      </p:nvGrpSpPr>
+      <p:grpSpPr>
+        <a:xfrm>
+          <a:off x="0" y="0"/>
+          <a:ext cx="0" cy="0"/>
+          <a:chOff x="0" y="0"/>
+          <a:chExt cx="0" cy="0"/>
+        </a:xfrm>
+      </p:grpSpPr>
+      <p:sp>
+        <p:nvSpPr>
+          <p:cNvPr id="2" name="Title 1"/>
+          <p:cNvSpPr>
+            <a:spLocks noGrp="1"/>
+          </p:cNvSpPr>
+          <p:nvPr>
+            <p:ph type="title"/>
+          </p:nvPr>
+        </p:nvSpPr>
+        <p:spPr>
+          <a:xfrm>
+            <a:off x="1141413" y="4732865"/>
+            <a:ext cx="9906000" cy="566738"/>
+          </a:xfrm>
+        </p:spPr>
+        <p:txBody>
+          <a:bodyPr anchor="b">
+            <a:normAutofit/>
+          </a:bodyPr>
+          <a:lstStyle>
+            <a:lvl1pPr algn="l">
+              <a:defRPr sz="2400" b="0"/>
+            </a:lvl1pPr>
+          </a:lstStyle>
+          <a:p>
+            <a:r>
+              <a:rPr lang="en-US"/>
+              <a:t>Click to edit Master title style</a:t>
+            </a:r>
+            <a:endParaRPr lang="en-US" dirty="0"/>
+          </a:p>
+        </p:txBody>
+      </p:sp>
+      <p:sp>
+        <p:nvSpPr>
+          <p:cNvPr id="3" name="Picture Placeholder 2"/>
+          <p:cNvSpPr>
+            <a:spLocks noGrp="1" noChangeAspect="1"/>
+          </p:cNvSpPr>
+          <p:nvPr>
+            <p:ph type="pic" idx="1"/>
+          </p:nvPr>
+        </p:nvSpPr>
+        <p:spPr>
+          <a:xfrm>
+            <a:off x="1979612" y="932112"/>
+            <a:ext cx="8225944" cy="3164976"/>
+          </a:xfrm>
+          <a:prstGeom prst="roundRect">
+            <a:avLst>
+              <a:gd name="adj" fmla="val 4380"/>
+            </a:avLst>
+          </a:prstGeom>
+          <a:ln w="38100">
+            <a:gradFill flip="none" rotWithShape="1">
+              <a:gsLst>
+                <a:gs pos="0">
+                  <a:schemeClr val="bg2"/>
+                </a:gs>
+                <a:gs pos="100000">
+                  <a:schemeClr val="bg2">
+                    <a:lumMod val="75000"/>
+                  </a:schemeClr>
+                </a:gs>
+              </a:gsLst>
+              <a:lin ang="5400000" scaled="0"/>
+              <a:tileRect/>
+            </a:gradFill>
+          </a:ln>
+          <a:effectLst>
+            <a:innerShdw blurRad="57150" dist="38100" dir="14460000">
+              <a:srgbClr val="000000">
+                <a:alpha val="70000"/>
+              </a:srgbClr>
+            </a:innerShdw>
+          </a:effectLst>
+        </p:spPr>
+        <p:txBody>
+          <a:bodyPr anchor="t">
+            <a:normAutofit/>
+          </a:bodyPr>
+          <a:lstStyle>
+            <a:lvl1pPr marL="0" indent="0" algn="ctr">
+              <a:buNone/>
+              <a:defRPr sz="1600"/>
+            </a:lvl1pPr>
+            <a:lvl2pPr marL="457200" indent="0">
+              <a:buNone/>
+              <a:defRPr sz="1600"/>
+            </a:lvl2pPr>
+            <a:lvl3pPr marL="914400" indent="0">
+              <a:buNone/>
+              <a:defRPr sz="1600"/>
+            </a:lvl3pPr>
+            <a:lvl4pPr marL="1371600" indent="0">
+              <a:buNone/>
+              <a:defRPr sz="1600"/>
+            </a:lvl4pPr>
+            <a:lvl5pPr marL="1828800" indent="0">
+              <a:buNone/>
+              <a:defRPr sz="1600"/>
+            </a:lvl5pPr>
+            <a:lvl6pPr marL="2286000" indent="0">
+              <a:buNone/>
+              <a:defRPr sz="1600"/>
+            </a:lvl6pPr>
+            <a:lvl7pPr marL="2743200" indent="0">
+              <a:buNone/>
+              <a:defRPr sz="1600"/>
+            </a:lvl7pPr>
+            <a:lvl8pPr marL="3200400" indent="0">
+              <a:buNone/>
+              <a:defRPr sz="1600"/>
+            </a:lvl8pPr>
+            <a:lvl9pPr marL="3657600" indent="0">
+              <a:buNone/>
+              <a:defRPr sz="1600"/>
+            </a:lvl9pPr>
+          </a:lstStyle>
+          <a:p>
+            <a:r>
+              <a:rPr lang="en-US"/>
+              <a:t>Click icon to add picture</a:t>
+            </a:r>
+            <a:endParaRPr lang="en-US" dirty="0"/>
+          </a:p>
+        </p:txBody>
+      </p:sp>
+      <p:sp>
+        <p:nvSpPr>
+          <p:cNvPr id="4" name="Text Placeholder 3"/>
+          <p:cNvSpPr>
+            <a:spLocks noGrp="1"/>
+          </p:cNvSpPr>
+          <p:nvPr>
+            <p:ph type="body" sz="half" idx="2"/>
+          </p:nvPr>
+        </p:nvSpPr>
+        <p:spPr>
+          <a:xfrm>
+            <a:off x="1141413" y="5299603"/>
+            <a:ext cx="9906000" cy="493712"/>
+          </a:xfrm>
+        </p:spPr>
+        <p:txBody>
+          <a:bodyPr>
+            <a:normAutofit/>
+          </a:bodyPr>
+          <a:lstStyle>
+            <a:lvl1pPr marL="0" indent="0">
+              <a:buNone/>
+              <a:defRPr sz="1400"/>
+            </a:lvl1pPr>
+            <a:lvl2pPr marL="457200" indent="0">
+              <a:buNone/>
+              <a:defRPr sz="1200"/>
+            </a:lvl2pPr>
+            <a:lvl3pPr marL="914400" indent="0">
+              <a:buNone/>
+              <a:defRPr sz="1000"/>
+            </a:lvl3pPr>
+            <a:lvl4pPr marL="1371600" indent="0">
+              <a:buNone/>
+              <a:defRPr sz="900"/>
+            </a:lvl4pPr>
+            <a:lvl5pPr marL="1828800" indent="0">
+              <a:buNone/>
+              <a:defRPr sz="900"/>
+            </a:lvl5pPr>
+            <a:lvl6pPr marL="2286000" indent="0">
+              <a:buNone/>
+              <a:defRPr sz="900"/>
+            </a:lvl6pPr>
+            <a:lvl7pPr marL="2743200" indent="0">
+              <a:buNone/>
+              <a:defRPr sz="900"/>
+            </a:lvl7pPr>
+            <a:lvl8pPr marL="3200400" indent="0">
+              <a:buNone/>
+              <a:defRPr sz="900"/>
+            </a:lvl8pPr>
+            <a:lvl9pPr marL="3657600" indent="0">
+              <a:buNone/>
+              <a:defRPr sz="900"/>
+            </a:lvl9pPr>
+          </a:lstStyle>
+          <a:p>
+            <a:pPr lvl="0"/>
+            <a:r>
+              <a:rPr lang="en-US"/>
+              <a:t>Click to edit Master text styles</a:t>
+            </a:r>
+          </a:p>
+        </p:txBody>
+      </p:sp>
+      <p:sp>
+        <p:nvSpPr>
+          <p:cNvPr id="5" name="Date Placeholder 4"/>
+          <p:cNvSpPr>
+            <a:spLocks noGrp="1"/>
+          </p:cNvSpPr>
+          <p:nvPr>
+            <p:ph type="dt" sz="half" idx="10"/>
+          </p:nvPr>
+        </p:nvSpPr>
+        <p:spPr/>
+        <p:txBody>
+          <a:bodyPr/>
+          <a:lstStyle/>
+          <a:p>
+            <a:fld id="{E4E2E80C-70A6-4D76-B6F8-959F074A456C}" type="datetimeFigureOut">
+              <a:rPr lang="en-US" smtClean="0"/>
+              <a:t>07-Jun-21</a:t>
+            </a:fld>
+            <a:endParaRPr lang="en-US"/>
+          </a:p>
+        </p:txBody>
+      </p:sp>
+      <p:sp>
+        <p:nvSpPr>
+          <p:cNvPr id="6" name="Footer Placeholder 5"/>
+          <p:cNvSpPr>
+            <a:spLocks noGrp="1"/>
+          </p:cNvSpPr>
+          <p:nvPr>
+            <p:ph type="ftr" sz="quarter" idx="11"/>
+          </p:nvPr>
+        </p:nvSpPr>
+        <p:spPr/>
+        <p:txBody>
+          <a:bodyPr/>
+          <a:lstStyle/>
+          <a:p>
+            <a:endParaRPr lang="en-US"/>
+          </a:p>
+        </p:txBody>
+      </p:sp>
+      <p:sp>
+        <p:nvSpPr>
+          <p:cNvPr id="7" name="Slide Number Placeholder 6"/>
+          <p:cNvSpPr>
+            <a:spLocks noGrp="1"/>
+          </p:cNvSpPr>
+          <p:nvPr>
+            <p:ph type="sldNum" sz="quarter" idx="12"/>
+          </p:nvPr>
+        </p:nvSpPr>
+        <p:spPr/>
+        <p:txBody>
+          <a:bodyPr/>
+          <a:lstStyle/>
+          <a:p>
+            <a:fld id="{BE7965FE-0791-41EA-813F-728B0A5F0902}" type="slidenum">
+              <a:rPr lang="en-US" smtClean="0"/>
+              <a:t>‹#›</a:t>
+            </a:fld>
+            <a:endParaRPr lang="en-US"/>
+          </a:p>
+        </p:txBody>
+      </p:sp>
+    </p:spTree>
+    <p:extLst>
+      <p:ext uri="{BB962C8B-B14F-4D97-AF65-F5344CB8AC3E}">
+        <p14:creationId xmlns:p14="http://schemas.microsoft.com/office/powerpoint/2010/main" val="2164378402"/>
+      </p:ext>
+    </p:extLst>
+  </p:cSld>
+  <p:clrMapOvr>
+    <a:masterClrMapping/>
+  </p:clrMapOvr>
+</p:sldLayout>
+</file>
+
+<file path=ppt/slideLayouts/slideLayout11.xml><?xml version="1.0" encoding="utf-8"?>
+<p:sldLayout xmlns:a="http://schemas.openxmlformats.org/drawingml/2006/main" xmlns:r="http://schemas.openxmlformats.org/officeDocument/2006/relationships" xmlns:p="http://schemas.openxmlformats.org/presentationml/2006/main" preserve="1">
+  <p:cSld name="Title and Caption">
+    <p:spTree>
+      <p:nvGrpSpPr>
+        <p:cNvPr id="1" name=""/>
+        <p:cNvGrpSpPr/>
+        <p:nvPr/>
+      </p:nvGrpSpPr>
+      <p:grpSpPr>
+        <a:xfrm>
+          <a:off x="0" y="0"/>
+          <a:ext cx="0" cy="0"/>
+          <a:chOff x="0" y="0"/>
+          <a:chExt cx="0" cy="0"/>
+        </a:xfrm>
+      </p:grpSpPr>
+      <p:sp>
+        <p:nvSpPr>
+          <p:cNvPr id="2" name="Title 1"/>
+          <p:cNvSpPr>
+            <a:spLocks noGrp="1"/>
+          </p:cNvSpPr>
+          <p:nvPr>
+            <p:ph type="title"/>
+          </p:nvPr>
+        </p:nvSpPr>
+        <p:spPr>
+          <a:xfrm>
+            <a:off x="1141412" y="609601"/>
+            <a:ext cx="9905999" cy="3124199"/>
+          </a:xfrm>
+        </p:spPr>
+        <p:txBody>
+          <a:bodyPr anchor="ctr">
+            <a:normAutofit/>
+          </a:bodyPr>
+          <a:lstStyle>
+            <a:lvl1pPr algn="l">
+              <a:defRPr sz="3200" b="0" cap="all"/>
+            </a:lvl1pPr>
+          </a:lstStyle>
+          <a:p>
+            <a:r>
+              <a:rPr lang="en-US"/>
+              <a:t>Click to edit Master title style</a:t>
+            </a:r>
+            <a:endParaRPr lang="en-US" dirty="0"/>
+          </a:p>
+        </p:txBody>
+      </p:sp>
+      <p:sp>
+        <p:nvSpPr>
+          <p:cNvPr id="3" name="Text Placeholder 2"/>
+          <p:cNvSpPr>
+            <a:spLocks noGrp="1"/>
+          </p:cNvSpPr>
+          <p:nvPr>
+            <p:ph type="body" idx="1"/>
+          </p:nvPr>
+        </p:nvSpPr>
+        <p:spPr>
+          <a:xfrm>
+            <a:off x="1141411" y="4343400"/>
+            <a:ext cx="9906000" cy="1447800"/>
+          </a:xfrm>
+        </p:spPr>
+        <p:txBody>
+          <a:bodyPr anchor="ctr">
+            <a:normAutofit/>
+          </a:bodyPr>
+          <a:lstStyle>
+            <a:lvl1pPr marL="0" indent="0" algn="l">
+              <a:buNone/>
+              <a:defRPr sz="2000">
+                <a:gradFill flip="none" rotWithShape="1">
+                  <a:gsLst>
+                    <a:gs pos="0">
+                      <a:schemeClr val="tx1"/>
+                    </a:gs>
+                    <a:gs pos="100000">
+                      <a:schemeClr val="tx1">
+                        <a:lumMod val="75000"/>
+                      </a:schemeClr>
+                    </a:gs>
+                  </a:gsLst>
+                  <a:lin ang="5400000" scaled="0"/>
+                  <a:tileRect/>
+                </a:gradFill>
+              </a:defRPr>
+            </a:lvl1pPr>
+            <a:lvl2pPr marL="457200" indent="0">
+              <a:buNone/>
+              <a:defRPr sz="1800">
+                <a:solidFill>
+                  <a:schemeClr val="tx1">
+                    <a:tint val="75000"/>
+                  </a:schemeClr>
+                </a:solidFill>
+              </a:defRPr>
+            </a:lvl2pPr>
+            <a:lvl3pPr marL="914400" indent="0">
+              <a:buNone/>
+              <a:defRPr sz="1600">
+                <a:solidFill>
+                  <a:schemeClr val="tx1">
+                    <a:tint val="75000"/>
+                  </a:schemeClr>
+                </a:solidFill>
+              </a:defRPr>
+            </a:lvl3pPr>
+            <a:lvl4pPr marL="1371600" indent="0">
+              <a:buNone/>
+              <a:defRPr sz="1400">
+                <a:solidFill>
+                  <a:schemeClr val="tx1">
+                    <a:tint val="75000"/>
+                  </a:schemeClr>
+                </a:solidFill>
+              </a:defRPr>
+            </a:lvl4pPr>
+            <a:lvl5pPr marL="1828800" indent="0">
+              <a:buNone/>
+              <a:defRPr sz="1400">
+                <a:solidFill>
+                  <a:schemeClr val="tx1">
+                    <a:tint val="75000"/>
+                  </a:schemeClr>
+                </a:solidFill>
+              </a:defRPr>
+            </a:lvl5pPr>
+            <a:lvl6pPr marL="2286000" indent="0">
+              <a:buNone/>
+              <a:defRPr sz="1400">
+                <a:solidFill>
+                  <a:schemeClr val="tx1">
+                    <a:tint val="75000"/>
+                  </a:schemeClr>
+                </a:solidFill>
+              </a:defRPr>
+            </a:lvl6pPr>
+            <a:lvl7pPr marL="2743200" indent="0">
+              <a:buNone/>
+              <a:defRPr sz="1400">
+                <a:solidFill>
+                  <a:schemeClr val="tx1">
+                    <a:tint val="75000"/>
+                  </a:schemeClr>
+                </a:solidFill>
+              </a:defRPr>
+            </a:lvl7pPr>
+            <a:lvl8pPr marL="3200400" indent="0">
+              <a:buNone/>
+              <a:defRPr sz="1400">
+                <a:solidFill>
+                  <a:schemeClr val="tx1">
+                    <a:tint val="75000"/>
+                  </a:schemeClr>
+                </a:solidFill>
+              </a:defRPr>
+            </a:lvl8pPr>
+            <a:lvl9pPr marL="3657600" indent="0">
+              <a:buNone/>
+              <a:defRPr sz="1400">
+                <a:solidFill>
+                  <a:schemeClr val="tx1">
+                    <a:tint val="75000"/>
+                  </a:schemeClr>
+                </a:solidFill>
+              </a:defRPr>
+            </a:lvl9pPr>
+          </a:lstStyle>
+          <a:p>
+            <a:pPr lvl="0"/>
+            <a:r>
+              <a:rPr lang="en-US"/>
+              <a:t>Click to edit Master text styles</a:t>
+            </a:r>
+          </a:p>
+        </p:txBody>
+      </p:sp>
+      <p:sp>
+        <p:nvSpPr>
+          <p:cNvPr id="4" name="Date Placeholder 3"/>
+          <p:cNvSpPr>
+            <a:spLocks noGrp="1"/>
+          </p:cNvSpPr>
+          <p:nvPr>
+            <p:ph type="dt" sz="half" idx="10"/>
+          </p:nvPr>
+        </p:nvSpPr>
+        <p:spPr/>
+        <p:txBody>
+          <a:bodyPr/>
+          <a:lstStyle/>
+          <a:p>
+            <a:fld id="{E4E2E80C-70A6-4D76-B6F8-959F074A456C}" type="datetimeFigureOut">
+              <a:rPr lang="en-US" smtClean="0"/>
+              <a:t>07-Jun-21</a:t>
+            </a:fld>
+            <a:endParaRPr lang="en-US"/>
+          </a:p>
+        </p:txBody>
+      </p:sp>
+      <p:sp>
+        <p:nvSpPr>
+          <p:cNvPr id="5" name="Footer Placeholder 4"/>
+          <p:cNvSpPr>
+            <a:spLocks noGrp="1"/>
+          </p:cNvSpPr>
+          <p:nvPr>
+            <p:ph type="ftr" sz="quarter" idx="11"/>
+          </p:nvPr>
+        </p:nvSpPr>
+        <p:spPr/>
+        <p:txBody>
+          <a:bodyPr/>
+          <a:lstStyle/>
+          <a:p>
+            <a:endParaRPr lang="en-US"/>
+          </a:p>
+        </p:txBody>
+      </p:sp>
+      <p:sp>
+        <p:nvSpPr>
+          <p:cNvPr id="6" name="Slide Number Placeholder 5"/>
+          <p:cNvSpPr>
+            <a:spLocks noGrp="1"/>
+          </p:cNvSpPr>
+          <p:nvPr>
+            <p:ph type="sldNum" sz="quarter" idx="12"/>
+          </p:nvPr>
+        </p:nvSpPr>
+        <p:spPr/>
+        <p:txBody>
+          <a:bodyPr/>
+          <a:lstStyle/>
+          <a:p>
+            <a:fld id="{BE7965FE-0791-41EA-813F-728B0A5F0902}" type="slidenum">
+              <a:rPr lang="en-US" smtClean="0"/>
+              <a:t>‹#›</a:t>
+            </a:fld>
+            <a:endParaRPr lang="en-US"/>
+          </a:p>
+        </p:txBody>
+      </p:sp>
+    </p:spTree>
+    <p:extLst>
+      <p:ext uri="{BB962C8B-B14F-4D97-AF65-F5344CB8AC3E}">
+        <p14:creationId xmlns:p14="http://schemas.microsoft.com/office/powerpoint/2010/main" val="3365380117"/>
+      </p:ext>
+    </p:extLst>
+  </p:cSld>
+  <p:clrMapOvr>
+    <a:masterClrMapping/>
+  </p:clrMapOvr>
+</p:sldLayout>
+</file>
+
+<file path=ppt/slideLayouts/slideLayout12.xml><?xml version="1.0" encoding="utf-8"?>
+<p:sldLayout xmlns:a="http://schemas.openxmlformats.org/drawingml/2006/main" xmlns:r="http://schemas.openxmlformats.org/officeDocument/2006/relationships" xmlns:p="http://schemas.openxmlformats.org/presentationml/2006/main" preserve="1">
+  <p:cSld name="Quote with Caption">
+    <p:spTree>
+      <p:nvGrpSpPr>
+        <p:cNvPr id="1" name=""/>
+        <p:cNvGrpSpPr/>
+        <p:nvPr/>
+      </p:nvGrpSpPr>
+      <p:grpSpPr>
+        <a:xfrm>
+          <a:off x="0" y="0"/>
+          <a:ext cx="0" cy="0"/>
+          <a:chOff x="0" y="0"/>
+          <a:chExt cx="0" cy="0"/>
+        </a:xfrm>
+      </p:grpSpPr>
+      <p:sp>
+        <p:nvSpPr>
+          <p:cNvPr id="14" name="TextBox 13"/>
+          <p:cNvSpPr txBox="1"/>
+          <p:nvPr/>
+        </p:nvSpPr>
+        <p:spPr>
+          <a:xfrm>
+            <a:off x="836612" y="786824"/>
+            <a:ext cx="609600" cy="584776"/>
+          </a:xfrm>
+          <a:prstGeom prst="rect">
+            <a:avLst/>
+          </a:prstGeom>
+        </p:spPr>
+        <p:txBody>
+          <a:bodyPr vert="horz" lIns="91440" tIns="45720" rIns="91440" bIns="45720" rtlCol="0" anchor="ctr">
+            <a:noAutofit/>
+          </a:bodyPr>
+          <a:lstStyle>
+            <a:lvl1pPr>
+              <a:spcBef>
+                <a:spcPct val="0"/>
+              </a:spcBef>
+              <a:buNone/>
+              <a:defRPr sz="3200" b="0" cap="all">
+                <a:ln w="3175" cmpd="sng">
+                  <a:noFill/>
+                </a:ln>
+                <a:effectLst>
+                  <a:glow rad="38100">
+                    <a:schemeClr val="bg1">
+                      <a:lumMod val="65000"/>
+                      <a:lumOff val="35000"/>
+                      <a:alpha val="40000"/>
+                    </a:schemeClr>
+                  </a:glow>
+                  <a:outerShdw blurRad="28575" dist="38100" dir="14040000" algn="tl" rotWithShape="0">
+                    <a:srgbClr val="000000">
+                      <a:alpha val="25000"/>
+                    </a:srgbClr>
+                  </a:outerShdw>
+                </a:effectLst>
+              </a:defRPr>
+            </a:lvl1pPr>
+            <a:lvl2pPr>
+              <a:defRPr>
+                <a:solidFill>
+                  <a:schemeClr val="tx2"/>
+                </a:solidFill>
+              </a:defRPr>
+            </a:lvl2pPr>
+            <a:lvl3pPr>
+              <a:defRPr>
+                <a:solidFill>
+                  <a:schemeClr val="tx2"/>
+                </a:solidFill>
+              </a:defRPr>
+            </a:lvl3pPr>
+            <a:lvl4pPr>
+              <a:defRPr>
+                <a:solidFill>
+                  <a:schemeClr val="tx2"/>
+                </a:solidFill>
+              </a:defRPr>
+            </a:lvl4pPr>
+            <a:lvl5pPr>
+              <a:defRPr>
+                <a:solidFill>
+                  <a:schemeClr val="tx2"/>
+                </a:solidFill>
+              </a:defRPr>
+            </a:lvl5pPr>
+            <a:lvl6pPr>
+              <a:defRPr>
+                <a:solidFill>
+                  <a:schemeClr val="tx2"/>
+                </a:solidFill>
+              </a:defRPr>
+            </a:lvl6pPr>
+            <a:lvl7pPr>
+              <a:defRPr>
+                <a:solidFill>
+                  <a:schemeClr val="tx2"/>
+                </a:solidFill>
+              </a:defRPr>
+            </a:lvl7pPr>
+            <a:lvl8pPr>
+              <a:defRPr>
+                <a:solidFill>
+                  <a:schemeClr val="tx2"/>
+                </a:solidFill>
+              </a:defRPr>
+            </a:lvl8pPr>
+            <a:lvl9pPr>
+              <a:defRPr>
+                <a:solidFill>
+                  <a:schemeClr val="tx2"/>
+                </a:solidFill>
+              </a:defRPr>
+            </a:lvl9pPr>
+          </a:lstStyle>
+          <a:p>
+            <a:pPr lvl="0"/>
+            <a:r>
+              <a:rPr lang="en-US" sz="8000" dirty="0">
+                <a:solidFill>
+                  <a:schemeClr val="accent1"/>
+                </a:solidFill>
+              </a:rPr>
+              <a:t>“</a:t>
+            </a:r>
+          </a:p>
+        </p:txBody>
+      </p:sp>
+      <p:sp>
+        <p:nvSpPr>
+          <p:cNvPr id="15" name="TextBox 14"/>
+          <p:cNvSpPr txBox="1"/>
+          <p:nvPr/>
+        </p:nvSpPr>
+        <p:spPr>
+          <a:xfrm>
+            <a:off x="10437812" y="2743200"/>
+            <a:ext cx="609600" cy="584776"/>
+          </a:xfrm>
+          <a:prstGeom prst="rect">
+            <a:avLst/>
+          </a:prstGeom>
+        </p:spPr>
+        <p:txBody>
+          <a:bodyPr vert="horz" lIns="91440" tIns="45720" rIns="91440" bIns="45720" rtlCol="0" anchor="ctr">
+            <a:noAutofit/>
+          </a:bodyPr>
+          <a:lstStyle>
+            <a:lvl1pPr>
+              <a:spcBef>
+                <a:spcPct val="0"/>
+              </a:spcBef>
+              <a:buNone/>
+              <a:defRPr sz="3200" b="0" cap="all">
+                <a:ln w="3175" cmpd="sng">
+                  <a:noFill/>
+                </a:ln>
+                <a:effectLst>
+                  <a:glow rad="38100">
+                    <a:schemeClr val="bg1">
+                      <a:lumMod val="65000"/>
+                      <a:lumOff val="35000"/>
+                      <a:alpha val="40000"/>
+                    </a:schemeClr>
+                  </a:glow>
+                  <a:outerShdw blurRad="28575" dist="38100" dir="14040000" algn="tl" rotWithShape="0">
+                    <a:srgbClr val="000000">
+                      <a:alpha val="25000"/>
+                    </a:srgbClr>
+                  </a:outerShdw>
+                </a:effectLst>
+              </a:defRPr>
+            </a:lvl1pPr>
+            <a:lvl2pPr>
+              <a:defRPr>
+                <a:solidFill>
+                  <a:schemeClr val="tx2"/>
+                </a:solidFill>
+              </a:defRPr>
+            </a:lvl2pPr>
+            <a:lvl3pPr>
+              <a:defRPr>
+                <a:solidFill>
+                  <a:schemeClr val="tx2"/>
+                </a:solidFill>
+              </a:defRPr>
+            </a:lvl3pPr>
+            <a:lvl4pPr>
+              <a:defRPr>
+                <a:solidFill>
+                  <a:schemeClr val="tx2"/>
+                </a:solidFill>
+              </a:defRPr>
+            </a:lvl4pPr>
+            <a:lvl5pPr>
+              <a:defRPr>
+                <a:solidFill>
+                  <a:schemeClr val="tx2"/>
+                </a:solidFill>
+              </a:defRPr>
+            </a:lvl5pPr>
+            <a:lvl6pPr>
+              <a:defRPr>
+                <a:solidFill>
+                  <a:schemeClr val="tx2"/>
+                </a:solidFill>
+              </a:defRPr>
+            </a:lvl6pPr>
+            <a:lvl7pPr>
+              <a:defRPr>
+                <a:solidFill>
+                  <a:schemeClr val="tx2"/>
+                </a:solidFill>
+              </a:defRPr>
+            </a:lvl7pPr>
+            <a:lvl8pPr>
+              <a:defRPr>
+                <a:solidFill>
+                  <a:schemeClr val="tx2"/>
+                </a:solidFill>
+              </a:defRPr>
+            </a:lvl8pPr>
+            <a:lvl9pPr>
+              <a:defRPr>
+                <a:solidFill>
+                  <a:schemeClr val="tx2"/>
+                </a:solidFill>
+              </a:defRPr>
+            </a:lvl9pPr>
+          </a:lstStyle>
+          <a:p>
+            <a:pPr lvl="0" algn="r"/>
+            <a:r>
+              <a:rPr lang="en-US" sz="8000" dirty="0">
+                <a:solidFill>
+                  <a:schemeClr val="accent1"/>
+                </a:solidFill>
+              </a:rPr>
+              <a:t>”</a:t>
+            </a:r>
+          </a:p>
+        </p:txBody>
+      </p:sp>
+      <p:sp>
+        <p:nvSpPr>
+          <p:cNvPr id="2" name="Title 1"/>
+          <p:cNvSpPr>
+            <a:spLocks noGrp="1"/>
+          </p:cNvSpPr>
+          <p:nvPr>
+            <p:ph type="title"/>
+          </p:nvPr>
+        </p:nvSpPr>
+        <p:spPr>
+          <a:xfrm>
+            <a:off x="1446213" y="609601"/>
+            <a:ext cx="9296398" cy="2743199"/>
+          </a:xfrm>
+        </p:spPr>
+        <p:txBody>
+          <a:bodyPr anchor="ctr">
+            <a:normAutofit/>
+          </a:bodyPr>
+          <a:lstStyle>
+            <a:lvl1pPr algn="l">
+              <a:defRPr sz="3200" b="0" cap="all">
+                <a:solidFill>
+                  <a:schemeClr val="tx1"/>
+                </a:solidFill>
+              </a:defRPr>
+            </a:lvl1pPr>
+          </a:lstStyle>
+          <a:p>
+            <a:r>
+              <a:rPr lang="en-US"/>
+              <a:t>Click to edit Master title style</a:t>
+            </a:r>
+            <a:endParaRPr lang="en-US" dirty="0"/>
+          </a:p>
+        </p:txBody>
+      </p:sp>
+      <p:sp>
+        <p:nvSpPr>
+          <p:cNvPr id="10" name="Text Placeholder 9"/>
+          <p:cNvSpPr>
+            <a:spLocks noGrp="1"/>
+          </p:cNvSpPr>
+          <p:nvPr>
+            <p:ph type="body" sz="quarter" idx="13"/>
+          </p:nvPr>
+        </p:nvSpPr>
+        <p:spPr>
+          <a:xfrm>
+            <a:off x="1674812" y="3352800"/>
+            <a:ext cx="8839202" cy="381000"/>
+          </a:xfrm>
+        </p:spPr>
+        <p:txBody>
+          <a:bodyPr anchor="ctr"/>
+          <a:lstStyle>
+            <a:lvl1pPr marL="0" indent="0">
+              <a:buFontTx/>
+              <a:buNone/>
+              <a:defRPr/>
+            </a:lvl1pPr>
+            <a:lvl2pPr marL="457200" indent="0">
+              <a:buFontTx/>
+              <a:buNone/>
+              <a:defRPr/>
+            </a:lvl2pPr>
+            <a:lvl3pPr marL="914400" indent="0">
+              <a:buFontTx/>
+              <a:buNone/>
+              <a:defRPr/>
+            </a:lvl3pPr>
+            <a:lvl4pPr marL="1371600" indent="0">
+              <a:buFontTx/>
+              <a:buNone/>
+              <a:defRPr/>
+            </a:lvl4pPr>
+            <a:lvl5pPr marL="1828800" indent="0">
+              <a:buFontTx/>
+              <a:buNone/>
+              <a:defRPr/>
+            </a:lvl5pPr>
+          </a:lstStyle>
+          <a:p>
+            <a:pPr lvl="0"/>
+            <a:r>
+              <a:rPr lang="en-US"/>
+              <a:t>Click to edit Master text styles</a:t>
+            </a:r>
+          </a:p>
+        </p:txBody>
+      </p:sp>
+      <p:sp>
+        <p:nvSpPr>
+          <p:cNvPr id="3" name="Text Placeholder 2"/>
+          <p:cNvSpPr>
+            <a:spLocks noGrp="1"/>
+          </p:cNvSpPr>
+          <p:nvPr>
+            <p:ph type="body" idx="1"/>
+          </p:nvPr>
+        </p:nvSpPr>
+        <p:spPr>
+          <a:xfrm>
+            <a:off x="1141411" y="4343400"/>
+            <a:ext cx="9906000" cy="1447800"/>
+          </a:xfrm>
+        </p:spPr>
+        <p:txBody>
+          <a:bodyPr vert="horz" lIns="91440" tIns="45720" rIns="91440" bIns="45720" rtlCol="0" anchor="ctr">
+            <a:normAutofit/>
+          </a:bodyPr>
+          <a:lstStyle>
+            <a:lvl1pPr>
+              <a:buNone/>
+              <a:defRPr lang="en-US" sz="2000">
+                <a:gradFill flip="none" rotWithShape="1">
+                  <a:gsLst>
+                    <a:gs pos="0">
+                      <a:schemeClr val="tx1"/>
+                    </a:gs>
+                    <a:gs pos="100000">
+                      <a:schemeClr val="tx1">
+                        <a:lumMod val="75000"/>
+                      </a:schemeClr>
+                    </a:gs>
+                  </a:gsLst>
+                  <a:lin ang="5400000" scaled="0"/>
+                  <a:tileRect/>
+                </a:gradFill>
+              </a:defRPr>
+            </a:lvl1pPr>
+          </a:lstStyle>
+          <a:p>
+            <a:pPr marL="0" lvl="0" indent="0">
+              <a:buNone/>
+            </a:pPr>
+            <a:r>
+              <a:rPr lang="en-US"/>
+              <a:t>Click to edit Master text styles</a:t>
+            </a:r>
+          </a:p>
+        </p:txBody>
+      </p:sp>
+      <p:sp>
+        <p:nvSpPr>
+          <p:cNvPr id="4" name="Date Placeholder 3"/>
+          <p:cNvSpPr>
+            <a:spLocks noGrp="1"/>
+          </p:cNvSpPr>
+          <p:nvPr>
+            <p:ph type="dt" sz="half" idx="10"/>
+          </p:nvPr>
+        </p:nvSpPr>
+        <p:spPr/>
+        <p:txBody>
+          <a:bodyPr/>
+          <a:lstStyle/>
+          <a:p>
+            <a:fld id="{E4E2E80C-70A6-4D76-B6F8-959F074A456C}" type="datetimeFigureOut">
+              <a:rPr lang="en-US" smtClean="0"/>
+              <a:t>07-Jun-21</a:t>
+            </a:fld>
+            <a:endParaRPr lang="en-US"/>
+          </a:p>
+        </p:txBody>
+      </p:sp>
+      <p:sp>
+        <p:nvSpPr>
+          <p:cNvPr id="5" name="Footer Placeholder 4"/>
+          <p:cNvSpPr>
+            <a:spLocks noGrp="1"/>
+          </p:cNvSpPr>
+          <p:nvPr>
+            <p:ph type="ftr" sz="quarter" idx="11"/>
+          </p:nvPr>
+        </p:nvSpPr>
+        <p:spPr/>
+        <p:txBody>
+          <a:bodyPr/>
+          <a:lstStyle/>
+          <a:p>
+            <a:endParaRPr lang="en-US"/>
+          </a:p>
+        </p:txBody>
+      </p:sp>
+      <p:sp>
+        <p:nvSpPr>
+          <p:cNvPr id="6" name="Slide Number Placeholder 5"/>
+          <p:cNvSpPr>
+            <a:spLocks noGrp="1"/>
+          </p:cNvSpPr>
+          <p:nvPr>
+            <p:ph type="sldNum" sz="quarter" idx="12"/>
+          </p:nvPr>
+        </p:nvSpPr>
+        <p:spPr/>
+        <p:txBody>
+          <a:bodyPr/>
+          <a:lstStyle/>
+          <a:p>
+            <a:fld id="{BE7965FE-0791-41EA-813F-728B0A5F0902}" type="slidenum">
+              <a:rPr lang="en-US" smtClean="0"/>
+              <a:t>‹#›</a:t>
+            </a:fld>
+            <a:endParaRPr lang="en-US"/>
+          </a:p>
+        </p:txBody>
+      </p:sp>
+    </p:spTree>
+    <p:extLst>
+      <p:ext uri="{BB962C8B-B14F-4D97-AF65-F5344CB8AC3E}">
+        <p14:creationId xmlns:p14="http://schemas.microsoft.com/office/powerpoint/2010/main" val="829936595"/>
+      </p:ext>
+    </p:extLst>
+  </p:cSld>
+  <p:clrMapOvr>
+    <a:masterClrMapping/>
+  </p:clrMapOvr>
+</p:sldLayout>
+</file>
+
+<file path=ppt/slideLayouts/slideLayout13.xml><?xml version="1.0" encoding="utf-8"?>
+<p:sldLayout xmlns:a="http://schemas.openxmlformats.org/drawingml/2006/main" xmlns:r="http://schemas.openxmlformats.org/officeDocument/2006/relationships" xmlns:p="http://schemas.openxmlformats.org/presentationml/2006/main" preserve="1">
+  <p:cSld name="Name Card">
+    <p:spTree>
+      <p:nvGrpSpPr>
+        <p:cNvPr id="1" name=""/>
+        <p:cNvGrpSpPr/>
+        <p:nvPr/>
+      </p:nvGrpSpPr>
+      <p:grpSpPr>
+        <a:xfrm>
+          <a:off x="0" y="0"/>
+          <a:ext cx="0" cy="0"/>
+          <a:chOff x="0" y="0"/>
+          <a:chExt cx="0" cy="0"/>
+        </a:xfrm>
+      </p:grpSpPr>
+      <p:sp>
+        <p:nvSpPr>
+          <p:cNvPr id="2" name="Title 1"/>
+          <p:cNvSpPr>
+            <a:spLocks noGrp="1"/>
+          </p:cNvSpPr>
+          <p:nvPr>
+            <p:ph type="title"/>
+          </p:nvPr>
+        </p:nvSpPr>
+        <p:spPr>
+          <a:xfrm>
+            <a:off x="1141412" y="3308581"/>
+            <a:ext cx="9906000" cy="1468800"/>
+          </a:xfrm>
+        </p:spPr>
+        <p:txBody>
+          <a:bodyPr anchor="b">
+            <a:normAutofit/>
+          </a:bodyPr>
+          <a:lstStyle>
+            <a:lvl1pPr algn="l">
+              <a:defRPr sz="3200" b="0" cap="all"/>
+            </a:lvl1pPr>
+          </a:lstStyle>
+          <a:p>
+            <a:r>
+              <a:rPr lang="en-US"/>
+              <a:t>Click to edit Master title style</a:t>
+            </a:r>
+            <a:endParaRPr lang="en-US" dirty="0"/>
+          </a:p>
+        </p:txBody>
+      </p:sp>
+      <p:sp>
+        <p:nvSpPr>
+          <p:cNvPr id="3" name="Text Placeholder 2"/>
+          <p:cNvSpPr>
+            <a:spLocks noGrp="1"/>
+          </p:cNvSpPr>
+          <p:nvPr>
+            <p:ph type="body" idx="1"/>
+          </p:nvPr>
+        </p:nvSpPr>
+        <p:spPr>
+          <a:xfrm>
+            <a:off x="1141410" y="4777381"/>
+            <a:ext cx="9906001" cy="860400"/>
+          </a:xfrm>
+        </p:spPr>
+        <p:txBody>
+          <a:bodyPr vert="horz" lIns="91440" tIns="45720" rIns="91440" bIns="45720" rtlCol="0" anchor="t">
+            <a:normAutofit/>
+          </a:bodyPr>
+          <a:lstStyle>
+            <a:lvl1pPr>
+              <a:defRPr lang="en-US" sz="2000">
+                <a:gradFill flip="none" rotWithShape="1">
+                  <a:gsLst>
+                    <a:gs pos="0">
+                      <a:schemeClr val="tx1"/>
+                    </a:gs>
+                    <a:gs pos="100000">
+                      <a:schemeClr val="tx1">
+                        <a:lumMod val="75000"/>
+                      </a:schemeClr>
+                    </a:gs>
+                  </a:gsLst>
+                  <a:lin ang="5400000" scaled="0"/>
+                  <a:tileRect/>
+                </a:gradFill>
+              </a:defRPr>
+            </a:lvl1pPr>
+          </a:lstStyle>
+          <a:p>
+            <a:pPr marL="0" lvl="0" indent="0">
+              <a:buNone/>
+            </a:pPr>
+            <a:r>
+              <a:rPr lang="en-US"/>
+              <a:t>Click to edit Master text styles</a:t>
+            </a:r>
+          </a:p>
+        </p:txBody>
+      </p:sp>
+      <p:sp>
+        <p:nvSpPr>
+          <p:cNvPr id="4" name="Date Placeholder 3"/>
+          <p:cNvSpPr>
+            <a:spLocks noGrp="1"/>
+          </p:cNvSpPr>
+          <p:nvPr>
+            <p:ph type="dt" sz="half" idx="10"/>
+          </p:nvPr>
+        </p:nvSpPr>
+        <p:spPr/>
+        <p:txBody>
+          <a:bodyPr/>
+          <a:lstStyle/>
+          <a:p>
+            <a:fld id="{E4E2E80C-70A6-4D76-B6F8-959F074A456C}" type="datetimeFigureOut">
+              <a:rPr lang="en-US" smtClean="0"/>
+              <a:t>07-Jun-21</a:t>
+            </a:fld>
+            <a:endParaRPr lang="en-US"/>
+          </a:p>
+        </p:txBody>
+      </p:sp>
+      <p:sp>
+        <p:nvSpPr>
+          <p:cNvPr id="5" name="Footer Placeholder 4"/>
+          <p:cNvSpPr>
+            <a:spLocks noGrp="1"/>
+          </p:cNvSpPr>
+          <p:nvPr>
+            <p:ph type="ftr" sz="quarter" idx="11"/>
+          </p:nvPr>
+        </p:nvSpPr>
+        <p:spPr/>
+        <p:txBody>
+          <a:bodyPr/>
+          <a:lstStyle/>
+          <a:p>
+            <a:endParaRPr lang="en-US"/>
+          </a:p>
+        </p:txBody>
+      </p:sp>
+      <p:sp>
+        <p:nvSpPr>
+          <p:cNvPr id="6" name="Slide Number Placeholder 5"/>
+          <p:cNvSpPr>
+            <a:spLocks noGrp="1"/>
+          </p:cNvSpPr>
+          <p:nvPr>
+            <p:ph type="sldNum" sz="quarter" idx="12"/>
+          </p:nvPr>
+        </p:nvSpPr>
+        <p:spPr/>
+        <p:txBody>
+          <a:bodyPr/>
+          <a:lstStyle/>
+          <a:p>
+            <a:fld id="{BE7965FE-0791-41EA-813F-728B0A5F0902}" type="slidenum">
+              <a:rPr lang="en-US" smtClean="0"/>
+              <a:t>‹#›</a:t>
+            </a:fld>
+            <a:endParaRPr lang="en-US"/>
+          </a:p>
+        </p:txBody>
+      </p:sp>
+    </p:spTree>
+    <p:extLst>
+      <p:ext uri="{BB962C8B-B14F-4D97-AF65-F5344CB8AC3E}">
+        <p14:creationId xmlns:p14="http://schemas.microsoft.com/office/powerpoint/2010/main" val="2883012394"/>
+      </p:ext>
+    </p:extLst>
+  </p:cSld>
+  <p:clrMapOvr>
+    <a:masterClrMapping/>
+  </p:clrMapOvr>
+</p:sldLayout>
+</file>
+
+<file path=ppt/slideLayouts/slideLayout14.xml><?xml version="1.0" encoding="utf-8"?>
+<p:sldLayout xmlns:a="http://schemas.openxmlformats.org/drawingml/2006/main" xmlns:r="http://schemas.openxmlformats.org/officeDocument/2006/relationships" xmlns:p="http://schemas.openxmlformats.org/presentationml/2006/main" preserve="1">
+  <p:cSld name="Quote Name Card">
+    <p:spTree>
+      <p:nvGrpSpPr>
+        <p:cNvPr id="1" name=""/>
+        <p:cNvGrpSpPr/>
+        <p:nvPr/>
+      </p:nvGrpSpPr>
+      <p:grpSpPr>
+        <a:xfrm>
+          <a:off x="0" y="0"/>
+          <a:ext cx="0" cy="0"/>
+          <a:chOff x="0" y="0"/>
+          <a:chExt cx="0" cy="0"/>
+        </a:xfrm>
+      </p:grpSpPr>
+      <p:sp>
+        <p:nvSpPr>
+          <p:cNvPr id="14" name="TextBox 13"/>
+          <p:cNvSpPr txBox="1"/>
+          <p:nvPr/>
+        </p:nvSpPr>
+        <p:spPr>
+          <a:xfrm>
+            <a:off x="836612" y="786824"/>
+            <a:ext cx="609600" cy="584776"/>
+          </a:xfrm>
+          <a:prstGeom prst="rect">
+            <a:avLst/>
+          </a:prstGeom>
+        </p:spPr>
+        <p:txBody>
+          <a:bodyPr vert="horz" lIns="91440" tIns="45720" rIns="91440" bIns="45720" rtlCol="0" anchor="ctr">
+            <a:noAutofit/>
+          </a:bodyPr>
+          <a:lstStyle>
+            <a:lvl1pPr>
+              <a:spcBef>
+                <a:spcPct val="0"/>
+              </a:spcBef>
+              <a:buNone/>
+              <a:defRPr sz="3200" b="0" cap="all">
+                <a:ln w="3175" cmpd="sng">
+                  <a:noFill/>
+                </a:ln>
+                <a:effectLst>
+                  <a:glow rad="38100">
+                    <a:schemeClr val="bg1">
+                      <a:lumMod val="65000"/>
+                      <a:lumOff val="35000"/>
+                      <a:alpha val="40000"/>
+                    </a:schemeClr>
+                  </a:glow>
+                  <a:outerShdw blurRad="28575" dist="38100" dir="14040000" algn="tl" rotWithShape="0">
+                    <a:srgbClr val="000000">
+                      <a:alpha val="25000"/>
+                    </a:srgbClr>
+                  </a:outerShdw>
+                </a:effectLst>
+              </a:defRPr>
+            </a:lvl1pPr>
+            <a:lvl2pPr>
+              <a:defRPr>
+                <a:solidFill>
+                  <a:schemeClr val="tx2"/>
+                </a:solidFill>
+              </a:defRPr>
+            </a:lvl2pPr>
+            <a:lvl3pPr>
+              <a:defRPr>
+                <a:solidFill>
+                  <a:schemeClr val="tx2"/>
+                </a:solidFill>
+              </a:defRPr>
+            </a:lvl3pPr>
+            <a:lvl4pPr>
+              <a:defRPr>
+                <a:solidFill>
+                  <a:schemeClr val="tx2"/>
+                </a:solidFill>
+              </a:defRPr>
+            </a:lvl4pPr>
+            <a:lvl5pPr>
+              <a:defRPr>
+                <a:solidFill>
+                  <a:schemeClr val="tx2"/>
+                </a:solidFill>
+              </a:defRPr>
+            </a:lvl5pPr>
+            <a:lvl6pPr>
+              <a:defRPr>
+                <a:solidFill>
+                  <a:schemeClr val="tx2"/>
+                </a:solidFill>
+              </a:defRPr>
+            </a:lvl6pPr>
+            <a:lvl7pPr>
+              <a:defRPr>
+                <a:solidFill>
+                  <a:schemeClr val="tx2"/>
+                </a:solidFill>
+              </a:defRPr>
+            </a:lvl7pPr>
+            <a:lvl8pPr>
+              <a:defRPr>
+                <a:solidFill>
+                  <a:schemeClr val="tx2"/>
+                </a:solidFill>
+              </a:defRPr>
+            </a:lvl8pPr>
+            <a:lvl9pPr>
+              <a:defRPr>
+                <a:solidFill>
+                  <a:schemeClr val="tx2"/>
+                </a:solidFill>
+              </a:defRPr>
+            </a:lvl9pPr>
+          </a:lstStyle>
+          <a:p>
+            <a:pPr lvl="0"/>
+            <a:r>
+              <a:rPr lang="en-US" sz="8000" dirty="0">
+                <a:solidFill>
+                  <a:schemeClr val="accent1"/>
+                </a:solidFill>
+              </a:rPr>
+              <a:t>“</a:t>
+            </a:r>
+          </a:p>
+        </p:txBody>
+      </p:sp>
+      <p:sp>
+        <p:nvSpPr>
+          <p:cNvPr id="15" name="TextBox 14"/>
+          <p:cNvSpPr txBox="1"/>
+          <p:nvPr/>
+        </p:nvSpPr>
+        <p:spPr>
+          <a:xfrm>
+            <a:off x="10437812" y="2743200"/>
+            <a:ext cx="609600" cy="584776"/>
+          </a:xfrm>
+          <a:prstGeom prst="rect">
+            <a:avLst/>
+          </a:prstGeom>
+        </p:spPr>
+        <p:txBody>
+          <a:bodyPr vert="horz" lIns="91440" tIns="45720" rIns="91440" bIns="45720" rtlCol="0" anchor="ctr">
+            <a:noAutofit/>
+          </a:bodyPr>
+          <a:lstStyle>
+            <a:lvl1pPr>
+              <a:spcBef>
+                <a:spcPct val="0"/>
+              </a:spcBef>
+              <a:buNone/>
+              <a:defRPr sz="3200" b="0" cap="all">
+                <a:ln w="3175" cmpd="sng">
+                  <a:noFill/>
+                </a:ln>
+                <a:effectLst>
+                  <a:glow rad="38100">
+                    <a:schemeClr val="bg1">
+                      <a:lumMod val="65000"/>
+                      <a:lumOff val="35000"/>
+                      <a:alpha val="40000"/>
+                    </a:schemeClr>
+                  </a:glow>
+                  <a:outerShdw blurRad="28575" dist="38100" dir="14040000" algn="tl" rotWithShape="0">
+                    <a:srgbClr val="000000">
+                      <a:alpha val="25000"/>
+                    </a:srgbClr>
+                  </a:outerShdw>
+                </a:effectLst>
+              </a:defRPr>
+            </a:lvl1pPr>
+            <a:lvl2pPr>
+              <a:defRPr>
+                <a:solidFill>
+                  <a:schemeClr val="tx2"/>
+                </a:solidFill>
+              </a:defRPr>
+            </a:lvl2pPr>
+            <a:lvl3pPr>
+              <a:defRPr>
+                <a:solidFill>
+                  <a:schemeClr val="tx2"/>
+                </a:solidFill>
+              </a:defRPr>
+            </a:lvl3pPr>
+            <a:lvl4pPr>
+              <a:defRPr>
+                <a:solidFill>
+                  <a:schemeClr val="tx2"/>
+                </a:solidFill>
+              </a:defRPr>
+            </a:lvl4pPr>
+            <a:lvl5pPr>
+              <a:defRPr>
+                <a:solidFill>
+                  <a:schemeClr val="tx2"/>
+                </a:solidFill>
+              </a:defRPr>
+            </a:lvl5pPr>
+            <a:lvl6pPr>
+              <a:defRPr>
+                <a:solidFill>
+                  <a:schemeClr val="tx2"/>
+                </a:solidFill>
+              </a:defRPr>
+            </a:lvl6pPr>
+            <a:lvl7pPr>
+              <a:defRPr>
+                <a:solidFill>
+                  <a:schemeClr val="tx2"/>
+                </a:solidFill>
+              </a:defRPr>
+            </a:lvl7pPr>
+            <a:lvl8pPr>
+              <a:defRPr>
+                <a:solidFill>
+                  <a:schemeClr val="tx2"/>
+                </a:solidFill>
+              </a:defRPr>
+            </a:lvl8pPr>
+            <a:lvl9pPr>
+              <a:defRPr>
+                <a:solidFill>
+                  <a:schemeClr val="tx2"/>
+                </a:solidFill>
+              </a:defRPr>
+            </a:lvl9pPr>
+          </a:lstStyle>
+          <a:p>
+            <a:pPr lvl="0" algn="r"/>
+            <a:r>
+              <a:rPr lang="en-US" sz="8000" dirty="0">
+                <a:solidFill>
+                  <a:schemeClr val="accent1"/>
+                </a:solidFill>
+              </a:rPr>
+              <a:t>”</a:t>
+            </a:r>
+          </a:p>
+        </p:txBody>
+      </p:sp>
+      <p:sp>
+        <p:nvSpPr>
+          <p:cNvPr id="2" name="Title 1"/>
+          <p:cNvSpPr>
+            <a:spLocks noGrp="1"/>
+          </p:cNvSpPr>
+          <p:nvPr>
+            <p:ph type="title"/>
+          </p:nvPr>
+        </p:nvSpPr>
+        <p:spPr>
+          <a:xfrm>
+            <a:off x="1446213" y="609601"/>
+            <a:ext cx="9296398" cy="2743199"/>
+          </a:xfrm>
+        </p:spPr>
+        <p:txBody>
+          <a:bodyPr anchor="ctr">
+            <a:normAutofit/>
+          </a:bodyPr>
+          <a:lstStyle>
+            <a:lvl1pPr algn="l">
+              <a:defRPr sz="3200" b="0" cap="all">
+                <a:gradFill flip="none" rotWithShape="1">
+                  <a:gsLst>
+                    <a:gs pos="0">
+                      <a:schemeClr val="tx1"/>
+                    </a:gs>
+                    <a:gs pos="100000">
+                      <a:schemeClr val="tx1">
+                        <a:lumMod val="75000"/>
+                      </a:schemeClr>
+                    </a:gs>
+                  </a:gsLst>
+                  <a:lin ang="5400000" scaled="0"/>
+                  <a:tileRect/>
+                </a:gradFill>
+              </a:defRPr>
+            </a:lvl1pPr>
+          </a:lstStyle>
+          <a:p>
+            <a:r>
+              <a:rPr lang="en-US"/>
+              <a:t>Click to edit Master title style</a:t>
+            </a:r>
+            <a:endParaRPr lang="en-US" dirty="0"/>
+          </a:p>
+        </p:txBody>
+      </p:sp>
+      <p:sp>
+        <p:nvSpPr>
+          <p:cNvPr id="10" name="Text Placeholder 9"/>
+          <p:cNvSpPr>
+            <a:spLocks noGrp="1"/>
+          </p:cNvSpPr>
+          <p:nvPr>
+            <p:ph type="body" sz="quarter" idx="13"/>
+          </p:nvPr>
+        </p:nvSpPr>
+        <p:spPr>
+          <a:xfrm>
+            <a:off x="1141412" y="3886200"/>
+            <a:ext cx="9906000" cy="889000"/>
+          </a:xfrm>
+        </p:spPr>
+        <p:txBody>
+          <a:bodyPr vert="horz" lIns="91440" tIns="45720" rIns="91440" bIns="45720" rtlCol="0" anchor="b">
+            <a:normAutofit/>
+          </a:bodyPr>
+          <a:lstStyle>
+            <a:lvl1pPr>
+              <a:buNone/>
+              <a:defRPr lang="en-US" sz="2400" b="0" cap="all" dirty="0">
+                <a:ln w="3175" cmpd="sng">
+                  <a:noFill/>
+                </a:ln>
+                <a:gradFill flip="none" rotWithShape="1">
+                  <a:gsLst>
+                    <a:gs pos="0">
+                      <a:schemeClr val="tx1"/>
+                    </a:gs>
+                    <a:gs pos="100000">
+                      <a:schemeClr val="tx1">
+                        <a:lumMod val="75000"/>
+                      </a:schemeClr>
+                    </a:gs>
+                  </a:gsLst>
+                  <a:lin ang="5400000" scaled="0"/>
+                  <a:tileRect/>
+                </a:gradFill>
+                <a:effectLst>
+                  <a:glow rad="38100">
+                    <a:schemeClr val="bg1">
+                      <a:lumMod val="65000"/>
+                      <a:lumOff val="35000"/>
+                      <a:alpha val="40000"/>
+                    </a:schemeClr>
+                  </a:glow>
+                  <a:outerShdw blurRad="28575" dist="38100" dir="14040000" algn="tl" rotWithShape="0">
+                    <a:srgbClr val="000000">
+                      <a:alpha val="25000"/>
+                    </a:srgbClr>
+                  </a:outerShdw>
+                </a:effectLst>
+              </a:defRPr>
+            </a:lvl1pPr>
+          </a:lstStyle>
+          <a:p>
+            <a:pPr marL="0" lvl="0">
+              <a:spcBef>
+                <a:spcPct val="0"/>
+              </a:spcBef>
+              <a:buNone/>
+            </a:pPr>
+            <a:r>
+              <a:rPr lang="en-US"/>
+              <a:t>Click to edit Master text styles</a:t>
+            </a:r>
+          </a:p>
+        </p:txBody>
+      </p:sp>
+      <p:sp>
+        <p:nvSpPr>
+          <p:cNvPr id="3" name="Text Placeholder 2"/>
+          <p:cNvSpPr>
+            <a:spLocks noGrp="1"/>
+          </p:cNvSpPr>
+          <p:nvPr>
+            <p:ph type="body" idx="1"/>
+          </p:nvPr>
+        </p:nvSpPr>
+        <p:spPr>
+          <a:xfrm>
+            <a:off x="1141411" y="4775200"/>
+            <a:ext cx="9906000" cy="1016000"/>
+          </a:xfrm>
+        </p:spPr>
+        <p:txBody>
+          <a:bodyPr anchor="t">
+            <a:normAutofit/>
+          </a:bodyPr>
+          <a:lstStyle>
+            <a:lvl1pPr marL="0" indent="0" algn="l">
+              <a:buNone/>
+              <a:defRPr sz="1800">
+                <a:gradFill flip="none" rotWithShape="1">
+                  <a:gsLst>
+                    <a:gs pos="0">
+                      <a:schemeClr val="tx1"/>
+                    </a:gs>
+                    <a:gs pos="100000">
+                      <a:schemeClr val="tx1">
+                        <a:lumMod val="75000"/>
+                      </a:schemeClr>
+                    </a:gs>
+                  </a:gsLst>
+                  <a:lin ang="5400000" scaled="0"/>
+                  <a:tileRect/>
+                </a:gradFill>
+              </a:defRPr>
+            </a:lvl1pPr>
+            <a:lvl2pPr marL="457200" indent="0">
+              <a:buNone/>
+              <a:defRPr sz="1800">
+                <a:solidFill>
+                  <a:schemeClr val="tx1">
+                    <a:tint val="75000"/>
+                  </a:schemeClr>
+                </a:solidFill>
+              </a:defRPr>
+            </a:lvl2pPr>
+            <a:lvl3pPr marL="914400" indent="0">
+              <a:buNone/>
+              <a:defRPr sz="1600">
+                <a:solidFill>
+                  <a:schemeClr val="tx1">
+                    <a:tint val="75000"/>
+                  </a:schemeClr>
+                </a:solidFill>
+              </a:defRPr>
+            </a:lvl3pPr>
+            <a:lvl4pPr marL="1371600" indent="0">
+              <a:buNone/>
+              <a:defRPr sz="1400">
+                <a:solidFill>
+                  <a:schemeClr val="tx1">
+                    <a:tint val="75000"/>
+                  </a:schemeClr>
+                </a:solidFill>
+              </a:defRPr>
+            </a:lvl4pPr>
+            <a:lvl5pPr marL="1828800" indent="0">
+              <a:buNone/>
+              <a:defRPr sz="1400">
+                <a:solidFill>
+                  <a:schemeClr val="tx1">
+                    <a:tint val="75000"/>
+                  </a:schemeClr>
+                </a:solidFill>
+              </a:defRPr>
+            </a:lvl5pPr>
+            <a:lvl6pPr marL="2286000" indent="0">
+              <a:buNone/>
+              <a:defRPr sz="1400">
+                <a:solidFill>
+                  <a:schemeClr val="tx1">
+                    <a:tint val="75000"/>
+                  </a:schemeClr>
+                </a:solidFill>
+              </a:defRPr>
+            </a:lvl6pPr>
+            <a:lvl7pPr marL="2743200" indent="0">
+              <a:buNone/>
+              <a:defRPr sz="1400">
+                <a:solidFill>
+                  <a:schemeClr val="tx1">
+                    <a:tint val="75000"/>
+                  </a:schemeClr>
+                </a:solidFill>
+              </a:defRPr>
+            </a:lvl7pPr>
+            <a:lvl8pPr marL="3200400" indent="0">
+              <a:buNone/>
+              <a:defRPr sz="1400">
+                <a:solidFill>
+                  <a:schemeClr val="tx1">
+                    <a:tint val="75000"/>
+                  </a:schemeClr>
+                </a:solidFill>
+              </a:defRPr>
+            </a:lvl8pPr>
+            <a:lvl9pPr marL="3657600" indent="0">
+              <a:buNone/>
+              <a:defRPr sz="1400">
+                <a:solidFill>
+                  <a:schemeClr val="tx1">
+                    <a:tint val="75000"/>
+                  </a:schemeClr>
+                </a:solidFill>
+              </a:defRPr>
+            </a:lvl9pPr>
+          </a:lstStyle>
+          <a:p>
+            <a:pPr lvl="0"/>
+            <a:r>
+              <a:rPr lang="en-US"/>
+              <a:t>Click to edit Master text styles</a:t>
+            </a:r>
+          </a:p>
+        </p:txBody>
+      </p:sp>
+      <p:sp>
+        <p:nvSpPr>
+          <p:cNvPr id="4" name="Date Placeholder 3"/>
+          <p:cNvSpPr>
+            <a:spLocks noGrp="1"/>
+          </p:cNvSpPr>
+          <p:nvPr>
+            <p:ph type="dt" sz="half" idx="10"/>
+          </p:nvPr>
+        </p:nvSpPr>
+        <p:spPr/>
+        <p:txBody>
+          <a:bodyPr/>
+          <a:lstStyle/>
+          <a:p>
+            <a:fld id="{E4E2E80C-70A6-4D76-B6F8-959F074A456C}" type="datetimeFigureOut">
+              <a:rPr lang="en-US" smtClean="0"/>
+              <a:t>07-Jun-21</a:t>
+            </a:fld>
+            <a:endParaRPr lang="en-US"/>
+          </a:p>
+        </p:txBody>
+      </p:sp>
+      <p:sp>
+        <p:nvSpPr>
+          <p:cNvPr id="5" name="Footer Placeholder 4"/>
+          <p:cNvSpPr>
+            <a:spLocks noGrp="1"/>
+          </p:cNvSpPr>
+          <p:nvPr>
+            <p:ph type="ftr" sz="quarter" idx="11"/>
+          </p:nvPr>
+        </p:nvSpPr>
+        <p:spPr/>
+        <p:txBody>
+          <a:bodyPr/>
+          <a:lstStyle/>
+          <a:p>
+            <a:endParaRPr lang="en-US"/>
+          </a:p>
+        </p:txBody>
+      </p:sp>
+      <p:sp>
+        <p:nvSpPr>
+          <p:cNvPr id="6" name="Slide Number Placeholder 5"/>
+          <p:cNvSpPr>
+            <a:spLocks noGrp="1"/>
+          </p:cNvSpPr>
+          <p:nvPr>
+            <p:ph type="sldNum" sz="quarter" idx="12"/>
+          </p:nvPr>
+        </p:nvSpPr>
+        <p:spPr/>
+        <p:txBody>
+          <a:bodyPr/>
+          <a:lstStyle/>
+          <a:p>
+            <a:fld id="{BE7965FE-0791-41EA-813F-728B0A5F0902}" type="slidenum">
+              <a:rPr lang="en-US" smtClean="0"/>
+              <a:t>‹#›</a:t>
+            </a:fld>
+            <a:endParaRPr lang="en-US"/>
+          </a:p>
+        </p:txBody>
+      </p:sp>
+    </p:spTree>
+    <p:extLst>
+      <p:ext uri="{BB962C8B-B14F-4D97-AF65-F5344CB8AC3E}">
+        <p14:creationId xmlns:p14="http://schemas.microsoft.com/office/powerpoint/2010/main" val="3311117145"/>
+      </p:ext>
+    </p:extLst>
+  </p:cSld>
+  <p:clrMapOvr>
+    <a:masterClrMapping/>
+  </p:clrMapOvr>
+</p:sldLayout>
+</file>
+
+<file path=ppt/slideLayouts/slideLayout15.xml><?xml version="1.0" encoding="utf-8"?>
+<p:sldLayout xmlns:a="http://schemas.openxmlformats.org/drawingml/2006/main" xmlns:r="http://schemas.openxmlformats.org/officeDocument/2006/relationships" xmlns:p="http://schemas.openxmlformats.org/presentationml/2006/main" preserve="1">
+  <p:cSld name="True or False">
+    <p:spTree>
+      <p:nvGrpSpPr>
+        <p:cNvPr id="1" name=""/>
+        <p:cNvGrpSpPr/>
+        <p:nvPr/>
+      </p:nvGrpSpPr>
+      <p:grpSpPr>
+        <a:xfrm>
+          <a:off x="0" y="0"/>
+          <a:ext cx="0" cy="0"/>
+          <a:chOff x="0" y="0"/>
+          <a:chExt cx="0" cy="0"/>
+        </a:xfrm>
+      </p:grpSpPr>
+      <p:sp>
+        <p:nvSpPr>
+          <p:cNvPr id="2" name="Title 1"/>
+          <p:cNvSpPr>
+            <a:spLocks noGrp="1"/>
+          </p:cNvSpPr>
+          <p:nvPr>
+            <p:ph type="title"/>
+          </p:nvPr>
+        </p:nvSpPr>
+        <p:spPr>
+          <a:xfrm>
+            <a:off x="1141412" y="609601"/>
+            <a:ext cx="9905999" cy="2743199"/>
+          </a:xfrm>
+        </p:spPr>
+        <p:txBody>
+          <a:bodyPr vert="horz" lIns="91440" tIns="45720" rIns="91440" bIns="45720" rtlCol="0" anchor="ctr">
+            <a:normAutofit/>
+          </a:bodyPr>
+          <a:lstStyle>
+            <a:lvl1pPr>
+              <a:defRPr lang="en-US" b="0" dirty="0"/>
+            </a:lvl1pPr>
+          </a:lstStyle>
+          <a:p>
+            <a:pPr marL="0" lvl="0"/>
+            <a:r>
+              <a:rPr lang="en-US"/>
+              <a:t>Click to edit Master title style</a:t>
+            </a:r>
+            <a:endParaRPr lang="en-US" dirty="0"/>
+          </a:p>
+        </p:txBody>
+      </p:sp>
+      <p:sp>
+        <p:nvSpPr>
+          <p:cNvPr id="10" name="Text Placeholder 9"/>
+          <p:cNvSpPr>
+            <a:spLocks noGrp="1"/>
+          </p:cNvSpPr>
+          <p:nvPr>
+            <p:ph type="body" sz="quarter" idx="13"/>
+          </p:nvPr>
+        </p:nvSpPr>
+        <p:spPr>
+          <a:xfrm>
+            <a:off x="1141412" y="3505200"/>
+            <a:ext cx="9906000" cy="838200"/>
+          </a:xfrm>
+        </p:spPr>
+        <p:txBody>
+          <a:bodyPr vert="horz" lIns="91440" tIns="45720" rIns="91440" bIns="45720" rtlCol="0" anchor="b">
+            <a:normAutofit/>
+          </a:bodyPr>
+          <a:lstStyle>
+            <a:lvl1pPr>
+              <a:buNone/>
+              <a:defRPr lang="en-US" sz="2800" b="0" cap="all" dirty="0">
+                <a:ln w="3175" cmpd="sng">
+                  <a:noFill/>
+                </a:ln>
+                <a:gradFill flip="none" rotWithShape="1">
+                  <a:gsLst>
+                    <a:gs pos="0">
+                      <a:schemeClr val="tx1"/>
+                    </a:gs>
+                    <a:gs pos="100000">
+                      <a:schemeClr val="tx1">
+                        <a:lumMod val="75000"/>
+                      </a:schemeClr>
+                    </a:gs>
+                  </a:gsLst>
+                  <a:lin ang="5400000" scaled="0"/>
+                  <a:tileRect/>
+                </a:gradFill>
+                <a:effectLst>
+                  <a:glow rad="38100">
+                    <a:schemeClr val="bg1">
+                      <a:lumMod val="65000"/>
+                      <a:lumOff val="35000"/>
+                      <a:alpha val="40000"/>
+                    </a:schemeClr>
+                  </a:glow>
+                  <a:outerShdw blurRad="28575" dist="38100" dir="14040000" algn="tl" rotWithShape="0">
+                    <a:srgbClr val="000000">
+                      <a:alpha val="25000"/>
+                    </a:srgbClr>
+                  </a:outerShdw>
+                </a:effectLst>
+              </a:defRPr>
+            </a:lvl1pPr>
+          </a:lstStyle>
+          <a:p>
+            <a:pPr marL="0" lvl="0">
+              <a:spcBef>
+                <a:spcPct val="0"/>
+              </a:spcBef>
+              <a:buNone/>
+            </a:pPr>
+            <a:r>
+              <a:rPr lang="en-US"/>
+              <a:t>Click to edit Master text styles</a:t>
+            </a:r>
+          </a:p>
+        </p:txBody>
+      </p:sp>
+      <p:sp>
+        <p:nvSpPr>
+          <p:cNvPr id="3" name="Text Placeholder 2"/>
+          <p:cNvSpPr>
+            <a:spLocks noGrp="1"/>
+          </p:cNvSpPr>
+          <p:nvPr>
+            <p:ph type="body" idx="1"/>
+          </p:nvPr>
+        </p:nvSpPr>
+        <p:spPr>
+          <a:xfrm>
+            <a:off x="1141411" y="4343400"/>
+            <a:ext cx="9906000" cy="1447800"/>
+          </a:xfrm>
+        </p:spPr>
+        <p:txBody>
+          <a:bodyPr anchor="t">
+            <a:normAutofit/>
+          </a:bodyPr>
+          <a:lstStyle>
+            <a:lvl1pPr marL="0" indent="0" algn="l">
+              <a:buNone/>
+              <a:defRPr sz="1800">
+                <a:gradFill flip="none" rotWithShape="1">
+                  <a:gsLst>
+                    <a:gs pos="0">
+                      <a:schemeClr val="tx1"/>
+                    </a:gs>
+                    <a:gs pos="100000">
+                      <a:schemeClr val="tx1">
+                        <a:lumMod val="75000"/>
+                      </a:schemeClr>
+                    </a:gs>
+                  </a:gsLst>
+                  <a:lin ang="5400000" scaled="0"/>
+                  <a:tileRect/>
+                </a:gradFill>
+              </a:defRPr>
+            </a:lvl1pPr>
+            <a:lvl2pPr marL="457200" indent="0">
+              <a:buNone/>
+              <a:defRPr sz="1800">
+                <a:solidFill>
+                  <a:schemeClr val="tx1">
+                    <a:tint val="75000"/>
+                  </a:schemeClr>
+                </a:solidFill>
+              </a:defRPr>
+            </a:lvl2pPr>
+            <a:lvl3pPr marL="914400" indent="0">
+              <a:buNone/>
+              <a:defRPr sz="1600">
+                <a:solidFill>
+                  <a:schemeClr val="tx1">
+                    <a:tint val="75000"/>
+                  </a:schemeClr>
+                </a:solidFill>
+              </a:defRPr>
+            </a:lvl3pPr>
+            <a:lvl4pPr marL="1371600" indent="0">
+              <a:buNone/>
+              <a:defRPr sz="1400">
+                <a:solidFill>
+                  <a:schemeClr val="tx1">
+                    <a:tint val="75000"/>
+                  </a:schemeClr>
+                </a:solidFill>
+              </a:defRPr>
+            </a:lvl4pPr>
+            <a:lvl5pPr marL="1828800" indent="0">
+              <a:buNone/>
+              <a:defRPr sz="1400">
+                <a:solidFill>
+                  <a:schemeClr val="tx1">
+                    <a:tint val="75000"/>
+                  </a:schemeClr>
+                </a:solidFill>
+              </a:defRPr>
+            </a:lvl5pPr>
+            <a:lvl6pPr marL="2286000" indent="0">
+              <a:buNone/>
+              <a:defRPr sz="1400">
+                <a:solidFill>
+                  <a:schemeClr val="tx1">
+                    <a:tint val="75000"/>
+                  </a:schemeClr>
+                </a:solidFill>
+              </a:defRPr>
+            </a:lvl6pPr>
+            <a:lvl7pPr marL="2743200" indent="0">
+              <a:buNone/>
+              <a:defRPr sz="1400">
+                <a:solidFill>
+                  <a:schemeClr val="tx1">
+                    <a:tint val="75000"/>
+                  </a:schemeClr>
+                </a:solidFill>
+              </a:defRPr>
+            </a:lvl7pPr>
+            <a:lvl8pPr marL="3200400" indent="0">
+              <a:buNone/>
+              <a:defRPr sz="1400">
+                <a:solidFill>
+                  <a:schemeClr val="tx1">
+                    <a:tint val="75000"/>
+                  </a:schemeClr>
+                </a:solidFill>
+              </a:defRPr>
+            </a:lvl8pPr>
+            <a:lvl9pPr marL="3657600" indent="0">
+              <a:buNone/>
+              <a:defRPr sz="1400">
+                <a:solidFill>
+                  <a:schemeClr val="tx1">
+                    <a:tint val="75000"/>
+                  </a:schemeClr>
+                </a:solidFill>
+              </a:defRPr>
+            </a:lvl9pPr>
+          </a:lstStyle>
+          <a:p>
+            <a:pPr lvl="0"/>
+            <a:r>
+              <a:rPr lang="en-US"/>
+              <a:t>Click to edit Master text styles</a:t>
+            </a:r>
+          </a:p>
+        </p:txBody>
+      </p:sp>
+      <p:sp>
+        <p:nvSpPr>
+          <p:cNvPr id="4" name="Date Placeholder 3"/>
+          <p:cNvSpPr>
+            <a:spLocks noGrp="1"/>
+          </p:cNvSpPr>
+          <p:nvPr>
+            <p:ph type="dt" sz="half" idx="10"/>
+          </p:nvPr>
+        </p:nvSpPr>
+        <p:spPr/>
+        <p:txBody>
+          <a:bodyPr/>
+          <a:lstStyle/>
+          <a:p>
+            <a:fld id="{E4E2E80C-70A6-4D76-B6F8-959F074A456C}" type="datetimeFigureOut">
+              <a:rPr lang="en-US" smtClean="0"/>
+              <a:t>07-Jun-21</a:t>
+            </a:fld>
+            <a:endParaRPr lang="en-US"/>
+          </a:p>
+        </p:txBody>
+      </p:sp>
+      <p:sp>
+        <p:nvSpPr>
+          <p:cNvPr id="5" name="Footer Placeholder 4"/>
+          <p:cNvSpPr>
+            <a:spLocks noGrp="1"/>
+          </p:cNvSpPr>
+          <p:nvPr>
+            <p:ph type="ftr" sz="quarter" idx="11"/>
+          </p:nvPr>
+        </p:nvSpPr>
+        <p:spPr/>
+        <p:txBody>
+          <a:bodyPr/>
+          <a:lstStyle/>
+          <a:p>
+            <a:endParaRPr lang="en-US"/>
+          </a:p>
+        </p:txBody>
+      </p:sp>
+      <p:sp>
+        <p:nvSpPr>
+          <p:cNvPr id="6" name="Slide Number Placeholder 5"/>
+          <p:cNvSpPr>
+            <a:spLocks noGrp="1"/>
+          </p:cNvSpPr>
+          <p:nvPr>
+            <p:ph type="sldNum" sz="quarter" idx="12"/>
+          </p:nvPr>
+        </p:nvSpPr>
+        <p:spPr/>
+        <p:txBody>
+          <a:bodyPr/>
+          <a:lstStyle/>
+          <a:p>
+            <a:fld id="{BE7965FE-0791-41EA-813F-728B0A5F0902}" type="slidenum">
+              <a:rPr lang="en-US" smtClean="0"/>
+              <a:t>‹#›</a:t>
+            </a:fld>
+            <a:endParaRPr lang="en-US"/>
+          </a:p>
+        </p:txBody>
+      </p:sp>
+    </p:spTree>
+    <p:extLst>
+      <p:ext uri="{BB962C8B-B14F-4D97-AF65-F5344CB8AC3E}">
+        <p14:creationId xmlns:p14="http://schemas.microsoft.com/office/powerpoint/2010/main" val="3869815295"/>
+      </p:ext>
+    </p:extLst>
+  </p:cSld>
+  <p:clrMapOvr>
+    <a:masterClrMapping/>
+  </p:clrMapOvr>
+</p:sldLayout>
+</file>
+
+<file path=ppt/slideLayouts/slideLayout16.xml><?xml version="1.0" encoding="utf-8"?>
 <p:sldLayout xmlns:a="http://schemas.openxmlformats.org/drawingml/2006/main" xmlns:r="http://schemas.openxmlformats.org/officeDocument/2006/relationships" xmlns:p="http://schemas.openxmlformats.org/presentationml/2006/main" type="vertTx" preserve="1">
   <p:cSld name="Title and Vertical Text">
     <p:spTree>
@@ -360,13 +2522,7 @@
       </p:grpSpPr>
       <p:sp>
         <p:nvSpPr>
-          <p:cNvPr id="2" name="Title 1">
-            <a:extLst>
-              <a:ext uri="{FF2B5EF4-FFF2-40B4-BE49-F238E27FC236}">
-                <a16:creationId xmlns:a16="http://schemas.microsoft.com/office/drawing/2014/main" id="{188FEE9F-0FB3-4E5D-9F0B-5788C35A297F}"/>
-              </a:ext>
-            </a:extLst>
-          </p:cNvPr>
+          <p:cNvPr id="7" name="Title 1"/>
           <p:cNvSpPr>
             <a:spLocks noGrp="1"/>
           </p:cNvSpPr>
@@ -374,37 +2530,37 @@
             <p:ph type="title"/>
           </p:nvPr>
         </p:nvSpPr>
+        <p:spPr>
+          <a:xfrm>
+            <a:off x="1141413" y="609600"/>
+            <a:ext cx="9905998" cy="1905000"/>
+          </a:xfrm>
+        </p:spPr>
+        <p:txBody>
+          <a:bodyPr/>
+          <a:lstStyle/>
+          <a:p>
+            <a:r>
+              <a:rPr lang="en-US"/>
+              <a:t>Click to edit Master title style</a:t>
+            </a:r>
+            <a:endParaRPr lang="en-US" dirty="0"/>
+          </a:p>
+        </p:txBody>
+      </p:sp>
+      <p:sp>
+        <p:nvSpPr>
+          <p:cNvPr id="3" name="Vertical Text Placeholder 2"/>
+          <p:cNvSpPr>
+            <a:spLocks noGrp="1"/>
+          </p:cNvSpPr>
+          <p:nvPr>
+            <p:ph type="body" orient="vert" idx="1"/>
+          </p:nvPr>
+        </p:nvSpPr>
         <p:spPr/>
         <p:txBody>
-          <a:bodyPr/>
-          <a:lstStyle/>
-          <a:p>
-            <a:r>
-              <a:rPr lang="en-US"/>
-              <a:t>Click to edit Master title style</a:t>
-            </a:r>
-          </a:p>
-        </p:txBody>
-      </p:sp>
-      <p:sp>
-        <p:nvSpPr>
-          <p:cNvPr id="3" name="Vertical Text Placeholder 2">
-            <a:extLst>
-              <a:ext uri="{FF2B5EF4-FFF2-40B4-BE49-F238E27FC236}">
-                <a16:creationId xmlns:a16="http://schemas.microsoft.com/office/drawing/2014/main" id="{77A98D3B-0193-453A-A2EE-5B1FB87B6519}"/>
-              </a:ext>
-            </a:extLst>
-          </p:cNvPr>
-          <p:cNvSpPr>
-            <a:spLocks noGrp="1"/>
-          </p:cNvSpPr>
-          <p:nvPr>
-            <p:ph type="body" orient="vert" idx="1"/>
-          </p:nvPr>
-        </p:nvSpPr>
-        <p:spPr/>
-        <p:txBody>
-          <a:bodyPr vert="eaVert"/>
+          <a:bodyPr vert="eaVert" anchor="t"/>
           <a:lstStyle/>
           <a:p>
             <a:pPr lvl="0"/>
@@ -440,18 +2596,13 @@
               <a:rPr lang="en-US"/>
               <a:t>Fifth level</a:t>
             </a:r>
-          </a:p>
-        </p:txBody>
-      </p:sp>
-      <p:sp>
-        <p:nvSpPr>
-          <p:cNvPr id="4" name="Date Placeholder 3">
-            <a:extLst>
-              <a:ext uri="{FF2B5EF4-FFF2-40B4-BE49-F238E27FC236}">
-                <a16:creationId xmlns:a16="http://schemas.microsoft.com/office/drawing/2014/main" id="{F9F868F4-7948-490E-9087-2330FDAF920B}"/>
-              </a:ext>
-            </a:extLst>
-          </p:cNvPr>
+            <a:endParaRPr lang="en-US" dirty="0"/>
+          </a:p>
+        </p:txBody>
+      </p:sp>
+      <p:sp>
+        <p:nvSpPr>
+          <p:cNvPr id="4" name="Date Placeholder 3"/>
           <p:cNvSpPr>
             <a:spLocks noGrp="1"/>
           </p:cNvSpPr>
@@ -474,13 +2625,7 @@
       </p:sp>
       <p:sp>
         <p:nvSpPr>
-          <p:cNvPr id="5" name="Footer Placeholder 4">
-            <a:extLst>
-              <a:ext uri="{FF2B5EF4-FFF2-40B4-BE49-F238E27FC236}">
-                <a16:creationId xmlns:a16="http://schemas.microsoft.com/office/drawing/2014/main" id="{2907D516-01BF-448E-BD79-D552C2FC9C3B}"/>
-              </a:ext>
-            </a:extLst>
-          </p:cNvPr>
+          <p:cNvPr id="5" name="Footer Placeholder 4"/>
           <p:cNvSpPr>
             <a:spLocks noGrp="1"/>
           </p:cNvSpPr>
@@ -499,13 +2644,7 @@
       </p:sp>
       <p:sp>
         <p:nvSpPr>
-          <p:cNvPr id="6" name="Slide Number Placeholder 5">
-            <a:extLst>
-              <a:ext uri="{FF2B5EF4-FFF2-40B4-BE49-F238E27FC236}">
-                <a16:creationId xmlns:a16="http://schemas.microsoft.com/office/drawing/2014/main" id="{6BA5B850-93DC-4C8F-BB97-E9B4AE51CE52}"/>
-              </a:ext>
-            </a:extLst>
-          </p:cNvPr>
+          <p:cNvPr id="6" name="Slide Number Placeholder 5"/>
           <p:cNvSpPr>
             <a:spLocks noGrp="1"/>
           </p:cNvSpPr>
@@ -529,7 +2668,7 @@
     </p:spTree>
     <p:extLst>
       <p:ext uri="{BB962C8B-B14F-4D97-AF65-F5344CB8AC3E}">
-        <p14:creationId xmlns:p14="http://schemas.microsoft.com/office/powerpoint/2010/main" val="3468512708"/>
+        <p14:creationId xmlns:p14="http://schemas.microsoft.com/office/powerpoint/2010/main" val="3810886289"/>
       </p:ext>
     </p:extLst>
   </p:cSld>
@@ -539,7 +2678,7 @@
 </p:sldLayout>
 </file>
 
-<file path=ppt/slideLayouts/slideLayout11.xml><?xml version="1.0" encoding="utf-8"?>
+<file path=ppt/slideLayouts/slideLayout17.xml><?xml version="1.0" encoding="utf-8"?>
 <p:sldLayout xmlns:a="http://schemas.openxmlformats.org/drawingml/2006/main" xmlns:r="http://schemas.openxmlformats.org/officeDocument/2006/relationships" xmlns:p="http://schemas.openxmlformats.org/presentationml/2006/main" type="vertTitleAndTx" preserve="1">
   <p:cSld name="Vertical Title and Text">
     <p:spTree>
@@ -558,13 +2697,7 @@
       </p:grpSpPr>
       <p:sp>
         <p:nvSpPr>
-          <p:cNvPr id="2" name="Vertical Title 1">
-            <a:extLst>
-              <a:ext uri="{FF2B5EF4-FFF2-40B4-BE49-F238E27FC236}">
-                <a16:creationId xmlns:a16="http://schemas.microsoft.com/office/drawing/2014/main" id="{D50A6A3D-781A-400F-982A-E092A049AC05}"/>
-              </a:ext>
-            </a:extLst>
-          </p:cNvPr>
+          <p:cNvPr id="2" name="Vertical Title 1"/>
           <p:cNvSpPr>
             <a:spLocks noGrp="1"/>
           </p:cNvSpPr>
@@ -574,8 +2707,8 @@
         </p:nvSpPr>
         <p:spPr>
           <a:xfrm>
-            <a:off x="8724900" y="365125"/>
-            <a:ext cx="2628900" cy="5811838"/>
+            <a:off x="8836898" y="609599"/>
+            <a:ext cx="2210514" cy="5181601"/>
           </a:xfrm>
         </p:spPr>
         <p:txBody>
@@ -586,18 +2719,13 @@
               <a:rPr lang="en-US"/>
               <a:t>Click to edit Master title style</a:t>
             </a:r>
-          </a:p>
-        </p:txBody>
-      </p:sp>
-      <p:sp>
-        <p:nvSpPr>
-          <p:cNvPr id="3" name="Vertical Text Placeholder 2">
-            <a:extLst>
-              <a:ext uri="{FF2B5EF4-FFF2-40B4-BE49-F238E27FC236}">
-                <a16:creationId xmlns:a16="http://schemas.microsoft.com/office/drawing/2014/main" id="{C9FE47D3-32A6-4E50-B39A-88B7BE6108D8}"/>
-              </a:ext>
-            </a:extLst>
-          </p:cNvPr>
+            <a:endParaRPr lang="en-US" dirty="0"/>
+          </a:p>
+        </p:txBody>
+      </p:sp>
+      <p:sp>
+        <p:nvSpPr>
+          <p:cNvPr id="3" name="Vertical Text Placeholder 2"/>
           <p:cNvSpPr>
             <a:spLocks noGrp="1"/>
           </p:cNvSpPr>
@@ -607,12 +2735,12 @@
         </p:nvSpPr>
         <p:spPr>
           <a:xfrm>
-            <a:off x="838200" y="365125"/>
-            <a:ext cx="7734300" cy="5811838"/>
+            <a:off x="1141412" y="609600"/>
+            <a:ext cx="7543800" cy="5181600"/>
           </a:xfrm>
         </p:spPr>
         <p:txBody>
-          <a:bodyPr vert="eaVert"/>
+          <a:bodyPr vert="eaVert" anchor="t"/>
           <a:lstStyle/>
           <a:p>
             <a:pPr lvl="0"/>
@@ -648,18 +2776,13 @@
               <a:rPr lang="en-US"/>
               <a:t>Fifth level</a:t>
             </a:r>
-          </a:p>
-        </p:txBody>
-      </p:sp>
-      <p:sp>
-        <p:nvSpPr>
-          <p:cNvPr id="4" name="Date Placeholder 3">
-            <a:extLst>
-              <a:ext uri="{FF2B5EF4-FFF2-40B4-BE49-F238E27FC236}">
-                <a16:creationId xmlns:a16="http://schemas.microsoft.com/office/drawing/2014/main" id="{5C2CB518-9BFD-47AE-8CD7-EBC958B31670}"/>
-              </a:ext>
-            </a:extLst>
-          </p:cNvPr>
+            <a:endParaRPr lang="en-US" dirty="0"/>
+          </a:p>
+        </p:txBody>
+      </p:sp>
+      <p:sp>
+        <p:nvSpPr>
+          <p:cNvPr id="4" name="Date Placeholder 3"/>
           <p:cNvSpPr>
             <a:spLocks noGrp="1"/>
           </p:cNvSpPr>
@@ -682,13 +2805,7 @@
       </p:sp>
       <p:sp>
         <p:nvSpPr>
-          <p:cNvPr id="5" name="Footer Placeholder 4">
-            <a:extLst>
-              <a:ext uri="{FF2B5EF4-FFF2-40B4-BE49-F238E27FC236}">
-                <a16:creationId xmlns:a16="http://schemas.microsoft.com/office/drawing/2014/main" id="{4AA57EDF-85E4-4F4C-8315-D331299166CF}"/>
-              </a:ext>
-            </a:extLst>
-          </p:cNvPr>
+          <p:cNvPr id="5" name="Footer Placeholder 4"/>
           <p:cNvSpPr>
             <a:spLocks noGrp="1"/>
           </p:cNvSpPr>
@@ -707,13 +2824,7 @@
       </p:sp>
       <p:sp>
         <p:nvSpPr>
-          <p:cNvPr id="6" name="Slide Number Placeholder 5">
-            <a:extLst>
-              <a:ext uri="{FF2B5EF4-FFF2-40B4-BE49-F238E27FC236}">
-                <a16:creationId xmlns:a16="http://schemas.microsoft.com/office/drawing/2014/main" id="{CDFC8752-2656-4ED6-B828-10822620D433}"/>
-              </a:ext>
-            </a:extLst>
-          </p:cNvPr>
+          <p:cNvPr id="6" name="Slide Number Placeholder 5"/>
           <p:cNvSpPr>
             <a:spLocks noGrp="1"/>
           </p:cNvSpPr>
@@ -737,7 +2848,7 @@
     </p:spTree>
     <p:extLst>
       <p:ext uri="{BB962C8B-B14F-4D97-AF65-F5344CB8AC3E}">
-        <p14:creationId xmlns:p14="http://schemas.microsoft.com/office/powerpoint/2010/main" val="518013657"/>
+        <p14:creationId xmlns:p14="http://schemas.microsoft.com/office/powerpoint/2010/main" val="1917187665"/>
       </p:ext>
     </p:extLst>
   </p:cSld>
@@ -766,13 +2877,7 @@
       </p:grpSpPr>
       <p:sp>
         <p:nvSpPr>
-          <p:cNvPr id="2" name="Title 1">
-            <a:extLst>
-              <a:ext uri="{FF2B5EF4-FFF2-40B4-BE49-F238E27FC236}">
-                <a16:creationId xmlns:a16="http://schemas.microsoft.com/office/drawing/2014/main" id="{FA0A7F3D-E392-44C1-8AD3-5F0E7BCC7DF2}"/>
-              </a:ext>
-            </a:extLst>
-          </p:cNvPr>
+          <p:cNvPr id="2" name="Title 1"/>
           <p:cNvSpPr>
             <a:spLocks noGrp="1"/>
           </p:cNvSpPr>
@@ -789,18 +2894,13 @@
               <a:rPr lang="en-US"/>
               <a:t>Click to edit Master title style</a:t>
             </a:r>
-          </a:p>
-        </p:txBody>
-      </p:sp>
-      <p:sp>
-        <p:nvSpPr>
-          <p:cNvPr id="3" name="Content Placeholder 2">
-            <a:extLst>
-              <a:ext uri="{FF2B5EF4-FFF2-40B4-BE49-F238E27FC236}">
-                <a16:creationId xmlns:a16="http://schemas.microsoft.com/office/drawing/2014/main" id="{18798218-6D9D-416C-86F0-81129564B9CA}"/>
-              </a:ext>
-            </a:extLst>
-          </p:cNvPr>
+            <a:endParaRPr lang="en-US" dirty="0"/>
+          </a:p>
+        </p:txBody>
+      </p:sp>
+      <p:sp>
+        <p:nvSpPr>
+          <p:cNvPr id="3" name="Content Placeholder 2"/>
           <p:cNvSpPr>
             <a:spLocks noGrp="1"/>
           </p:cNvSpPr>
@@ -810,7 +2910,7 @@
         </p:nvSpPr>
         <p:spPr/>
         <p:txBody>
-          <a:bodyPr/>
+          <a:bodyPr anchor="ctr"/>
           <a:lstStyle/>
           <a:p>
             <a:pPr lvl="0"/>
@@ -846,18 +2946,13 @@
               <a:rPr lang="en-US"/>
               <a:t>Fifth level</a:t>
             </a:r>
-          </a:p>
-        </p:txBody>
-      </p:sp>
-      <p:sp>
-        <p:nvSpPr>
-          <p:cNvPr id="4" name="Date Placeholder 3">
-            <a:extLst>
-              <a:ext uri="{FF2B5EF4-FFF2-40B4-BE49-F238E27FC236}">
-                <a16:creationId xmlns:a16="http://schemas.microsoft.com/office/drawing/2014/main" id="{8E5C08DE-83AF-4944-BE87-52BC88AB2B69}"/>
-              </a:ext>
-            </a:extLst>
-          </p:cNvPr>
+            <a:endParaRPr lang="en-US" dirty="0"/>
+          </a:p>
+        </p:txBody>
+      </p:sp>
+      <p:sp>
+        <p:nvSpPr>
+          <p:cNvPr id="4" name="Date Placeholder 3"/>
           <p:cNvSpPr>
             <a:spLocks noGrp="1"/>
           </p:cNvSpPr>
@@ -880,13 +2975,7 @@
       </p:sp>
       <p:sp>
         <p:nvSpPr>
-          <p:cNvPr id="5" name="Footer Placeholder 4">
-            <a:extLst>
-              <a:ext uri="{FF2B5EF4-FFF2-40B4-BE49-F238E27FC236}">
-                <a16:creationId xmlns:a16="http://schemas.microsoft.com/office/drawing/2014/main" id="{9A54F26E-50AE-4056-B53C-E0D9B7D22730}"/>
-              </a:ext>
-            </a:extLst>
-          </p:cNvPr>
+          <p:cNvPr id="5" name="Footer Placeholder 4"/>
           <p:cNvSpPr>
             <a:spLocks noGrp="1"/>
           </p:cNvSpPr>
@@ -905,13 +2994,7 @@
       </p:sp>
       <p:sp>
         <p:nvSpPr>
-          <p:cNvPr id="6" name="Slide Number Placeholder 5">
-            <a:extLst>
-              <a:ext uri="{FF2B5EF4-FFF2-40B4-BE49-F238E27FC236}">
-                <a16:creationId xmlns:a16="http://schemas.microsoft.com/office/drawing/2014/main" id="{DC5157AC-BA33-4FE8-A7FF-93918E12EA48}"/>
-              </a:ext>
-            </a:extLst>
-          </p:cNvPr>
+          <p:cNvPr id="6" name="Slide Number Placeholder 5"/>
           <p:cNvSpPr>
             <a:spLocks noGrp="1"/>
           </p:cNvSpPr>
@@ -935,7 +3018,7 @@
     </p:spTree>
     <p:extLst>
       <p:ext uri="{BB962C8B-B14F-4D97-AF65-F5344CB8AC3E}">
-        <p14:creationId xmlns:p14="http://schemas.microsoft.com/office/powerpoint/2010/main" val="3207686836"/>
+        <p14:creationId xmlns:p14="http://schemas.microsoft.com/office/powerpoint/2010/main" val="3289874885"/>
       </p:ext>
     </p:extLst>
   </p:cSld>
@@ -964,13 +3047,7 @@
       </p:grpSpPr>
       <p:sp>
         <p:nvSpPr>
-          <p:cNvPr id="2" name="Title 1">
-            <a:extLst>
-              <a:ext uri="{FF2B5EF4-FFF2-40B4-BE49-F238E27FC236}">
-                <a16:creationId xmlns:a16="http://schemas.microsoft.com/office/drawing/2014/main" id="{D64B14E0-2BFD-4CB0-992B-E756138C1B15}"/>
-              </a:ext>
-            </a:extLst>
-          </p:cNvPr>
+          <p:cNvPr id="2" name="Title 1"/>
           <p:cNvSpPr>
             <a:spLocks noGrp="1"/>
           </p:cNvSpPr>
@@ -980,15 +3057,15 @@
         </p:nvSpPr>
         <p:spPr>
           <a:xfrm>
-            <a:off x="831850" y="1709738"/>
-            <a:ext cx="10515600" cy="2852737"/>
+            <a:off x="1751013" y="3308581"/>
+            <a:ext cx="8686800" cy="1468800"/>
           </a:xfrm>
         </p:spPr>
         <p:txBody>
           <a:bodyPr anchor="b"/>
           <a:lstStyle>
-            <a:lvl1pPr>
-              <a:defRPr sz="6000"/>
+            <a:lvl1pPr algn="r">
+              <a:defRPr sz="4000" b="0" cap="all"/>
             </a:lvl1pPr>
           </a:lstStyle>
           <a:p>
@@ -996,18 +3073,13 @@
               <a:rPr lang="en-US"/>
               <a:t>Click to edit Master title style</a:t>
             </a:r>
-          </a:p>
-        </p:txBody>
-      </p:sp>
-      <p:sp>
-        <p:nvSpPr>
-          <p:cNvPr id="3" name="Text Placeholder 2">
-            <a:extLst>
-              <a:ext uri="{FF2B5EF4-FFF2-40B4-BE49-F238E27FC236}">
-                <a16:creationId xmlns:a16="http://schemas.microsoft.com/office/drawing/2014/main" id="{24270C69-8C04-4538-9BFD-83A65DDD5A10}"/>
-              </a:ext>
-            </a:extLst>
-          </p:cNvPr>
+            <a:endParaRPr lang="en-US" dirty="0"/>
+          </a:p>
+        </p:txBody>
+      </p:sp>
+      <p:sp>
+        <p:nvSpPr>
+          <p:cNvPr id="3" name="Text Placeholder 2"/>
           <p:cNvSpPr>
             <a:spLocks noGrp="1"/>
           </p:cNvSpPr>
@@ -1017,102 +3089,113 @@
         </p:nvSpPr>
         <p:spPr>
           <a:xfrm>
-            <a:off x="831850" y="4589463"/>
-            <a:ext cx="10515600" cy="1500187"/>
+            <a:off x="1751011" y="4777381"/>
+            <a:ext cx="8686801" cy="860400"/>
           </a:xfrm>
         </p:spPr>
         <p:txBody>
-          <a:bodyPr/>
+          <a:bodyPr anchor="t">
+            <a:normAutofit/>
+          </a:bodyPr>
           <a:lstStyle>
-            <a:lvl1pPr marL="0" indent="0">
-              <a:buNone/>
-              <a:defRPr sz="2400">
+            <a:lvl1pPr marL="0" indent="0" algn="r">
+              <a:buNone/>
+              <a:defRPr sz="2000">
+                <a:gradFill flip="none" rotWithShape="1">
+                  <a:gsLst>
+                    <a:gs pos="0">
+                      <a:schemeClr val="tx1"/>
+                    </a:gs>
+                    <a:gs pos="100000">
+                      <a:schemeClr val="tx1">
+                        <a:lumMod val="75000"/>
+                      </a:schemeClr>
+                    </a:gs>
+                  </a:gsLst>
+                  <a:lin ang="5400000" scaled="0"/>
+                  <a:tileRect/>
+                </a:gradFill>
+              </a:defRPr>
+            </a:lvl1pPr>
+            <a:lvl2pPr marL="457200" indent="0">
+              <a:buNone/>
+              <a:defRPr sz="1800">
                 <a:solidFill>
                   <a:schemeClr val="tx1">
                     <a:tint val="75000"/>
                   </a:schemeClr>
                 </a:solidFill>
               </a:defRPr>
-            </a:lvl1pPr>
-            <a:lvl2pPr marL="457200" indent="0">
-              <a:buNone/>
-              <a:defRPr sz="2000">
+            </a:lvl2pPr>
+            <a:lvl3pPr marL="914400" indent="0">
+              <a:buNone/>
+              <a:defRPr sz="1600">
                 <a:solidFill>
                   <a:schemeClr val="tx1">
                     <a:tint val="75000"/>
                   </a:schemeClr>
                 </a:solidFill>
               </a:defRPr>
-            </a:lvl2pPr>
-            <a:lvl3pPr marL="914400" indent="0">
-              <a:buNone/>
-              <a:defRPr sz="1800">
+            </a:lvl3pPr>
+            <a:lvl4pPr marL="1371600" indent="0">
+              <a:buNone/>
+              <a:defRPr sz="1400">
                 <a:solidFill>
                   <a:schemeClr val="tx1">
                     <a:tint val="75000"/>
                   </a:schemeClr>
                 </a:solidFill>
               </a:defRPr>
-            </a:lvl3pPr>
-            <a:lvl4pPr marL="1371600" indent="0">
-              <a:buNone/>
-              <a:defRPr sz="1600">
+            </a:lvl4pPr>
+            <a:lvl5pPr marL="1828800" indent="0">
+              <a:buNone/>
+              <a:defRPr sz="1400">
                 <a:solidFill>
                   <a:schemeClr val="tx1">
                     <a:tint val="75000"/>
                   </a:schemeClr>
                 </a:solidFill>
               </a:defRPr>
-            </a:lvl4pPr>
-            <a:lvl5pPr marL="1828800" indent="0">
-              <a:buNone/>
-              <a:defRPr sz="1600">
+            </a:lvl5pPr>
+            <a:lvl6pPr marL="2286000" indent="0">
+              <a:buNone/>
+              <a:defRPr sz="1400">
                 <a:solidFill>
                   <a:schemeClr val="tx1">
                     <a:tint val="75000"/>
                   </a:schemeClr>
                 </a:solidFill>
               </a:defRPr>
-            </a:lvl5pPr>
-            <a:lvl6pPr marL="2286000" indent="0">
-              <a:buNone/>
-              <a:defRPr sz="1600">
+            </a:lvl6pPr>
+            <a:lvl7pPr marL="2743200" indent="0">
+              <a:buNone/>
+              <a:defRPr sz="1400">
                 <a:solidFill>
                   <a:schemeClr val="tx1">
                     <a:tint val="75000"/>
                   </a:schemeClr>
                 </a:solidFill>
               </a:defRPr>
-            </a:lvl6pPr>
-            <a:lvl7pPr marL="2743200" indent="0">
-              <a:buNone/>
-              <a:defRPr sz="1600">
+            </a:lvl7pPr>
+            <a:lvl8pPr marL="3200400" indent="0">
+              <a:buNone/>
+              <a:defRPr sz="1400">
                 <a:solidFill>
                   <a:schemeClr val="tx1">
                     <a:tint val="75000"/>
                   </a:schemeClr>
                 </a:solidFill>
               </a:defRPr>
-            </a:lvl7pPr>
-            <a:lvl8pPr marL="3200400" indent="0">
-              <a:buNone/>
-              <a:defRPr sz="1600">
+            </a:lvl8pPr>
+            <a:lvl9pPr marL="3657600" indent="0">
+              <a:buNone/>
+              <a:defRPr sz="1400">
                 <a:solidFill>
                   <a:schemeClr val="tx1">
                     <a:tint val="75000"/>
                   </a:schemeClr>
                 </a:solidFill>
               </a:defRPr>
-            </a:lvl8pPr>
-            <a:lvl9pPr marL="3657600" indent="0">
-              <a:buNone/>
-              <a:defRPr sz="1600">
-                <a:solidFill>
-                  <a:schemeClr val="tx1">
-                    <a:tint val="75000"/>
-                  </a:schemeClr>
-                </a:solidFill>
-              </a:defRPr>
             </a:lvl9pPr>
           </a:lstStyle>
           <a:p>
@@ -1126,13 +3209,7 @@
       </p:sp>
       <p:sp>
         <p:nvSpPr>
-          <p:cNvPr id="4" name="Date Placeholder 3">
-            <a:extLst>
-              <a:ext uri="{FF2B5EF4-FFF2-40B4-BE49-F238E27FC236}">
-                <a16:creationId xmlns:a16="http://schemas.microsoft.com/office/drawing/2014/main" id="{E0FE8100-A94E-4FBE-929A-6A2AC3A6D458}"/>
-              </a:ext>
-            </a:extLst>
-          </p:cNvPr>
+          <p:cNvPr id="4" name="Date Placeholder 3"/>
           <p:cNvSpPr>
             <a:spLocks noGrp="1"/>
           </p:cNvSpPr>
@@ -1155,13 +3232,7 @@
       </p:sp>
       <p:sp>
         <p:nvSpPr>
-          <p:cNvPr id="5" name="Footer Placeholder 4">
-            <a:extLst>
-              <a:ext uri="{FF2B5EF4-FFF2-40B4-BE49-F238E27FC236}">
-                <a16:creationId xmlns:a16="http://schemas.microsoft.com/office/drawing/2014/main" id="{F81F4307-049C-4BAA-B05D-A9A26C4BF45B}"/>
-              </a:ext>
-            </a:extLst>
-          </p:cNvPr>
+          <p:cNvPr id="5" name="Footer Placeholder 4"/>
           <p:cNvSpPr>
             <a:spLocks noGrp="1"/>
           </p:cNvSpPr>
@@ -1180,13 +3251,7 @@
       </p:sp>
       <p:sp>
         <p:nvSpPr>
-          <p:cNvPr id="6" name="Slide Number Placeholder 5">
-            <a:extLst>
-              <a:ext uri="{FF2B5EF4-FFF2-40B4-BE49-F238E27FC236}">
-                <a16:creationId xmlns:a16="http://schemas.microsoft.com/office/drawing/2014/main" id="{803829BB-8B0D-47DA-B852-52C10C4481B3}"/>
-              </a:ext>
-            </a:extLst>
-          </p:cNvPr>
+          <p:cNvPr id="6" name="Slide Number Placeholder 5"/>
           <p:cNvSpPr>
             <a:spLocks noGrp="1"/>
           </p:cNvSpPr>
@@ -1210,7 +3275,7 @@
     </p:spTree>
     <p:extLst>
       <p:ext uri="{BB962C8B-B14F-4D97-AF65-F5344CB8AC3E}">
-        <p14:creationId xmlns:p14="http://schemas.microsoft.com/office/powerpoint/2010/main" val="2005975869"/>
+        <p14:creationId xmlns:p14="http://schemas.microsoft.com/office/powerpoint/2010/main" val="1214280510"/>
       </p:ext>
     </p:extLst>
   </p:cSld>
@@ -1239,13 +3304,7 @@
       </p:grpSpPr>
       <p:sp>
         <p:nvSpPr>
-          <p:cNvPr id="2" name="Title 1">
-            <a:extLst>
-              <a:ext uri="{FF2B5EF4-FFF2-40B4-BE49-F238E27FC236}">
-                <a16:creationId xmlns:a16="http://schemas.microsoft.com/office/drawing/2014/main" id="{6E07B161-29A9-4BA1-A781-4E56D87CAD48}"/>
-              </a:ext>
-            </a:extLst>
-          </p:cNvPr>
+          <p:cNvPr id="2" name="Title 1"/>
           <p:cNvSpPr>
             <a:spLocks noGrp="1"/>
           </p:cNvSpPr>
@@ -1262,18 +3321,13 @@
               <a:rPr lang="en-US"/>
               <a:t>Click to edit Master title style</a:t>
             </a:r>
-          </a:p>
-        </p:txBody>
-      </p:sp>
-      <p:sp>
-        <p:nvSpPr>
-          <p:cNvPr id="3" name="Content Placeholder 2">
-            <a:extLst>
-              <a:ext uri="{FF2B5EF4-FFF2-40B4-BE49-F238E27FC236}">
-                <a16:creationId xmlns:a16="http://schemas.microsoft.com/office/drawing/2014/main" id="{B6F62F7C-6BFB-48F3-A4E7-408AE7665DA0}"/>
-              </a:ext>
-            </a:extLst>
-          </p:cNvPr>
+            <a:endParaRPr lang="en-US" dirty="0"/>
+          </a:p>
+        </p:txBody>
+      </p:sp>
+      <p:sp>
+        <p:nvSpPr>
+          <p:cNvPr id="3" name="Content Placeholder 2"/>
           <p:cNvSpPr>
             <a:spLocks noGrp="1"/>
           </p:cNvSpPr>
@@ -1283,13 +3337,43 @@
         </p:nvSpPr>
         <p:spPr>
           <a:xfrm>
-            <a:off x="838200" y="1825625"/>
-            <a:ext cx="5181600" cy="4351338"/>
+            <a:off x="1141412" y="2666999"/>
+            <a:ext cx="4876800" cy="3124201"/>
           </a:xfrm>
         </p:spPr>
         <p:txBody>
-          <a:bodyPr/>
-          <a:lstStyle/>
+          <a:bodyPr>
+            <a:normAutofit/>
+          </a:bodyPr>
+          <a:lstStyle>
+            <a:lvl1pPr>
+              <a:defRPr sz="1800"/>
+            </a:lvl1pPr>
+            <a:lvl2pPr>
+              <a:defRPr sz="1600"/>
+            </a:lvl2pPr>
+            <a:lvl3pPr>
+              <a:defRPr sz="1400"/>
+            </a:lvl3pPr>
+            <a:lvl4pPr>
+              <a:defRPr sz="1200"/>
+            </a:lvl4pPr>
+            <a:lvl5pPr>
+              <a:defRPr sz="1200"/>
+            </a:lvl5pPr>
+            <a:lvl6pPr>
+              <a:defRPr sz="1200"/>
+            </a:lvl6pPr>
+            <a:lvl7pPr>
+              <a:defRPr sz="1200"/>
+            </a:lvl7pPr>
+            <a:lvl8pPr>
+              <a:defRPr sz="1200"/>
+            </a:lvl8pPr>
+            <a:lvl9pPr>
+              <a:defRPr sz="1200"/>
+            </a:lvl9pPr>
+          </a:lstStyle>
           <a:p>
             <a:pPr lvl="0"/>
             <a:r>
@@ -1324,18 +3408,13 @@
               <a:rPr lang="en-US"/>
               <a:t>Fifth level</a:t>
             </a:r>
-          </a:p>
-        </p:txBody>
-      </p:sp>
-      <p:sp>
-        <p:nvSpPr>
-          <p:cNvPr id="4" name="Content Placeholder 3">
-            <a:extLst>
-              <a:ext uri="{FF2B5EF4-FFF2-40B4-BE49-F238E27FC236}">
-                <a16:creationId xmlns:a16="http://schemas.microsoft.com/office/drawing/2014/main" id="{76CC3E4D-760A-4895-92E7-7CBB9119E83E}"/>
-              </a:ext>
-            </a:extLst>
-          </p:cNvPr>
+            <a:endParaRPr lang="en-US" dirty="0"/>
+          </a:p>
+        </p:txBody>
+      </p:sp>
+      <p:sp>
+        <p:nvSpPr>
+          <p:cNvPr id="4" name="Content Placeholder 3"/>
           <p:cNvSpPr>
             <a:spLocks noGrp="1"/>
           </p:cNvSpPr>
@@ -1345,13 +3424,43 @@
         </p:nvSpPr>
         <p:spPr>
           <a:xfrm>
-            <a:off x="6172200" y="1825625"/>
-            <a:ext cx="5181600" cy="4351338"/>
+            <a:off x="6170612" y="2667000"/>
+            <a:ext cx="4876800" cy="3124200"/>
           </a:xfrm>
         </p:spPr>
         <p:txBody>
-          <a:bodyPr/>
-          <a:lstStyle/>
+          <a:bodyPr>
+            <a:normAutofit/>
+          </a:bodyPr>
+          <a:lstStyle>
+            <a:lvl1pPr>
+              <a:defRPr sz="1800"/>
+            </a:lvl1pPr>
+            <a:lvl2pPr>
+              <a:defRPr sz="1600"/>
+            </a:lvl2pPr>
+            <a:lvl3pPr>
+              <a:defRPr sz="1400"/>
+            </a:lvl3pPr>
+            <a:lvl4pPr>
+              <a:defRPr sz="1200"/>
+            </a:lvl4pPr>
+            <a:lvl5pPr>
+              <a:defRPr sz="1200"/>
+            </a:lvl5pPr>
+            <a:lvl6pPr>
+              <a:defRPr sz="1200"/>
+            </a:lvl6pPr>
+            <a:lvl7pPr>
+              <a:defRPr sz="1200"/>
+            </a:lvl7pPr>
+            <a:lvl8pPr>
+              <a:defRPr sz="1200"/>
+            </a:lvl8pPr>
+            <a:lvl9pPr>
+              <a:defRPr sz="1200"/>
+            </a:lvl9pPr>
+          </a:lstStyle>
           <a:p>
             <a:pPr lvl="0"/>
             <a:r>
@@ -1386,18 +3495,13 @@
               <a:rPr lang="en-US"/>
               <a:t>Fifth level</a:t>
             </a:r>
-          </a:p>
-        </p:txBody>
-      </p:sp>
-      <p:sp>
-        <p:nvSpPr>
-          <p:cNvPr id="5" name="Date Placeholder 4">
-            <a:extLst>
-              <a:ext uri="{FF2B5EF4-FFF2-40B4-BE49-F238E27FC236}">
-                <a16:creationId xmlns:a16="http://schemas.microsoft.com/office/drawing/2014/main" id="{36B9E000-801A-48EA-A1D3-34BECC26AE6C}"/>
-              </a:ext>
-            </a:extLst>
-          </p:cNvPr>
+            <a:endParaRPr lang="en-US" dirty="0"/>
+          </a:p>
+        </p:txBody>
+      </p:sp>
+      <p:sp>
+        <p:nvSpPr>
+          <p:cNvPr id="5" name="Date Placeholder 4"/>
           <p:cNvSpPr>
             <a:spLocks noGrp="1"/>
           </p:cNvSpPr>
@@ -1420,13 +3524,7 @@
       </p:sp>
       <p:sp>
         <p:nvSpPr>
-          <p:cNvPr id="6" name="Footer Placeholder 5">
-            <a:extLst>
-              <a:ext uri="{FF2B5EF4-FFF2-40B4-BE49-F238E27FC236}">
-                <a16:creationId xmlns:a16="http://schemas.microsoft.com/office/drawing/2014/main" id="{768DF2E8-BFDB-49E6-92CF-6120DE114D1C}"/>
-              </a:ext>
-            </a:extLst>
-          </p:cNvPr>
+          <p:cNvPr id="6" name="Footer Placeholder 5"/>
           <p:cNvSpPr>
             <a:spLocks noGrp="1"/>
           </p:cNvSpPr>
@@ -1445,13 +3543,7 @@
       </p:sp>
       <p:sp>
         <p:nvSpPr>
-          <p:cNvPr id="7" name="Slide Number Placeholder 6">
-            <a:extLst>
-              <a:ext uri="{FF2B5EF4-FFF2-40B4-BE49-F238E27FC236}">
-                <a16:creationId xmlns:a16="http://schemas.microsoft.com/office/drawing/2014/main" id="{CC40FB4F-34A4-44EC-AFA0-A6E7AE14A11C}"/>
-              </a:ext>
-            </a:extLst>
-          </p:cNvPr>
+          <p:cNvPr id="7" name="Slide Number Placeholder 6"/>
           <p:cNvSpPr>
             <a:spLocks noGrp="1"/>
           </p:cNvSpPr>
@@ -1475,7 +3567,7 @@
     </p:spTree>
     <p:extLst>
       <p:ext uri="{BB962C8B-B14F-4D97-AF65-F5344CB8AC3E}">
-        <p14:creationId xmlns:p14="http://schemas.microsoft.com/office/powerpoint/2010/main" val="3831209716"/>
+        <p14:creationId xmlns:p14="http://schemas.microsoft.com/office/powerpoint/2010/main" val="844810874"/>
       </p:ext>
     </p:extLst>
   </p:cSld>
@@ -1504,65 +3596,55 @@
       </p:grpSpPr>
       <p:sp>
         <p:nvSpPr>
-          <p:cNvPr id="2" name="Title 1">
-            <a:extLst>
-              <a:ext uri="{FF2B5EF4-FFF2-40B4-BE49-F238E27FC236}">
-                <a16:creationId xmlns:a16="http://schemas.microsoft.com/office/drawing/2014/main" id="{330E9CB6-6EB0-4733-85F1-DAB077F94649}"/>
-              </a:ext>
-            </a:extLst>
-          </p:cNvPr>
+          <p:cNvPr id="2" name="Title 1"/>
           <p:cNvSpPr>
             <a:spLocks noGrp="1"/>
           </p:cNvSpPr>
           <p:nvPr>
             <p:ph type="title"/>
+          </p:nvPr>
+        </p:nvSpPr>
+        <p:spPr/>
+        <p:txBody>
+          <a:bodyPr/>
+          <a:lstStyle>
+            <a:lvl1pPr>
+              <a:defRPr/>
+            </a:lvl1pPr>
+          </a:lstStyle>
+          <a:p>
+            <a:r>
+              <a:rPr lang="en-US"/>
+              <a:t>Click to edit Master title style</a:t>
+            </a:r>
+            <a:endParaRPr lang="en-US" dirty="0"/>
+          </a:p>
+        </p:txBody>
+      </p:sp>
+      <p:sp>
+        <p:nvSpPr>
+          <p:cNvPr id="3" name="Text Placeholder 2"/>
+          <p:cNvSpPr>
+            <a:spLocks noGrp="1"/>
+          </p:cNvSpPr>
+          <p:nvPr>
+            <p:ph type="body" idx="1"/>
           </p:nvPr>
         </p:nvSpPr>
         <p:spPr>
           <a:xfrm>
-            <a:off x="839788" y="365125"/>
-            <a:ext cx="10515600" cy="1325563"/>
+            <a:off x="1429280" y="2658533"/>
+            <a:ext cx="4588931" cy="576262"/>
           </a:xfrm>
         </p:spPr>
         <p:txBody>
-          <a:bodyPr/>
-          <a:lstStyle/>
-          <a:p>
-            <a:r>
-              <a:rPr lang="en-US"/>
-              <a:t>Click to edit Master title style</a:t>
-            </a:r>
-          </a:p>
-        </p:txBody>
-      </p:sp>
-      <p:sp>
-        <p:nvSpPr>
-          <p:cNvPr id="3" name="Text Placeholder 2">
-            <a:extLst>
-              <a:ext uri="{FF2B5EF4-FFF2-40B4-BE49-F238E27FC236}">
-                <a16:creationId xmlns:a16="http://schemas.microsoft.com/office/drawing/2014/main" id="{7376F6B1-F31E-4B3F-960E-6633DD7C0F11}"/>
-              </a:ext>
-            </a:extLst>
-          </p:cNvPr>
-          <p:cNvSpPr>
-            <a:spLocks noGrp="1"/>
-          </p:cNvSpPr>
-          <p:nvPr>
-            <p:ph type="body" idx="1"/>
-          </p:nvPr>
-        </p:nvSpPr>
-        <p:spPr>
-          <a:xfrm>
-            <a:off x="839788" y="1681163"/>
-            <a:ext cx="5157787" cy="823912"/>
-          </a:xfrm>
-        </p:spPr>
-        <p:txBody>
-          <a:bodyPr anchor="b"/>
+          <a:bodyPr anchor="b">
+            <a:noAutofit/>
+          </a:bodyPr>
           <a:lstStyle>
             <a:lvl1pPr marL="0" indent="0">
               <a:buNone/>
-              <a:defRPr sz="2400" b="1"/>
+              <a:defRPr sz="2800" b="0"/>
             </a:lvl1pPr>
             <a:lvl2pPr marL="457200" indent="0">
               <a:buNone/>
@@ -1608,13 +3690,7 @@
       </p:sp>
       <p:sp>
         <p:nvSpPr>
-          <p:cNvPr id="4" name="Content Placeholder 3">
-            <a:extLst>
-              <a:ext uri="{FF2B5EF4-FFF2-40B4-BE49-F238E27FC236}">
-                <a16:creationId xmlns:a16="http://schemas.microsoft.com/office/drawing/2014/main" id="{2C7355ED-F15D-4D09-8E03-AAC0EBD95C6B}"/>
-              </a:ext>
-            </a:extLst>
-          </p:cNvPr>
+          <p:cNvPr id="4" name="Content Placeholder 3"/>
           <p:cNvSpPr>
             <a:spLocks noGrp="1"/>
           </p:cNvSpPr>
@@ -1624,13 +3700,43 @@
         </p:nvSpPr>
         <p:spPr>
           <a:xfrm>
-            <a:off x="839788" y="2505075"/>
-            <a:ext cx="5157787" cy="3684588"/>
+            <a:off x="1141412" y="3243262"/>
+            <a:ext cx="4876800" cy="2547937"/>
           </a:xfrm>
         </p:spPr>
         <p:txBody>
-          <a:bodyPr/>
-          <a:lstStyle/>
+          <a:bodyPr anchor="t">
+            <a:normAutofit/>
+          </a:bodyPr>
+          <a:lstStyle>
+            <a:lvl1pPr>
+              <a:defRPr sz="1800"/>
+            </a:lvl1pPr>
+            <a:lvl2pPr>
+              <a:defRPr sz="1600"/>
+            </a:lvl2pPr>
+            <a:lvl3pPr>
+              <a:defRPr sz="1400"/>
+            </a:lvl3pPr>
+            <a:lvl4pPr>
+              <a:defRPr sz="1200"/>
+            </a:lvl4pPr>
+            <a:lvl5pPr>
+              <a:defRPr sz="1200"/>
+            </a:lvl5pPr>
+            <a:lvl6pPr>
+              <a:defRPr sz="1200"/>
+            </a:lvl6pPr>
+            <a:lvl7pPr>
+              <a:defRPr sz="1200"/>
+            </a:lvl7pPr>
+            <a:lvl8pPr>
+              <a:defRPr sz="1200"/>
+            </a:lvl8pPr>
+            <a:lvl9pPr>
+              <a:defRPr sz="1200"/>
+            </a:lvl9pPr>
+          </a:lstStyle>
           <a:p>
             <a:pPr lvl="0"/>
             <a:r>
@@ -1665,18 +3771,13 @@
               <a:rPr lang="en-US"/>
               <a:t>Fifth level</a:t>
             </a:r>
-          </a:p>
-        </p:txBody>
-      </p:sp>
-      <p:sp>
-        <p:nvSpPr>
-          <p:cNvPr id="5" name="Text Placeholder 4">
-            <a:extLst>
-              <a:ext uri="{FF2B5EF4-FFF2-40B4-BE49-F238E27FC236}">
-                <a16:creationId xmlns:a16="http://schemas.microsoft.com/office/drawing/2014/main" id="{1D7FC73D-46E7-4551-9F3A-A38EC8E7682F}"/>
-              </a:ext>
-            </a:extLst>
-          </p:cNvPr>
+            <a:endParaRPr lang="en-US" dirty="0"/>
+          </a:p>
+        </p:txBody>
+      </p:sp>
+      <p:sp>
+        <p:nvSpPr>
+          <p:cNvPr id="5" name="Text Placeholder 4"/>
           <p:cNvSpPr>
             <a:spLocks noGrp="1"/>
           </p:cNvSpPr>
@@ -1686,16 +3787,18 @@
         </p:nvSpPr>
         <p:spPr>
           <a:xfrm>
-            <a:off x="6172200" y="1681163"/>
-            <a:ext cx="5183188" cy="823912"/>
+            <a:off x="6443133" y="2667000"/>
+            <a:ext cx="4604280" cy="576262"/>
           </a:xfrm>
         </p:spPr>
         <p:txBody>
-          <a:bodyPr anchor="b"/>
+          <a:bodyPr anchor="b">
+            <a:noAutofit/>
+          </a:bodyPr>
           <a:lstStyle>
             <a:lvl1pPr marL="0" indent="0">
               <a:buNone/>
-              <a:defRPr sz="2400" b="1"/>
+              <a:defRPr sz="2800" b="0"/>
             </a:lvl1pPr>
             <a:lvl2pPr marL="457200" indent="0">
               <a:buNone/>
@@ -1741,13 +3844,7 @@
       </p:sp>
       <p:sp>
         <p:nvSpPr>
-          <p:cNvPr id="6" name="Content Placeholder 5">
-            <a:extLst>
-              <a:ext uri="{FF2B5EF4-FFF2-40B4-BE49-F238E27FC236}">
-                <a16:creationId xmlns:a16="http://schemas.microsoft.com/office/drawing/2014/main" id="{5776EF36-48D3-4A9E-A47E-DD769810985E}"/>
-              </a:ext>
-            </a:extLst>
-          </p:cNvPr>
+          <p:cNvPr id="6" name="Content Placeholder 5"/>
           <p:cNvSpPr>
             <a:spLocks noGrp="1"/>
           </p:cNvSpPr>
@@ -1757,13 +3854,43 @@
         </p:nvSpPr>
         <p:spPr>
           <a:xfrm>
-            <a:off x="6172200" y="2505075"/>
-            <a:ext cx="5183188" cy="3684588"/>
+            <a:off x="6170612" y="3243262"/>
+            <a:ext cx="4876801" cy="2547937"/>
           </a:xfrm>
         </p:spPr>
         <p:txBody>
-          <a:bodyPr/>
-          <a:lstStyle/>
+          <a:bodyPr anchor="t">
+            <a:normAutofit/>
+          </a:bodyPr>
+          <a:lstStyle>
+            <a:lvl1pPr>
+              <a:defRPr sz="1800"/>
+            </a:lvl1pPr>
+            <a:lvl2pPr>
+              <a:defRPr sz="1600"/>
+            </a:lvl2pPr>
+            <a:lvl3pPr>
+              <a:defRPr sz="1400"/>
+            </a:lvl3pPr>
+            <a:lvl4pPr>
+              <a:defRPr sz="1200"/>
+            </a:lvl4pPr>
+            <a:lvl5pPr>
+              <a:defRPr sz="1200"/>
+            </a:lvl5pPr>
+            <a:lvl6pPr>
+              <a:defRPr sz="1200"/>
+            </a:lvl6pPr>
+            <a:lvl7pPr>
+              <a:defRPr sz="1200"/>
+            </a:lvl7pPr>
+            <a:lvl8pPr>
+              <a:defRPr sz="1200"/>
+            </a:lvl8pPr>
+            <a:lvl9pPr>
+              <a:defRPr sz="1200"/>
+            </a:lvl9pPr>
+          </a:lstStyle>
           <a:p>
             <a:pPr lvl="0"/>
             <a:r>
@@ -1798,18 +3925,13 @@
               <a:rPr lang="en-US"/>
               <a:t>Fifth level</a:t>
             </a:r>
-          </a:p>
-        </p:txBody>
-      </p:sp>
-      <p:sp>
-        <p:nvSpPr>
-          <p:cNvPr id="7" name="Date Placeholder 6">
-            <a:extLst>
-              <a:ext uri="{FF2B5EF4-FFF2-40B4-BE49-F238E27FC236}">
-                <a16:creationId xmlns:a16="http://schemas.microsoft.com/office/drawing/2014/main" id="{7FC48458-6768-49AA-B1F1-A2ADF532A763}"/>
-              </a:ext>
-            </a:extLst>
-          </p:cNvPr>
+            <a:endParaRPr lang="en-US" dirty="0"/>
+          </a:p>
+        </p:txBody>
+      </p:sp>
+      <p:sp>
+        <p:nvSpPr>
+          <p:cNvPr id="7" name="Date Placeholder 6"/>
           <p:cNvSpPr>
             <a:spLocks noGrp="1"/>
           </p:cNvSpPr>
@@ -1832,13 +3954,7 @@
       </p:sp>
       <p:sp>
         <p:nvSpPr>
-          <p:cNvPr id="8" name="Footer Placeholder 7">
-            <a:extLst>
-              <a:ext uri="{FF2B5EF4-FFF2-40B4-BE49-F238E27FC236}">
-                <a16:creationId xmlns:a16="http://schemas.microsoft.com/office/drawing/2014/main" id="{DFF3CD47-84DE-4A3F-A980-1CABB7065A1D}"/>
-              </a:ext>
-            </a:extLst>
-          </p:cNvPr>
+          <p:cNvPr id="8" name="Footer Placeholder 7"/>
           <p:cNvSpPr>
             <a:spLocks noGrp="1"/>
           </p:cNvSpPr>
@@ -1857,13 +3973,7 @@
       </p:sp>
       <p:sp>
         <p:nvSpPr>
-          <p:cNvPr id="9" name="Slide Number Placeholder 8">
-            <a:extLst>
-              <a:ext uri="{FF2B5EF4-FFF2-40B4-BE49-F238E27FC236}">
-                <a16:creationId xmlns:a16="http://schemas.microsoft.com/office/drawing/2014/main" id="{3D0C6A95-6DCC-4A2F-BCF4-4172C9038958}"/>
-              </a:ext>
-            </a:extLst>
-          </p:cNvPr>
+          <p:cNvPr id="9" name="Slide Number Placeholder 8"/>
           <p:cNvSpPr>
             <a:spLocks noGrp="1"/>
           </p:cNvSpPr>
@@ -1887,7 +3997,7 @@
     </p:spTree>
     <p:extLst>
       <p:ext uri="{BB962C8B-B14F-4D97-AF65-F5344CB8AC3E}">
-        <p14:creationId xmlns:p14="http://schemas.microsoft.com/office/powerpoint/2010/main" val="2497433237"/>
+        <p14:creationId xmlns:p14="http://schemas.microsoft.com/office/powerpoint/2010/main" val="1013307422"/>
       </p:ext>
     </p:extLst>
   </p:cSld>
@@ -1916,13 +4026,7 @@
       </p:grpSpPr>
       <p:sp>
         <p:nvSpPr>
-          <p:cNvPr id="2" name="Title 1">
-            <a:extLst>
-              <a:ext uri="{FF2B5EF4-FFF2-40B4-BE49-F238E27FC236}">
-                <a16:creationId xmlns:a16="http://schemas.microsoft.com/office/drawing/2014/main" id="{ECDDD3DC-51D1-448B-95EA-21299FE3E0E3}"/>
-              </a:ext>
-            </a:extLst>
-          </p:cNvPr>
+          <p:cNvPr id="2" name="Title 1"/>
           <p:cNvSpPr>
             <a:spLocks noGrp="1"/>
           </p:cNvSpPr>
@@ -1939,18 +4043,13 @@
               <a:rPr lang="en-US"/>
               <a:t>Click to edit Master title style</a:t>
             </a:r>
-          </a:p>
-        </p:txBody>
-      </p:sp>
-      <p:sp>
-        <p:nvSpPr>
-          <p:cNvPr id="3" name="Date Placeholder 2">
-            <a:extLst>
-              <a:ext uri="{FF2B5EF4-FFF2-40B4-BE49-F238E27FC236}">
-                <a16:creationId xmlns:a16="http://schemas.microsoft.com/office/drawing/2014/main" id="{640ED592-8C33-482E-9321-C3F8E5435E03}"/>
-              </a:ext>
-            </a:extLst>
-          </p:cNvPr>
+            <a:endParaRPr lang="en-US" dirty="0"/>
+          </a:p>
+        </p:txBody>
+      </p:sp>
+      <p:sp>
+        <p:nvSpPr>
+          <p:cNvPr id="3" name="Date Placeholder 2"/>
           <p:cNvSpPr>
             <a:spLocks noGrp="1"/>
           </p:cNvSpPr>
@@ -1973,13 +4072,7 @@
       </p:sp>
       <p:sp>
         <p:nvSpPr>
-          <p:cNvPr id="4" name="Footer Placeholder 3">
-            <a:extLst>
-              <a:ext uri="{FF2B5EF4-FFF2-40B4-BE49-F238E27FC236}">
-                <a16:creationId xmlns:a16="http://schemas.microsoft.com/office/drawing/2014/main" id="{8D469C11-1FF2-4CAA-B907-2984FCEA5178}"/>
-              </a:ext>
-            </a:extLst>
-          </p:cNvPr>
+          <p:cNvPr id="4" name="Footer Placeholder 3"/>
           <p:cNvSpPr>
             <a:spLocks noGrp="1"/>
           </p:cNvSpPr>
@@ -1998,13 +4091,7 @@
       </p:sp>
       <p:sp>
         <p:nvSpPr>
-          <p:cNvPr id="5" name="Slide Number Placeholder 4">
-            <a:extLst>
-              <a:ext uri="{FF2B5EF4-FFF2-40B4-BE49-F238E27FC236}">
-                <a16:creationId xmlns:a16="http://schemas.microsoft.com/office/drawing/2014/main" id="{6632DA15-CDD0-449A-96F1-85CC91D0075C}"/>
-              </a:ext>
-            </a:extLst>
-          </p:cNvPr>
+          <p:cNvPr id="5" name="Slide Number Placeholder 4"/>
           <p:cNvSpPr>
             <a:spLocks noGrp="1"/>
           </p:cNvSpPr>
@@ -2028,7 +4115,7 @@
     </p:spTree>
     <p:extLst>
       <p:ext uri="{BB962C8B-B14F-4D97-AF65-F5344CB8AC3E}">
-        <p14:creationId xmlns:p14="http://schemas.microsoft.com/office/powerpoint/2010/main" val="4252778953"/>
+        <p14:creationId xmlns:p14="http://schemas.microsoft.com/office/powerpoint/2010/main" val="1218640314"/>
       </p:ext>
     </p:extLst>
   </p:cSld>
@@ -2057,13 +4144,7 @@
       </p:grpSpPr>
       <p:sp>
         <p:nvSpPr>
-          <p:cNvPr id="2" name="Date Placeholder 1">
-            <a:extLst>
-              <a:ext uri="{FF2B5EF4-FFF2-40B4-BE49-F238E27FC236}">
-                <a16:creationId xmlns:a16="http://schemas.microsoft.com/office/drawing/2014/main" id="{E9CDEF8E-AFF5-4FA9-9A2A-F9D84A698468}"/>
-              </a:ext>
-            </a:extLst>
-          </p:cNvPr>
+          <p:cNvPr id="2" name="Date Placeholder 1"/>
           <p:cNvSpPr>
             <a:spLocks noGrp="1"/>
           </p:cNvSpPr>
@@ -2086,13 +4167,7 @@
       </p:sp>
       <p:sp>
         <p:nvSpPr>
-          <p:cNvPr id="3" name="Footer Placeholder 2">
-            <a:extLst>
-              <a:ext uri="{FF2B5EF4-FFF2-40B4-BE49-F238E27FC236}">
-                <a16:creationId xmlns:a16="http://schemas.microsoft.com/office/drawing/2014/main" id="{6824782F-2F4C-4379-9C6C-3E4DED276407}"/>
-              </a:ext>
-            </a:extLst>
-          </p:cNvPr>
+          <p:cNvPr id="3" name="Footer Placeholder 2"/>
           <p:cNvSpPr>
             <a:spLocks noGrp="1"/>
           </p:cNvSpPr>
@@ -2111,13 +4186,7 @@
       </p:sp>
       <p:sp>
         <p:nvSpPr>
-          <p:cNvPr id="4" name="Slide Number Placeholder 3">
-            <a:extLst>
-              <a:ext uri="{FF2B5EF4-FFF2-40B4-BE49-F238E27FC236}">
-                <a16:creationId xmlns:a16="http://schemas.microsoft.com/office/drawing/2014/main" id="{EF711420-9CD0-40C4-B1C1-B74B5EF4F89E}"/>
-              </a:ext>
-            </a:extLst>
-          </p:cNvPr>
+          <p:cNvPr id="4" name="Slide Number Placeholder 3"/>
           <p:cNvSpPr>
             <a:spLocks noGrp="1"/>
           </p:cNvSpPr>
@@ -2141,7 +4210,7 @@
     </p:spTree>
     <p:extLst>
       <p:ext uri="{BB962C8B-B14F-4D97-AF65-F5344CB8AC3E}">
-        <p14:creationId xmlns:p14="http://schemas.microsoft.com/office/powerpoint/2010/main" val="1123128657"/>
+        <p14:creationId xmlns:p14="http://schemas.microsoft.com/office/powerpoint/2010/main" val="1449668865"/>
       </p:ext>
     </p:extLst>
   </p:cSld>
@@ -2170,13 +4239,7 @@
       </p:grpSpPr>
       <p:sp>
         <p:nvSpPr>
-          <p:cNvPr id="2" name="Title 1">
-            <a:extLst>
-              <a:ext uri="{FF2B5EF4-FFF2-40B4-BE49-F238E27FC236}">
-                <a16:creationId xmlns:a16="http://schemas.microsoft.com/office/drawing/2014/main" id="{96918C96-037F-4B57-B7C2-544B5D7422C7}"/>
-              </a:ext>
-            </a:extLst>
-          </p:cNvPr>
+          <p:cNvPr id="2" name="Title 1"/>
           <p:cNvSpPr>
             <a:spLocks noGrp="1"/>
           </p:cNvSpPr>
@@ -2186,139 +4249,135 @@
         </p:nvSpPr>
         <p:spPr>
           <a:xfrm>
-            <a:off x="839788" y="457200"/>
-            <a:ext cx="3932237" cy="1600200"/>
+            <a:off x="1141411" y="1600200"/>
+            <a:ext cx="3549121" cy="1371600"/>
           </a:xfrm>
         </p:spPr>
         <p:txBody>
-          <a:bodyPr anchor="b"/>
+          <a:bodyPr anchor="b">
+            <a:normAutofit/>
+          </a:bodyPr>
+          <a:lstStyle>
+            <a:lvl1pPr algn="l">
+              <a:defRPr sz="2400" b="0"/>
+            </a:lvl1pPr>
+          </a:lstStyle>
+          <a:p>
+            <a:r>
+              <a:rPr lang="en-US"/>
+              <a:t>Click to edit Master title style</a:t>
+            </a:r>
+            <a:endParaRPr lang="en-US" dirty="0"/>
+          </a:p>
+        </p:txBody>
+      </p:sp>
+      <p:sp>
+        <p:nvSpPr>
+          <p:cNvPr id="3" name="Content Placeholder 2"/>
+          <p:cNvSpPr>
+            <a:spLocks noGrp="1"/>
+          </p:cNvSpPr>
+          <p:nvPr>
+            <p:ph idx="1"/>
+          </p:nvPr>
+        </p:nvSpPr>
+        <p:spPr>
+          <a:xfrm>
+            <a:off x="5103812" y="609601"/>
+            <a:ext cx="5943601" cy="5181600"/>
+          </a:xfrm>
+        </p:spPr>
+        <p:txBody>
+          <a:bodyPr anchor="ctr">
+            <a:normAutofit/>
+          </a:bodyPr>
           <a:lstStyle>
             <a:lvl1pPr>
-              <a:defRPr sz="3200"/>
+              <a:defRPr sz="2000"/>
             </a:lvl1pPr>
+            <a:lvl2pPr>
+              <a:defRPr sz="1800"/>
+            </a:lvl2pPr>
+            <a:lvl3pPr>
+              <a:defRPr sz="1600"/>
+            </a:lvl3pPr>
+            <a:lvl4pPr>
+              <a:defRPr sz="1400"/>
+            </a:lvl4pPr>
+            <a:lvl5pPr>
+              <a:defRPr sz="1400"/>
+            </a:lvl5pPr>
+            <a:lvl6pPr>
+              <a:defRPr sz="1400"/>
+            </a:lvl6pPr>
+            <a:lvl7pPr>
+              <a:defRPr sz="1400"/>
+            </a:lvl7pPr>
+            <a:lvl8pPr>
+              <a:defRPr sz="1400"/>
+            </a:lvl8pPr>
+            <a:lvl9pPr>
+              <a:defRPr sz="1400"/>
+            </a:lvl9pPr>
           </a:lstStyle>
           <a:p>
-            <a:r>
-              <a:rPr lang="en-US"/>
-              <a:t>Click to edit Master title style</a:t>
-            </a:r>
-          </a:p>
-        </p:txBody>
-      </p:sp>
-      <p:sp>
-        <p:nvSpPr>
-          <p:cNvPr id="3" name="Content Placeholder 2">
-            <a:extLst>
-              <a:ext uri="{FF2B5EF4-FFF2-40B4-BE49-F238E27FC236}">
-                <a16:creationId xmlns:a16="http://schemas.microsoft.com/office/drawing/2014/main" id="{CEFDEE5F-2EC2-4EC8-8ED9-D57DCDCE738B}"/>
-              </a:ext>
-            </a:extLst>
-          </p:cNvPr>
-          <p:cNvSpPr>
-            <a:spLocks noGrp="1"/>
-          </p:cNvSpPr>
-          <p:nvPr>
-            <p:ph idx="1"/>
+            <a:pPr lvl="0"/>
+            <a:r>
+              <a:rPr lang="en-US"/>
+              <a:t>Click to edit Master text styles</a:t>
+            </a:r>
+          </a:p>
+          <a:p>
+            <a:pPr lvl="1"/>
+            <a:r>
+              <a:rPr lang="en-US"/>
+              <a:t>Second level</a:t>
+            </a:r>
+          </a:p>
+          <a:p>
+            <a:pPr lvl="2"/>
+            <a:r>
+              <a:rPr lang="en-US"/>
+              <a:t>Third level</a:t>
+            </a:r>
+          </a:p>
+          <a:p>
+            <a:pPr lvl="3"/>
+            <a:r>
+              <a:rPr lang="en-US"/>
+              <a:t>Fourth level</a:t>
+            </a:r>
+          </a:p>
+          <a:p>
+            <a:pPr lvl="4"/>
+            <a:r>
+              <a:rPr lang="en-US"/>
+              <a:t>Fifth level</a:t>
+            </a:r>
+            <a:endParaRPr lang="en-US" dirty="0"/>
+          </a:p>
+        </p:txBody>
+      </p:sp>
+      <p:sp>
+        <p:nvSpPr>
+          <p:cNvPr id="4" name="Text Placeholder 3"/>
+          <p:cNvSpPr>
+            <a:spLocks noGrp="1"/>
+          </p:cNvSpPr>
+          <p:nvPr>
+            <p:ph type="body" sz="half" idx="2"/>
           </p:nvPr>
         </p:nvSpPr>
         <p:spPr>
           <a:xfrm>
-            <a:off x="5183188" y="987425"/>
-            <a:ext cx="6172200" cy="4873625"/>
+            <a:off x="1141411" y="2971800"/>
+            <a:ext cx="3549121" cy="1828800"/>
           </a:xfrm>
         </p:spPr>
         <p:txBody>
-          <a:bodyPr/>
-          <a:lstStyle>
-            <a:lvl1pPr>
-              <a:defRPr sz="3200"/>
-            </a:lvl1pPr>
-            <a:lvl2pPr>
-              <a:defRPr sz="2800"/>
-            </a:lvl2pPr>
-            <a:lvl3pPr>
-              <a:defRPr sz="2400"/>
-            </a:lvl3pPr>
-            <a:lvl4pPr>
-              <a:defRPr sz="2000"/>
-            </a:lvl4pPr>
-            <a:lvl5pPr>
-              <a:defRPr sz="2000"/>
-            </a:lvl5pPr>
-            <a:lvl6pPr>
-              <a:defRPr sz="2000"/>
-            </a:lvl6pPr>
-            <a:lvl7pPr>
-              <a:defRPr sz="2000"/>
-            </a:lvl7pPr>
-            <a:lvl8pPr>
-              <a:defRPr sz="2000"/>
-            </a:lvl8pPr>
-            <a:lvl9pPr>
-              <a:defRPr sz="2000"/>
-            </a:lvl9pPr>
-          </a:lstStyle>
-          <a:p>
-            <a:pPr lvl="0"/>
-            <a:r>
-              <a:rPr lang="en-US"/>
-              <a:t>Click to edit Master text styles</a:t>
-            </a:r>
-          </a:p>
-          <a:p>
-            <a:pPr lvl="1"/>
-            <a:r>
-              <a:rPr lang="en-US"/>
-              <a:t>Second level</a:t>
-            </a:r>
-          </a:p>
-          <a:p>
-            <a:pPr lvl="2"/>
-            <a:r>
-              <a:rPr lang="en-US"/>
-              <a:t>Third level</a:t>
-            </a:r>
-          </a:p>
-          <a:p>
-            <a:pPr lvl="3"/>
-            <a:r>
-              <a:rPr lang="en-US"/>
-              <a:t>Fourth level</a:t>
-            </a:r>
-          </a:p>
-          <a:p>
-            <a:pPr lvl="4"/>
-            <a:r>
-              <a:rPr lang="en-US"/>
-              <a:t>Fifth level</a:t>
-            </a:r>
-          </a:p>
-        </p:txBody>
-      </p:sp>
-      <p:sp>
-        <p:nvSpPr>
-          <p:cNvPr id="4" name="Text Placeholder 3">
-            <a:extLst>
-              <a:ext uri="{FF2B5EF4-FFF2-40B4-BE49-F238E27FC236}">
-                <a16:creationId xmlns:a16="http://schemas.microsoft.com/office/drawing/2014/main" id="{235CE924-193E-4BFD-BE02-7999419449D2}"/>
-              </a:ext>
-            </a:extLst>
-          </p:cNvPr>
-          <p:cNvSpPr>
-            <a:spLocks noGrp="1"/>
-          </p:cNvSpPr>
-          <p:nvPr>
-            <p:ph type="body" sz="half" idx="2"/>
-          </p:nvPr>
-        </p:nvSpPr>
-        <p:spPr>
-          <a:xfrm>
-            <a:off x="839788" y="2057400"/>
-            <a:ext cx="3932237" cy="3811588"/>
-          </a:xfrm>
-        </p:spPr>
-        <p:txBody>
-          <a:bodyPr/>
+          <a:bodyPr>
+            <a:normAutofit/>
+          </a:bodyPr>
           <a:lstStyle>
             <a:lvl1pPr marL="0" indent="0">
               <a:buNone/>
@@ -2326,35 +4385,35 @@
             </a:lvl1pPr>
             <a:lvl2pPr marL="457200" indent="0">
               <a:buNone/>
-              <a:defRPr sz="1400"/>
+              <a:defRPr sz="1200"/>
             </a:lvl2pPr>
             <a:lvl3pPr marL="914400" indent="0">
               <a:buNone/>
-              <a:defRPr sz="1200"/>
+              <a:defRPr sz="1000"/>
             </a:lvl3pPr>
             <a:lvl4pPr marL="1371600" indent="0">
               <a:buNone/>
-              <a:defRPr sz="1000"/>
+              <a:defRPr sz="900"/>
             </a:lvl4pPr>
             <a:lvl5pPr marL="1828800" indent="0">
               <a:buNone/>
-              <a:defRPr sz="1000"/>
+              <a:defRPr sz="900"/>
             </a:lvl5pPr>
             <a:lvl6pPr marL="2286000" indent="0">
               <a:buNone/>
-              <a:defRPr sz="1000"/>
+              <a:defRPr sz="900"/>
             </a:lvl6pPr>
             <a:lvl7pPr marL="2743200" indent="0">
               <a:buNone/>
-              <a:defRPr sz="1000"/>
+              <a:defRPr sz="900"/>
             </a:lvl7pPr>
             <a:lvl8pPr marL="3200400" indent="0">
               <a:buNone/>
-              <a:defRPr sz="1000"/>
+              <a:defRPr sz="900"/>
             </a:lvl8pPr>
             <a:lvl9pPr marL="3657600" indent="0">
               <a:buNone/>
-              <a:defRPr sz="1000"/>
+              <a:defRPr sz="900"/>
             </a:lvl9pPr>
           </a:lstStyle>
           <a:p>
@@ -2368,13 +4427,7 @@
       </p:sp>
       <p:sp>
         <p:nvSpPr>
-          <p:cNvPr id="5" name="Date Placeholder 4">
-            <a:extLst>
-              <a:ext uri="{FF2B5EF4-FFF2-40B4-BE49-F238E27FC236}">
-                <a16:creationId xmlns:a16="http://schemas.microsoft.com/office/drawing/2014/main" id="{6496FC3E-29B1-4593-985C-87D480C516C0}"/>
-              </a:ext>
-            </a:extLst>
-          </p:cNvPr>
+          <p:cNvPr id="5" name="Date Placeholder 4"/>
           <p:cNvSpPr>
             <a:spLocks noGrp="1"/>
           </p:cNvSpPr>
@@ -2397,13 +4450,7 @@
       </p:sp>
       <p:sp>
         <p:nvSpPr>
-          <p:cNvPr id="6" name="Footer Placeholder 5">
-            <a:extLst>
-              <a:ext uri="{FF2B5EF4-FFF2-40B4-BE49-F238E27FC236}">
-                <a16:creationId xmlns:a16="http://schemas.microsoft.com/office/drawing/2014/main" id="{B753483A-CA9C-4388-99A7-2714B4A376FB}"/>
-              </a:ext>
-            </a:extLst>
-          </p:cNvPr>
+          <p:cNvPr id="6" name="Footer Placeholder 5"/>
           <p:cNvSpPr>
             <a:spLocks noGrp="1"/>
           </p:cNvSpPr>
@@ -2422,13 +4469,7 @@
       </p:sp>
       <p:sp>
         <p:nvSpPr>
-          <p:cNvPr id="7" name="Slide Number Placeholder 6">
-            <a:extLst>
-              <a:ext uri="{FF2B5EF4-FFF2-40B4-BE49-F238E27FC236}">
-                <a16:creationId xmlns:a16="http://schemas.microsoft.com/office/drawing/2014/main" id="{7FE3D56F-D8D9-4FAD-87E6-ACF9BF556D3F}"/>
-              </a:ext>
-            </a:extLst>
-          </p:cNvPr>
+          <p:cNvPr id="7" name="Slide Number Placeholder 6"/>
           <p:cNvSpPr>
             <a:spLocks noGrp="1"/>
           </p:cNvSpPr>
@@ -2452,7 +4493,7 @@
     </p:spTree>
     <p:extLst>
       <p:ext uri="{BB962C8B-B14F-4D97-AF65-F5344CB8AC3E}">
-        <p14:creationId xmlns:p14="http://schemas.microsoft.com/office/powerpoint/2010/main" val="2871959461"/>
+        <p14:creationId xmlns:p14="http://schemas.microsoft.com/office/powerpoint/2010/main" val="744079520"/>
       </p:ext>
     </p:extLst>
   </p:cSld>
@@ -2481,13 +4522,7 @@
       </p:grpSpPr>
       <p:sp>
         <p:nvSpPr>
-          <p:cNvPr id="2" name="Title 1">
-            <a:extLst>
-              <a:ext uri="{FF2B5EF4-FFF2-40B4-BE49-F238E27FC236}">
-                <a16:creationId xmlns:a16="http://schemas.microsoft.com/office/drawing/2014/main" id="{53A1F73C-E007-4B2A-989A-31E8E61F536B}"/>
-              </a:ext>
-            </a:extLst>
-          </p:cNvPr>
+          <p:cNvPr id="2" name="Title 1"/>
           <p:cNvSpPr>
             <a:spLocks noGrp="1"/>
           </p:cNvSpPr>
@@ -2497,15 +4532,17 @@
         </p:nvSpPr>
         <p:spPr>
           <a:xfrm>
-            <a:off x="839788" y="457200"/>
-            <a:ext cx="3932237" cy="1600200"/>
+            <a:off x="1141411" y="1600200"/>
+            <a:ext cx="5334001" cy="1371600"/>
           </a:xfrm>
         </p:spPr>
         <p:txBody>
-          <a:bodyPr anchor="b"/>
+          <a:bodyPr anchor="b">
+            <a:normAutofit/>
+          </a:bodyPr>
           <a:lstStyle>
-            <a:lvl1pPr>
-              <a:defRPr sz="3200"/>
+            <a:lvl1pPr algn="l">
+              <a:defRPr sz="2800" b="0"/>
             </a:lvl1pPr>
           </a:lstStyle>
           <a:p>
@@ -2513,20 +4550,15 @@
               <a:rPr lang="en-US"/>
               <a:t>Click to edit Master title style</a:t>
             </a:r>
-          </a:p>
-        </p:txBody>
-      </p:sp>
-      <p:sp>
-        <p:nvSpPr>
-          <p:cNvPr id="3" name="Picture Placeholder 2">
-            <a:extLst>
-              <a:ext uri="{FF2B5EF4-FFF2-40B4-BE49-F238E27FC236}">
-                <a16:creationId xmlns:a16="http://schemas.microsoft.com/office/drawing/2014/main" id="{AC63BDDA-18C8-4B82-8C71-6D4703D48AD6}"/>
-              </a:ext>
-            </a:extLst>
-          </p:cNvPr>
-          <p:cNvSpPr>
-            <a:spLocks noGrp="1"/>
+            <a:endParaRPr lang="en-US" dirty="0"/>
+          </a:p>
+        </p:txBody>
+      </p:sp>
+      <p:sp>
+        <p:nvSpPr>
+          <p:cNvPr id="14" name="Picture Placeholder 2"/>
+          <p:cNvSpPr>
+            <a:spLocks noGrp="1" noChangeAspect="1"/>
           </p:cNvSpPr>
           <p:nvPr>
             <p:ph type="pic" idx="1"/>
@@ -2534,118 +4566,143 @@
         </p:nvSpPr>
         <p:spPr>
           <a:xfrm>
-            <a:off x="5183188" y="987425"/>
-            <a:ext cx="6172200" cy="4873625"/>
+            <a:off x="7433733" y="-18288"/>
+            <a:ext cx="3276599" cy="6903720"/>
           </a:xfrm>
+          <a:ln w="38100">
+            <a:gradFill flip="none" rotWithShape="1">
+              <a:gsLst>
+                <a:gs pos="0">
+                  <a:schemeClr val="bg2"/>
+                </a:gs>
+                <a:gs pos="100000">
+                  <a:schemeClr val="bg2">
+                    <a:lumMod val="75000"/>
+                  </a:schemeClr>
+                </a:gs>
+              </a:gsLst>
+              <a:lin ang="5400000" scaled="0"/>
+              <a:tileRect/>
+            </a:gradFill>
+          </a:ln>
+          <a:effectLst>
+            <a:innerShdw blurRad="57150" dist="38100" dir="10800000">
+              <a:srgbClr val="000000">
+                <a:alpha val="70000"/>
+              </a:srgbClr>
+            </a:innerShdw>
+          </a:effectLst>
         </p:spPr>
         <p:txBody>
-          <a:bodyPr/>
+          <a:bodyPr anchor="t">
+            <a:normAutofit/>
+          </a:bodyPr>
           <a:lstStyle>
-            <a:lvl1pPr marL="0" indent="0">
-              <a:buNone/>
-              <a:defRPr sz="3200"/>
-            </a:lvl1pPr>
-            <a:lvl2pPr marL="457200" indent="0">
-              <a:buNone/>
-              <a:defRPr sz="2800"/>
-            </a:lvl2pPr>
-            <a:lvl3pPr marL="914400" indent="0">
-              <a:buNone/>
-              <a:defRPr sz="2400"/>
-            </a:lvl3pPr>
-            <a:lvl4pPr marL="1371600" indent="0">
-              <a:buNone/>
-              <a:defRPr sz="2000"/>
-            </a:lvl4pPr>
-            <a:lvl5pPr marL="1828800" indent="0">
-              <a:buNone/>
-              <a:defRPr sz="2000"/>
-            </a:lvl5pPr>
-            <a:lvl6pPr marL="2286000" indent="0">
-              <a:buNone/>
-              <a:defRPr sz="2000"/>
-            </a:lvl6pPr>
-            <a:lvl7pPr marL="2743200" indent="0">
-              <a:buNone/>
-              <a:defRPr sz="2000"/>
-            </a:lvl7pPr>
-            <a:lvl8pPr marL="3200400" indent="0">
-              <a:buNone/>
-              <a:defRPr sz="2000"/>
-            </a:lvl8pPr>
-            <a:lvl9pPr marL="3657600" indent="0">
-              <a:buNone/>
-              <a:defRPr sz="2000"/>
-            </a:lvl9pPr>
-          </a:lstStyle>
-          <a:p>
-            <a:endParaRPr lang="en-US"/>
-          </a:p>
-        </p:txBody>
-      </p:sp>
-      <p:sp>
-        <p:nvSpPr>
-          <p:cNvPr id="4" name="Text Placeholder 3">
-            <a:extLst>
-              <a:ext uri="{FF2B5EF4-FFF2-40B4-BE49-F238E27FC236}">
-                <a16:creationId xmlns:a16="http://schemas.microsoft.com/office/drawing/2014/main" id="{80A5CA48-694A-42C9-AEAD-4987711469C4}"/>
-              </a:ext>
-            </a:extLst>
-          </p:cNvPr>
-          <p:cNvSpPr>
-            <a:spLocks noGrp="1"/>
-          </p:cNvSpPr>
-          <p:nvPr>
-            <p:ph type="body" sz="half" idx="2"/>
-          </p:nvPr>
-        </p:nvSpPr>
-        <p:spPr>
-          <a:xfrm>
-            <a:off x="839788" y="2057400"/>
-            <a:ext cx="3932237" cy="3811588"/>
-          </a:xfrm>
-        </p:spPr>
-        <p:txBody>
-          <a:bodyPr/>
-          <a:lstStyle>
-            <a:lvl1pPr marL="0" indent="0">
+            <a:lvl1pPr marL="0" indent="0" algn="ctr">
               <a:buNone/>
               <a:defRPr sz="1600"/>
             </a:lvl1pPr>
             <a:lvl2pPr marL="457200" indent="0">
               <a:buNone/>
-              <a:defRPr sz="1400"/>
+              <a:defRPr sz="1600"/>
             </a:lvl2pPr>
             <a:lvl3pPr marL="914400" indent="0">
               <a:buNone/>
-              <a:defRPr sz="1200"/>
+              <a:defRPr sz="1600"/>
             </a:lvl3pPr>
             <a:lvl4pPr marL="1371600" indent="0">
               <a:buNone/>
-              <a:defRPr sz="1000"/>
+              <a:defRPr sz="1600"/>
             </a:lvl4pPr>
             <a:lvl5pPr marL="1828800" indent="0">
               <a:buNone/>
-              <a:defRPr sz="1000"/>
+              <a:defRPr sz="1600"/>
             </a:lvl5pPr>
             <a:lvl6pPr marL="2286000" indent="0">
               <a:buNone/>
-              <a:defRPr sz="1000"/>
+              <a:defRPr sz="1600"/>
             </a:lvl6pPr>
             <a:lvl7pPr marL="2743200" indent="0">
               <a:buNone/>
-              <a:defRPr sz="1000"/>
+              <a:defRPr sz="1600"/>
             </a:lvl7pPr>
             <a:lvl8pPr marL="3200400" indent="0">
               <a:buNone/>
-              <a:defRPr sz="1000"/>
+              <a:defRPr sz="1600"/>
             </a:lvl8pPr>
             <a:lvl9pPr marL="3657600" indent="0">
               <a:buNone/>
-              <a:defRPr sz="1000"/>
+              <a:defRPr sz="1600"/>
             </a:lvl9pPr>
           </a:lstStyle>
           <a:p>
+            <a:r>
+              <a:rPr lang="en-US"/>
+              <a:t>Click icon to add picture</a:t>
+            </a:r>
+            <a:endParaRPr lang="en-US" dirty="0"/>
+          </a:p>
+        </p:txBody>
+      </p:sp>
+      <p:sp>
+        <p:nvSpPr>
+          <p:cNvPr id="4" name="Text Placeholder 3"/>
+          <p:cNvSpPr>
+            <a:spLocks noGrp="1"/>
+          </p:cNvSpPr>
+          <p:nvPr>
+            <p:ph type="body" sz="half" idx="2"/>
+          </p:nvPr>
+        </p:nvSpPr>
+        <p:spPr>
+          <a:xfrm>
+            <a:off x="1141411" y="2971800"/>
+            <a:ext cx="5334001" cy="1828800"/>
+          </a:xfrm>
+        </p:spPr>
+        <p:txBody>
+          <a:bodyPr>
+            <a:normAutofit/>
+          </a:bodyPr>
+          <a:lstStyle>
+            <a:lvl1pPr marL="0" indent="0">
+              <a:buNone/>
+              <a:defRPr sz="1800"/>
+            </a:lvl1pPr>
+            <a:lvl2pPr marL="457200" indent="0">
+              <a:buNone/>
+              <a:defRPr sz="1200"/>
+            </a:lvl2pPr>
+            <a:lvl3pPr marL="914400" indent="0">
+              <a:buNone/>
+              <a:defRPr sz="1000"/>
+            </a:lvl3pPr>
+            <a:lvl4pPr marL="1371600" indent="0">
+              <a:buNone/>
+              <a:defRPr sz="900"/>
+            </a:lvl4pPr>
+            <a:lvl5pPr marL="1828800" indent="0">
+              <a:buNone/>
+              <a:defRPr sz="900"/>
+            </a:lvl5pPr>
+            <a:lvl6pPr marL="2286000" indent="0">
+              <a:buNone/>
+              <a:defRPr sz="900"/>
+            </a:lvl6pPr>
+            <a:lvl7pPr marL="2743200" indent="0">
+              <a:buNone/>
+              <a:defRPr sz="900"/>
+            </a:lvl7pPr>
+            <a:lvl8pPr marL="3200400" indent="0">
+              <a:buNone/>
+              <a:defRPr sz="900"/>
+            </a:lvl8pPr>
+            <a:lvl9pPr marL="3657600" indent="0">
+              <a:buNone/>
+              <a:defRPr sz="900"/>
+            </a:lvl9pPr>
+          </a:lstStyle>
+          <a:p>
             <a:pPr lvl="0"/>
             <a:r>
               <a:rPr lang="en-US"/>
@@ -2656,13 +4713,7 @@
       </p:sp>
       <p:sp>
         <p:nvSpPr>
-          <p:cNvPr id="5" name="Date Placeholder 4">
-            <a:extLst>
-              <a:ext uri="{FF2B5EF4-FFF2-40B4-BE49-F238E27FC236}">
-                <a16:creationId xmlns:a16="http://schemas.microsoft.com/office/drawing/2014/main" id="{9DA55942-393A-4CDB-B94E-97D885885B09}"/>
-              </a:ext>
-            </a:extLst>
-          </p:cNvPr>
+          <p:cNvPr id="5" name="Date Placeholder 4"/>
           <p:cNvSpPr>
             <a:spLocks noGrp="1"/>
           </p:cNvSpPr>
@@ -2670,7 +4721,12 @@
             <p:ph type="dt" sz="half" idx="10"/>
           </p:nvPr>
         </p:nvSpPr>
-        <p:spPr/>
+        <p:spPr>
+          <a:xfrm>
+            <a:off x="6399212" y="5883275"/>
+            <a:ext cx="914400" cy="365125"/>
+          </a:xfrm>
+        </p:spPr>
         <p:txBody>
           <a:bodyPr/>
           <a:lstStyle/>
@@ -2685,13 +4741,7 @@
       </p:sp>
       <p:sp>
         <p:nvSpPr>
-          <p:cNvPr id="6" name="Footer Placeholder 5">
-            <a:extLst>
-              <a:ext uri="{FF2B5EF4-FFF2-40B4-BE49-F238E27FC236}">
-                <a16:creationId xmlns:a16="http://schemas.microsoft.com/office/drawing/2014/main" id="{B31D3E05-990A-48F8-AE1F-6A5F166E9CAB}"/>
-              </a:ext>
-            </a:extLst>
-          </p:cNvPr>
+          <p:cNvPr id="6" name="Footer Placeholder 5"/>
           <p:cNvSpPr>
             <a:spLocks noGrp="1"/>
           </p:cNvSpPr>
@@ -2699,7 +4749,12 @@
             <p:ph type="ftr" sz="quarter" idx="11"/>
           </p:nvPr>
         </p:nvSpPr>
-        <p:spPr/>
+        <p:spPr>
+          <a:xfrm>
+            <a:off x="1141412" y="5883275"/>
+            <a:ext cx="5105400" cy="365125"/>
+          </a:xfrm>
+        </p:spPr>
         <p:txBody>
           <a:bodyPr/>
           <a:lstStyle/>
@@ -2710,13 +4765,7 @@
       </p:sp>
       <p:sp>
         <p:nvSpPr>
-          <p:cNvPr id="7" name="Slide Number Placeholder 6">
-            <a:extLst>
-              <a:ext uri="{FF2B5EF4-FFF2-40B4-BE49-F238E27FC236}">
-                <a16:creationId xmlns:a16="http://schemas.microsoft.com/office/drawing/2014/main" id="{32CCD218-45E2-410D-9EFC-3F5FBF808961}"/>
-              </a:ext>
-            </a:extLst>
-          </p:cNvPr>
+          <p:cNvPr id="7" name="Slide Number Placeholder 6"/>
           <p:cNvSpPr>
             <a:spLocks noGrp="1"/>
           </p:cNvSpPr>
@@ -2724,7 +4773,12 @@
             <p:ph type="sldNum" sz="quarter" idx="12"/>
           </p:nvPr>
         </p:nvSpPr>
-        <p:spPr/>
+        <p:spPr>
+          <a:xfrm>
+            <a:off x="10742612" y="5883275"/>
+            <a:ext cx="322567" cy="365125"/>
+          </a:xfrm>
+        </p:spPr>
         <p:txBody>
           <a:bodyPr/>
           <a:lstStyle/>
@@ -2740,7 +4794,7 @@
     </p:spTree>
     <p:extLst>
       <p:ext uri="{BB962C8B-B14F-4D97-AF65-F5344CB8AC3E}">
-        <p14:creationId xmlns:p14="http://schemas.microsoft.com/office/powerpoint/2010/main" val="1737698116"/>
+        <p14:creationId xmlns:p14="http://schemas.microsoft.com/office/powerpoint/2010/main" val="590277653"/>
       </p:ext>
     </p:extLst>
   </p:cSld>
@@ -2754,8 +4808,8 @@
 <p:sldMaster xmlns:a="http://schemas.openxmlformats.org/drawingml/2006/main" xmlns:r="http://schemas.openxmlformats.org/officeDocument/2006/relationships" xmlns:p="http://schemas.openxmlformats.org/presentationml/2006/main">
   <p:cSld>
     <p:bg>
-      <p:bgRef idx="1001">
-        <a:schemeClr val="bg1"/>
+      <p:bgRef idx="1003">
+        <a:schemeClr val="bg2"/>
       </p:bgRef>
     </p:bg>
     <p:spTree>
@@ -2774,13 +4828,7 @@
       </p:grpSpPr>
       <p:sp>
         <p:nvSpPr>
-          <p:cNvPr id="2" name="Title Placeholder 1">
-            <a:extLst>
-              <a:ext uri="{FF2B5EF4-FFF2-40B4-BE49-F238E27FC236}">
-                <a16:creationId xmlns:a16="http://schemas.microsoft.com/office/drawing/2014/main" id="{6D898830-E1BA-4667-9420-30E0EFDD7DB1}"/>
-              </a:ext>
-            </a:extLst>
-          </p:cNvPr>
+          <p:cNvPr id="2" name="Title Placeholder 1"/>
           <p:cNvSpPr>
             <a:spLocks noGrp="1"/>
           </p:cNvSpPr>
@@ -2790,8 +4838,8 @@
         </p:nvSpPr>
         <p:spPr>
           <a:xfrm>
-            <a:off x="838200" y="365125"/>
-            <a:ext cx="10515600" cy="1325563"/>
+            <a:off x="1141413" y="609600"/>
+            <a:ext cx="9905998" cy="1905000"/>
           </a:xfrm>
           <a:prstGeom prst="rect">
             <a:avLst/>
@@ -2807,18 +4855,13 @@
               <a:rPr lang="en-US"/>
               <a:t>Click to edit Master title style</a:t>
             </a:r>
-          </a:p>
-        </p:txBody>
-      </p:sp>
-      <p:sp>
-        <p:nvSpPr>
-          <p:cNvPr id="3" name="Text Placeholder 2">
-            <a:extLst>
-              <a:ext uri="{FF2B5EF4-FFF2-40B4-BE49-F238E27FC236}">
-                <a16:creationId xmlns:a16="http://schemas.microsoft.com/office/drawing/2014/main" id="{C82B080A-903C-4063-8154-358A3CE2F9D2}"/>
-              </a:ext>
-            </a:extLst>
-          </p:cNvPr>
+            <a:endParaRPr lang="en-US" dirty="0"/>
+          </a:p>
+        </p:txBody>
+      </p:sp>
+      <p:sp>
+        <p:nvSpPr>
+          <p:cNvPr id="3" name="Text Placeholder 2"/>
           <p:cNvSpPr>
             <a:spLocks noGrp="1"/>
           </p:cNvSpPr>
@@ -2828,15 +4871,15 @@
         </p:nvSpPr>
         <p:spPr>
           <a:xfrm>
-            <a:off x="838200" y="1825625"/>
-            <a:ext cx="10515600" cy="4351338"/>
+            <a:off x="1141413" y="2666999"/>
+            <a:ext cx="9905998" cy="3124201"/>
           </a:xfrm>
           <a:prstGeom prst="rect">
             <a:avLst/>
           </a:prstGeom>
         </p:spPr>
         <p:txBody>
-          <a:bodyPr vert="horz" lIns="91440" tIns="45720" rIns="91440" bIns="45720" rtlCol="0">
+          <a:bodyPr vert="horz" lIns="91440" tIns="45720" rIns="91440" bIns="45720" rtlCol="0" anchor="ctr">
             <a:normAutofit/>
           </a:bodyPr>
           <a:lstStyle/>
@@ -2874,18 +4917,13 @@
               <a:rPr lang="en-US"/>
               <a:t>Fifth level</a:t>
             </a:r>
-          </a:p>
-        </p:txBody>
-      </p:sp>
-      <p:sp>
-        <p:nvSpPr>
-          <p:cNvPr id="4" name="Date Placeholder 3">
-            <a:extLst>
-              <a:ext uri="{FF2B5EF4-FFF2-40B4-BE49-F238E27FC236}">
-                <a16:creationId xmlns:a16="http://schemas.microsoft.com/office/drawing/2014/main" id="{F48B0018-47E2-4478-8AEB-85CA7E7FBE9E}"/>
-              </a:ext>
-            </a:extLst>
-          </p:cNvPr>
+            <a:endParaRPr lang="en-US" dirty="0"/>
+          </a:p>
+        </p:txBody>
+      </p:sp>
+      <p:sp>
+        <p:nvSpPr>
+          <p:cNvPr id="4" name="Date Placeholder 3"/>
           <p:cNvSpPr>
             <a:spLocks noGrp="1"/>
           </p:cNvSpPr>
@@ -2895,8 +4933,8 @@
         </p:nvSpPr>
         <p:spPr>
           <a:xfrm>
-            <a:off x="838200" y="6356350"/>
-            <a:ext cx="2743200" cy="365125"/>
+            <a:off x="8837612" y="5883275"/>
+            <a:ext cx="1600200" cy="365125"/>
           </a:xfrm>
           <a:prstGeom prst="rect">
             <a:avLst/>
@@ -2905,13 +4943,21 @@
         <p:txBody>
           <a:bodyPr vert="horz" lIns="91440" tIns="45720" rIns="91440" bIns="45720" rtlCol="0" anchor="ctr"/>
           <a:lstStyle>
-            <a:lvl1pPr algn="l">
-              <a:defRPr sz="1200">
+            <a:lvl1pPr algn="r">
+              <a:defRPr sz="900" b="1" i="0">
                 <a:solidFill>
                   <a:schemeClr val="tx1">
-                    <a:tint val="75000"/>
+                    <a:lumMod val="75000"/>
                   </a:schemeClr>
                 </a:solidFill>
+                <a:effectLst>
+                  <a:outerShdw blurRad="50800" dist="38100" dir="2700000" algn="tl" rotWithShape="0">
+                    <a:srgbClr val="000000">
+                      <a:alpha val="43000"/>
+                    </a:srgbClr>
+                  </a:outerShdw>
+                </a:effectLst>
+                <a:latin typeface="+mn-lt"/>
               </a:defRPr>
             </a:lvl1pPr>
           </a:lstStyle>
@@ -2926,13 +4972,7 @@
       </p:sp>
       <p:sp>
         <p:nvSpPr>
-          <p:cNvPr id="5" name="Footer Placeholder 4">
-            <a:extLst>
-              <a:ext uri="{FF2B5EF4-FFF2-40B4-BE49-F238E27FC236}">
-                <a16:creationId xmlns:a16="http://schemas.microsoft.com/office/drawing/2014/main" id="{80E372E2-6D3B-46BC-8409-EB520FF36D59}"/>
-              </a:ext>
-            </a:extLst>
-          </p:cNvPr>
+          <p:cNvPr id="5" name="Footer Placeholder 4"/>
           <p:cNvSpPr>
             <a:spLocks noGrp="1"/>
           </p:cNvSpPr>
@@ -2942,8 +4982,8 @@
         </p:nvSpPr>
         <p:spPr>
           <a:xfrm>
-            <a:off x="4038600" y="6356350"/>
-            <a:ext cx="4114800" cy="365125"/>
+            <a:off x="1141412" y="5883275"/>
+            <a:ext cx="7543800" cy="365125"/>
           </a:xfrm>
           <a:prstGeom prst="rect">
             <a:avLst/>
@@ -2952,13 +4992,21 @@
         <p:txBody>
           <a:bodyPr vert="horz" lIns="91440" tIns="45720" rIns="91440" bIns="45720" rtlCol="0" anchor="ctr"/>
           <a:lstStyle>
-            <a:lvl1pPr algn="ctr">
-              <a:defRPr sz="1200">
+            <a:lvl1pPr algn="l">
+              <a:defRPr sz="900" b="1" i="0">
                 <a:solidFill>
                   <a:schemeClr val="tx1">
-                    <a:tint val="75000"/>
+                    <a:lumMod val="75000"/>
                   </a:schemeClr>
                 </a:solidFill>
+                <a:effectLst>
+                  <a:outerShdw blurRad="50800" dist="38100" dir="2700000" algn="tl" rotWithShape="0">
+                    <a:srgbClr val="000000">
+                      <a:alpha val="43000"/>
+                    </a:srgbClr>
+                  </a:outerShdw>
+                </a:effectLst>
+                <a:latin typeface="+mn-lt"/>
               </a:defRPr>
             </a:lvl1pPr>
           </a:lstStyle>
@@ -2969,13 +5017,7 @@
       </p:sp>
       <p:sp>
         <p:nvSpPr>
-          <p:cNvPr id="6" name="Slide Number Placeholder 5">
-            <a:extLst>
-              <a:ext uri="{FF2B5EF4-FFF2-40B4-BE49-F238E27FC236}">
-                <a16:creationId xmlns:a16="http://schemas.microsoft.com/office/drawing/2014/main" id="{BB57EFF7-3D6A-4F29-9BD9-746F0524FA59}"/>
-              </a:ext>
-            </a:extLst>
-          </p:cNvPr>
+          <p:cNvPr id="6" name="Slide Number Placeholder 5"/>
           <p:cNvSpPr>
             <a:spLocks noGrp="1"/>
           </p:cNvSpPr>
@@ -2985,8 +5027,8 @@
         </p:nvSpPr>
         <p:spPr>
           <a:xfrm>
-            <a:off x="8610600" y="6356350"/>
-            <a:ext cx="2743200" cy="365125"/>
+            <a:off x="10514012" y="5883275"/>
+            <a:ext cx="551167" cy="365125"/>
           </a:xfrm>
           <a:prstGeom prst="rect">
             <a:avLst/>
@@ -2996,12 +5038,20 @@
           <a:bodyPr vert="horz" lIns="91440" tIns="45720" rIns="91440" bIns="45720" rtlCol="0" anchor="ctr"/>
           <a:lstStyle>
             <a:lvl1pPr algn="r">
-              <a:defRPr sz="1200">
+              <a:defRPr sz="900" b="1" i="0">
                 <a:solidFill>
                   <a:schemeClr val="tx1">
-                    <a:tint val="75000"/>
+                    <a:lumMod val="75000"/>
                   </a:schemeClr>
                 </a:solidFill>
+                <a:effectLst>
+                  <a:outerShdw blurRad="50800" dist="38100" dir="2700000" algn="tl" rotWithShape="0">
+                    <a:srgbClr val="000000">
+                      <a:alpha val="43000"/>
+                    </a:srgbClr>
+                  </a:outerShdw>
+                </a:effectLst>
+                <a:latin typeface="+mn-lt"/>
               </a:defRPr>
             </a:lvl1pPr>
           </a:lstStyle>
@@ -3017,202 +5067,550 @@
     </p:spTree>
     <p:extLst>
       <p:ext uri="{BB962C8B-B14F-4D97-AF65-F5344CB8AC3E}">
-        <p14:creationId xmlns:p14="http://schemas.microsoft.com/office/powerpoint/2010/main" val="3930437971"/>
+        <p14:creationId xmlns:p14="http://schemas.microsoft.com/office/powerpoint/2010/main" val="3101435418"/>
       </p:ext>
     </p:extLst>
   </p:cSld>
-  <p:clrMap bg1="lt1" tx1="dk1" bg2="lt2" tx2="dk2" accent1="accent1" accent2="accent2" accent3="accent3" accent4="accent4" accent5="accent5" accent6="accent6" hlink="hlink" folHlink="folHlink"/>
+  <p:clrMap bg1="dk1" tx1="lt1" bg2="dk2" tx2="lt2" accent1="accent1" accent2="accent2" accent3="accent3" accent4="accent4" accent5="accent5" accent6="accent6" hlink="hlink" folHlink="folHlink"/>
   <p:sldLayoutIdLst>
-    <p:sldLayoutId id="2147483649" r:id="rId1"/>
-    <p:sldLayoutId id="2147483650" r:id="rId2"/>
-    <p:sldLayoutId id="2147483651" r:id="rId3"/>
-    <p:sldLayoutId id="2147483652" r:id="rId4"/>
-    <p:sldLayoutId id="2147483653" r:id="rId5"/>
-    <p:sldLayoutId id="2147483654" r:id="rId6"/>
-    <p:sldLayoutId id="2147483655" r:id="rId7"/>
-    <p:sldLayoutId id="2147483656" r:id="rId8"/>
-    <p:sldLayoutId id="2147483657" r:id="rId9"/>
-    <p:sldLayoutId id="2147483658" r:id="rId10"/>
-    <p:sldLayoutId id="2147483659" r:id="rId11"/>
+    <p:sldLayoutId id="2147483661" r:id="rId1"/>
+    <p:sldLayoutId id="2147483662" r:id="rId2"/>
+    <p:sldLayoutId id="2147483663" r:id="rId3"/>
+    <p:sldLayoutId id="2147483664" r:id="rId4"/>
+    <p:sldLayoutId id="2147483665" r:id="rId5"/>
+    <p:sldLayoutId id="2147483666" r:id="rId6"/>
+    <p:sldLayoutId id="2147483667" r:id="rId7"/>
+    <p:sldLayoutId id="2147483668" r:id="rId8"/>
+    <p:sldLayoutId id="2147483669" r:id="rId9"/>
+    <p:sldLayoutId id="2147483670" r:id="rId10"/>
+    <p:sldLayoutId id="2147483671" r:id="rId11"/>
+    <p:sldLayoutId id="2147483672" r:id="rId12"/>
+    <p:sldLayoutId id="2147483673" r:id="rId13"/>
+    <p:sldLayoutId id="2147483674" r:id="rId14"/>
+    <p:sldLayoutId id="2147483675" r:id="rId15"/>
+    <p:sldLayoutId id="2147483676" r:id="rId16"/>
+    <p:sldLayoutId id="2147483677" r:id="rId17"/>
   </p:sldLayoutIdLst>
   <p:txStyles>
     <p:titleStyle>
-      <a:lvl1pPr algn="l" defTabSz="914400" rtl="0" eaLnBrk="1" latinLnBrk="0" hangingPunct="1">
-        <a:lnSpc>
-          <a:spcPct val="90000"/>
-        </a:lnSpc>
+      <a:lvl1pPr algn="l" defTabSz="457200" rtl="0" eaLnBrk="1" latinLnBrk="0" hangingPunct="1">
         <a:spcBef>
           <a:spcPct val="0"/>
         </a:spcBef>
         <a:buNone/>
-        <a:defRPr sz="4400" kern="1200">
-          <a:solidFill>
-            <a:schemeClr val="tx1"/>
-          </a:solidFill>
+        <a:defRPr sz="3200" kern="1200" cap="all">
+          <a:ln w="3175" cmpd="sng">
+            <a:noFill/>
+          </a:ln>
+          <a:gradFill flip="none" rotWithShape="1">
+            <a:gsLst>
+              <a:gs pos="0">
+                <a:schemeClr val="tx1"/>
+              </a:gs>
+              <a:gs pos="100000">
+                <a:schemeClr val="tx1">
+                  <a:lumMod val="65000"/>
+                </a:schemeClr>
+              </a:gs>
+            </a:gsLst>
+            <a:lin ang="5580000" scaled="0"/>
+            <a:tileRect/>
+          </a:gradFill>
+          <a:effectLst>
+            <a:glow rad="38100">
+              <a:schemeClr val="bg1">
+                <a:lumMod val="65000"/>
+                <a:lumOff val="35000"/>
+                <a:alpha val="40000"/>
+              </a:schemeClr>
+            </a:glow>
+            <a:outerShdw blurRad="28575" dist="38100" dir="14040000" algn="tl" rotWithShape="0">
+              <a:srgbClr val="000000">
+                <a:alpha val="25000"/>
+              </a:srgbClr>
+            </a:outerShdw>
+          </a:effectLst>
           <a:latin typeface="+mj-lt"/>
           <a:ea typeface="+mj-ea"/>
           <a:cs typeface="+mj-cs"/>
         </a:defRPr>
       </a:lvl1pPr>
+      <a:lvl2pPr eaLnBrk="1" hangingPunct="1">
+        <a:defRPr>
+          <a:solidFill>
+            <a:schemeClr val="tx2"/>
+          </a:solidFill>
+        </a:defRPr>
+      </a:lvl2pPr>
+      <a:lvl3pPr eaLnBrk="1" hangingPunct="1">
+        <a:defRPr>
+          <a:solidFill>
+            <a:schemeClr val="tx2"/>
+          </a:solidFill>
+        </a:defRPr>
+      </a:lvl3pPr>
+      <a:lvl4pPr eaLnBrk="1" hangingPunct="1">
+        <a:defRPr>
+          <a:solidFill>
+            <a:schemeClr val="tx2"/>
+          </a:solidFill>
+        </a:defRPr>
+      </a:lvl4pPr>
+      <a:lvl5pPr eaLnBrk="1" hangingPunct="1">
+        <a:defRPr>
+          <a:solidFill>
+            <a:schemeClr val="tx2"/>
+          </a:solidFill>
+        </a:defRPr>
+      </a:lvl5pPr>
+      <a:lvl6pPr eaLnBrk="1" hangingPunct="1">
+        <a:defRPr>
+          <a:solidFill>
+            <a:schemeClr val="tx2"/>
+          </a:solidFill>
+        </a:defRPr>
+      </a:lvl6pPr>
+      <a:lvl7pPr eaLnBrk="1" hangingPunct="1">
+        <a:defRPr>
+          <a:solidFill>
+            <a:schemeClr val="tx2"/>
+          </a:solidFill>
+        </a:defRPr>
+      </a:lvl7pPr>
+      <a:lvl8pPr eaLnBrk="1" hangingPunct="1">
+        <a:defRPr>
+          <a:solidFill>
+            <a:schemeClr val="tx2"/>
+          </a:solidFill>
+        </a:defRPr>
+      </a:lvl8pPr>
+      <a:lvl9pPr eaLnBrk="1" hangingPunct="1">
+        <a:defRPr>
+          <a:solidFill>
+            <a:schemeClr val="tx2"/>
+          </a:solidFill>
+        </a:defRPr>
+      </a:lvl9pPr>
     </p:titleStyle>
     <p:bodyStyle>
-      <a:lvl1pPr marL="228600" indent="-228600" algn="l" defTabSz="914400" rtl="0" eaLnBrk="1" latinLnBrk="0" hangingPunct="1">
-        <a:lnSpc>
-          <a:spcPct val="90000"/>
-        </a:lnSpc>
+      <a:lvl1pPr marL="285750" indent="-285750" algn="l" defTabSz="457200" rtl="0" eaLnBrk="1" latinLnBrk="0" hangingPunct="1">
         <a:spcBef>
-          <a:spcPts val="1000"/>
+          <a:spcPct val="20000"/>
         </a:spcBef>
-        <a:buFont typeface="Arial" panose="020B0604020202020204" pitchFamily="34" charset="0"/>
+        <a:spcAft>
+          <a:spcPts val="600"/>
+        </a:spcAft>
+        <a:buClr>
+          <a:schemeClr val="tx1"/>
+        </a:buClr>
+        <a:buSzPct val="100000"/>
+        <a:buFont typeface="Arial"/>
         <a:buChar char="•"/>
-        <a:defRPr sz="2800" kern="1200">
-          <a:solidFill>
-            <a:schemeClr val="tx1"/>
-          </a:solidFill>
+        <a:defRPr sz="2000" kern="1200" cap="small">
+          <a:gradFill flip="none" rotWithShape="1">
+            <a:gsLst>
+              <a:gs pos="0">
+                <a:schemeClr val="tx1"/>
+              </a:gs>
+              <a:gs pos="100000">
+                <a:schemeClr val="tx1">
+                  <a:lumMod val="75000"/>
+                </a:schemeClr>
+              </a:gs>
+            </a:gsLst>
+            <a:lin ang="5580000" scaled="0"/>
+            <a:tileRect/>
+          </a:gradFill>
+          <a:effectLst>
+            <a:glow rad="38100">
+              <a:schemeClr val="bg1">
+                <a:lumMod val="50000"/>
+                <a:lumOff val="50000"/>
+                <a:alpha val="20000"/>
+              </a:schemeClr>
+            </a:glow>
+            <a:outerShdw blurRad="44450" dist="12700" dir="13860000" algn="tl" rotWithShape="0">
+              <a:srgbClr val="000000">
+                <a:alpha val="20000"/>
+              </a:srgbClr>
+            </a:outerShdw>
+          </a:effectLst>
           <a:latin typeface="+mn-lt"/>
           <a:ea typeface="+mn-ea"/>
           <a:cs typeface="+mn-cs"/>
         </a:defRPr>
       </a:lvl1pPr>
-      <a:lvl2pPr marL="685800" indent="-228600" algn="l" defTabSz="914400" rtl="0" eaLnBrk="1" latinLnBrk="0" hangingPunct="1">
-        <a:lnSpc>
-          <a:spcPct val="90000"/>
-        </a:lnSpc>
+      <a:lvl2pPr marL="742950" indent="-285750" algn="l" defTabSz="457200" rtl="0" eaLnBrk="1" latinLnBrk="0" hangingPunct="1">
         <a:spcBef>
-          <a:spcPts val="500"/>
+          <a:spcPct val="20000"/>
         </a:spcBef>
-        <a:buFont typeface="Arial" panose="020B0604020202020204" pitchFamily="34" charset="0"/>
+        <a:spcAft>
+          <a:spcPts val="600"/>
+        </a:spcAft>
+        <a:buClr>
+          <a:schemeClr val="tx1"/>
+        </a:buClr>
+        <a:buSzPct val="100000"/>
+        <a:buFont typeface="Arial"/>
         <a:buChar char="•"/>
-        <a:defRPr sz="2400" kern="1200">
-          <a:solidFill>
-            <a:schemeClr val="tx1"/>
-          </a:solidFill>
+        <a:defRPr sz="1800" kern="1200" cap="small">
+          <a:gradFill flip="none" rotWithShape="1">
+            <a:gsLst>
+              <a:gs pos="0">
+                <a:schemeClr val="tx1"/>
+              </a:gs>
+              <a:gs pos="100000">
+                <a:schemeClr val="tx1">
+                  <a:lumMod val="75000"/>
+                </a:schemeClr>
+              </a:gs>
+            </a:gsLst>
+            <a:lin ang="5580000" scaled="0"/>
+            <a:tileRect/>
+          </a:gradFill>
+          <a:effectLst>
+            <a:glow rad="38100">
+              <a:schemeClr val="bg1">
+                <a:lumMod val="50000"/>
+                <a:lumOff val="50000"/>
+                <a:alpha val="20000"/>
+              </a:schemeClr>
+            </a:glow>
+            <a:outerShdw blurRad="44450" dist="12700" dir="13860000" algn="tl" rotWithShape="0">
+              <a:srgbClr val="000000">
+                <a:alpha val="20000"/>
+              </a:srgbClr>
+            </a:outerShdw>
+          </a:effectLst>
           <a:latin typeface="+mn-lt"/>
           <a:ea typeface="+mn-ea"/>
           <a:cs typeface="+mn-cs"/>
         </a:defRPr>
       </a:lvl2pPr>
-      <a:lvl3pPr marL="1143000" indent="-228600" algn="l" defTabSz="914400" rtl="0" eaLnBrk="1" latinLnBrk="0" hangingPunct="1">
-        <a:lnSpc>
-          <a:spcPct val="90000"/>
-        </a:lnSpc>
+      <a:lvl3pPr marL="1200150" indent="-285750" algn="l" defTabSz="457200" rtl="0" eaLnBrk="1" latinLnBrk="0" hangingPunct="1">
         <a:spcBef>
-          <a:spcPts val="500"/>
+          <a:spcPct val="20000"/>
         </a:spcBef>
-        <a:buFont typeface="Arial" panose="020B0604020202020204" pitchFamily="34" charset="0"/>
+        <a:spcAft>
+          <a:spcPts val="600"/>
+        </a:spcAft>
+        <a:buClr>
+          <a:schemeClr val="tx1"/>
+        </a:buClr>
+        <a:buSzPct val="100000"/>
+        <a:buFont typeface="Arial"/>
         <a:buChar char="•"/>
-        <a:defRPr sz="2000" kern="1200">
-          <a:solidFill>
-            <a:schemeClr val="tx1"/>
-          </a:solidFill>
+        <a:defRPr sz="1600" kern="1200" cap="small">
+          <a:gradFill flip="none" rotWithShape="1">
+            <a:gsLst>
+              <a:gs pos="0">
+                <a:schemeClr val="tx1"/>
+              </a:gs>
+              <a:gs pos="100000">
+                <a:schemeClr val="tx1">
+                  <a:lumMod val="75000"/>
+                </a:schemeClr>
+              </a:gs>
+            </a:gsLst>
+            <a:lin ang="5580000" scaled="0"/>
+            <a:tileRect/>
+          </a:gradFill>
+          <a:effectLst>
+            <a:glow rad="38100">
+              <a:schemeClr val="bg1">
+                <a:lumMod val="50000"/>
+                <a:lumOff val="50000"/>
+                <a:alpha val="20000"/>
+              </a:schemeClr>
+            </a:glow>
+            <a:outerShdw blurRad="44450" dist="12700" dir="13860000" algn="tl" rotWithShape="0">
+              <a:srgbClr val="000000">
+                <a:alpha val="20000"/>
+              </a:srgbClr>
+            </a:outerShdw>
+          </a:effectLst>
           <a:latin typeface="+mn-lt"/>
           <a:ea typeface="+mn-ea"/>
           <a:cs typeface="+mn-cs"/>
         </a:defRPr>
       </a:lvl3pPr>
-      <a:lvl4pPr marL="1600200" indent="-228600" algn="l" defTabSz="914400" rtl="0" eaLnBrk="1" latinLnBrk="0" hangingPunct="1">
-        <a:lnSpc>
-          <a:spcPct val="90000"/>
-        </a:lnSpc>
+      <a:lvl4pPr marL="1543050" indent="-171450" algn="l" defTabSz="457200" rtl="0" eaLnBrk="1" latinLnBrk="0" hangingPunct="1">
         <a:spcBef>
-          <a:spcPts val="500"/>
+          <a:spcPct val="20000"/>
         </a:spcBef>
-        <a:buFont typeface="Arial" panose="020B0604020202020204" pitchFamily="34" charset="0"/>
+        <a:spcAft>
+          <a:spcPts val="600"/>
+        </a:spcAft>
+        <a:buClr>
+          <a:schemeClr val="tx1"/>
+        </a:buClr>
+        <a:buSzPct val="100000"/>
+        <a:buFont typeface="Arial"/>
         <a:buChar char="•"/>
-        <a:defRPr sz="1800" kern="1200">
-          <a:solidFill>
-            <a:schemeClr val="tx1"/>
-          </a:solidFill>
+        <a:defRPr sz="1400" kern="1200" cap="small">
+          <a:gradFill flip="none" rotWithShape="1">
+            <a:gsLst>
+              <a:gs pos="0">
+                <a:schemeClr val="tx1"/>
+              </a:gs>
+              <a:gs pos="100000">
+                <a:schemeClr val="tx1">
+                  <a:lumMod val="75000"/>
+                </a:schemeClr>
+              </a:gs>
+            </a:gsLst>
+            <a:lin ang="5580000" scaled="0"/>
+            <a:tileRect/>
+          </a:gradFill>
+          <a:effectLst>
+            <a:glow rad="38100">
+              <a:schemeClr val="bg1">
+                <a:lumMod val="50000"/>
+                <a:lumOff val="50000"/>
+                <a:alpha val="20000"/>
+              </a:schemeClr>
+            </a:glow>
+            <a:outerShdw blurRad="44450" dist="12700" dir="13860000" algn="tl" rotWithShape="0">
+              <a:srgbClr val="000000">
+                <a:alpha val="20000"/>
+              </a:srgbClr>
+            </a:outerShdw>
+          </a:effectLst>
           <a:latin typeface="+mn-lt"/>
           <a:ea typeface="+mn-ea"/>
           <a:cs typeface="+mn-cs"/>
         </a:defRPr>
       </a:lvl4pPr>
-      <a:lvl5pPr marL="2057400" indent="-228600" algn="l" defTabSz="914400" rtl="0" eaLnBrk="1" latinLnBrk="0" hangingPunct="1">
-        <a:lnSpc>
-          <a:spcPct val="90000"/>
-        </a:lnSpc>
+      <a:lvl5pPr marL="2000250" indent="-171450" algn="l" defTabSz="457200" rtl="0" eaLnBrk="1" latinLnBrk="0" hangingPunct="1">
         <a:spcBef>
-          <a:spcPts val="500"/>
+          <a:spcPct val="20000"/>
         </a:spcBef>
-        <a:buFont typeface="Arial" panose="020B0604020202020204" pitchFamily="34" charset="0"/>
+        <a:spcAft>
+          <a:spcPts val="600"/>
+        </a:spcAft>
+        <a:buClr>
+          <a:schemeClr val="tx1"/>
+        </a:buClr>
+        <a:buSzPct val="100000"/>
+        <a:buFont typeface="Arial"/>
         <a:buChar char="•"/>
-        <a:defRPr sz="1800" kern="1200">
-          <a:solidFill>
-            <a:schemeClr val="tx1"/>
-          </a:solidFill>
+        <a:defRPr sz="1400" kern="1200" cap="small">
+          <a:gradFill flip="none" rotWithShape="1">
+            <a:gsLst>
+              <a:gs pos="0">
+                <a:schemeClr val="tx1"/>
+              </a:gs>
+              <a:gs pos="100000">
+                <a:schemeClr val="tx1">
+                  <a:lumMod val="75000"/>
+                </a:schemeClr>
+              </a:gs>
+            </a:gsLst>
+            <a:lin ang="5580000" scaled="0"/>
+            <a:tileRect/>
+          </a:gradFill>
+          <a:effectLst>
+            <a:glow rad="38100">
+              <a:schemeClr val="bg1">
+                <a:lumMod val="50000"/>
+                <a:lumOff val="50000"/>
+                <a:alpha val="20000"/>
+              </a:schemeClr>
+            </a:glow>
+            <a:outerShdw blurRad="44450" dist="12700" dir="13860000" algn="tl" rotWithShape="0">
+              <a:srgbClr val="000000">
+                <a:alpha val="20000"/>
+              </a:srgbClr>
+            </a:outerShdw>
+          </a:effectLst>
           <a:latin typeface="+mn-lt"/>
           <a:ea typeface="+mn-ea"/>
           <a:cs typeface="+mn-cs"/>
         </a:defRPr>
       </a:lvl5pPr>
-      <a:lvl6pPr marL="2514600" indent="-228600" algn="l" defTabSz="914400" rtl="0" eaLnBrk="1" latinLnBrk="0" hangingPunct="1">
-        <a:lnSpc>
-          <a:spcPct val="90000"/>
-        </a:lnSpc>
+      <a:lvl6pPr marL="2514600" indent="-228600" algn="l" defTabSz="457200" rtl="0" eaLnBrk="1" latinLnBrk="0" hangingPunct="1">
         <a:spcBef>
-          <a:spcPts val="500"/>
+          <a:spcPct val="20000"/>
         </a:spcBef>
-        <a:buFont typeface="Arial" panose="020B0604020202020204" pitchFamily="34" charset="0"/>
+        <a:spcAft>
+          <a:spcPts val="600"/>
+        </a:spcAft>
+        <a:buClr>
+          <a:schemeClr val="tx1"/>
+        </a:buClr>
+        <a:buSzPct val="100000"/>
+        <a:buFont typeface="Arial"/>
         <a:buChar char="•"/>
-        <a:defRPr sz="1800" kern="1200">
-          <a:solidFill>
-            <a:schemeClr val="tx1"/>
-          </a:solidFill>
+        <a:defRPr sz="1200" kern="1200" cap="small">
+          <a:gradFill flip="none" rotWithShape="1">
+            <a:gsLst>
+              <a:gs pos="0">
+                <a:schemeClr val="tx1"/>
+              </a:gs>
+              <a:gs pos="100000">
+                <a:schemeClr val="tx1">
+                  <a:lumMod val="75000"/>
+                </a:schemeClr>
+              </a:gs>
+            </a:gsLst>
+            <a:lin ang="5580000" scaled="0"/>
+            <a:tileRect/>
+          </a:gradFill>
+          <a:effectLst>
+            <a:glow rad="38100">
+              <a:schemeClr val="bg1">
+                <a:lumMod val="50000"/>
+                <a:lumOff val="50000"/>
+                <a:alpha val="20000"/>
+              </a:schemeClr>
+            </a:glow>
+            <a:outerShdw blurRad="44450" dist="12700" dir="13860000" algn="tl" rotWithShape="0">
+              <a:srgbClr val="000000">
+                <a:alpha val="20000"/>
+              </a:srgbClr>
+            </a:outerShdw>
+          </a:effectLst>
           <a:latin typeface="+mn-lt"/>
           <a:ea typeface="+mn-ea"/>
           <a:cs typeface="+mn-cs"/>
         </a:defRPr>
       </a:lvl6pPr>
-      <a:lvl7pPr marL="2971800" indent="-228600" algn="l" defTabSz="914400" rtl="0" eaLnBrk="1" latinLnBrk="0" hangingPunct="1">
-        <a:lnSpc>
-          <a:spcPct val="90000"/>
-        </a:lnSpc>
+      <a:lvl7pPr marL="2971800" indent="-228600" algn="l" defTabSz="457200" rtl="0" eaLnBrk="1" latinLnBrk="0" hangingPunct="1">
         <a:spcBef>
-          <a:spcPts val="500"/>
+          <a:spcPct val="20000"/>
         </a:spcBef>
-        <a:buFont typeface="Arial" panose="020B0604020202020204" pitchFamily="34" charset="0"/>
+        <a:spcAft>
+          <a:spcPts val="600"/>
+        </a:spcAft>
+        <a:buClr>
+          <a:schemeClr val="tx1"/>
+        </a:buClr>
+        <a:buSzPct val="100000"/>
+        <a:buFont typeface="Arial"/>
         <a:buChar char="•"/>
-        <a:defRPr sz="1800" kern="1200">
-          <a:solidFill>
-            <a:schemeClr val="tx1"/>
-          </a:solidFill>
+        <a:defRPr sz="1200" kern="1200" cap="small">
+          <a:gradFill flip="none" rotWithShape="1">
+            <a:gsLst>
+              <a:gs pos="0">
+                <a:schemeClr val="tx1"/>
+              </a:gs>
+              <a:gs pos="100000">
+                <a:schemeClr val="tx1">
+                  <a:lumMod val="75000"/>
+                </a:schemeClr>
+              </a:gs>
+            </a:gsLst>
+            <a:lin ang="5580000" scaled="0"/>
+            <a:tileRect/>
+          </a:gradFill>
+          <a:effectLst>
+            <a:glow rad="38100">
+              <a:schemeClr val="bg1">
+                <a:lumMod val="50000"/>
+                <a:lumOff val="50000"/>
+                <a:alpha val="20000"/>
+              </a:schemeClr>
+            </a:glow>
+            <a:outerShdw blurRad="44450" dist="12700" dir="13860000" algn="tl" rotWithShape="0">
+              <a:srgbClr val="000000">
+                <a:alpha val="20000"/>
+              </a:srgbClr>
+            </a:outerShdw>
+          </a:effectLst>
           <a:latin typeface="+mn-lt"/>
           <a:ea typeface="+mn-ea"/>
           <a:cs typeface="+mn-cs"/>
         </a:defRPr>
       </a:lvl7pPr>
-      <a:lvl8pPr marL="3429000" indent="-228600" algn="l" defTabSz="914400" rtl="0" eaLnBrk="1" latinLnBrk="0" hangingPunct="1">
-        <a:lnSpc>
-          <a:spcPct val="90000"/>
-        </a:lnSpc>
+      <a:lvl8pPr marL="3429000" indent="-228600" algn="l" defTabSz="457200" rtl="0" eaLnBrk="1" latinLnBrk="0" hangingPunct="1">
         <a:spcBef>
-          <a:spcPts val="500"/>
+          <a:spcPct val="20000"/>
         </a:spcBef>
-        <a:buFont typeface="Arial" panose="020B0604020202020204" pitchFamily="34" charset="0"/>
+        <a:spcAft>
+          <a:spcPts val="600"/>
+        </a:spcAft>
+        <a:buClr>
+          <a:schemeClr val="tx1"/>
+        </a:buClr>
+        <a:buSzPct val="100000"/>
+        <a:buFont typeface="Arial"/>
         <a:buChar char="•"/>
-        <a:defRPr sz="1800" kern="1200">
-          <a:solidFill>
-            <a:schemeClr val="tx1"/>
-          </a:solidFill>
+        <a:defRPr sz="1200" kern="1200" cap="small">
+          <a:gradFill flip="none" rotWithShape="1">
+            <a:gsLst>
+              <a:gs pos="0">
+                <a:schemeClr val="tx1"/>
+              </a:gs>
+              <a:gs pos="100000">
+                <a:schemeClr val="tx1">
+                  <a:lumMod val="75000"/>
+                </a:schemeClr>
+              </a:gs>
+            </a:gsLst>
+            <a:lin ang="5580000" scaled="0"/>
+            <a:tileRect/>
+          </a:gradFill>
+          <a:effectLst>
+            <a:glow rad="38100">
+              <a:schemeClr val="bg1">
+                <a:lumMod val="50000"/>
+                <a:lumOff val="50000"/>
+                <a:alpha val="20000"/>
+              </a:schemeClr>
+            </a:glow>
+            <a:outerShdw blurRad="44450" dist="12700" dir="13860000" algn="tl" rotWithShape="0">
+              <a:srgbClr val="000000">
+                <a:alpha val="20000"/>
+              </a:srgbClr>
+            </a:outerShdw>
+          </a:effectLst>
           <a:latin typeface="+mn-lt"/>
           <a:ea typeface="+mn-ea"/>
           <a:cs typeface="+mn-cs"/>
         </a:defRPr>
       </a:lvl8pPr>
-      <a:lvl9pPr marL="3886200" indent="-228600" algn="l" defTabSz="914400" rtl="0" eaLnBrk="1" latinLnBrk="0" hangingPunct="1">
-        <a:lnSpc>
-          <a:spcPct val="90000"/>
-        </a:lnSpc>
+      <a:lvl9pPr marL="3886200" indent="-228600" algn="l" defTabSz="457200" rtl="0" eaLnBrk="1" latinLnBrk="0" hangingPunct="1">
         <a:spcBef>
-          <a:spcPts val="500"/>
+          <a:spcPct val="20000"/>
         </a:spcBef>
-        <a:buFont typeface="Arial" panose="020B0604020202020204" pitchFamily="34" charset="0"/>
+        <a:spcAft>
+          <a:spcPts val="600"/>
+        </a:spcAft>
+        <a:buClr>
+          <a:schemeClr val="tx1"/>
+        </a:buClr>
+        <a:buSzPct val="100000"/>
+        <a:buFont typeface="Arial"/>
         <a:buChar char="•"/>
-        <a:defRPr sz="1800" kern="1200">
-          <a:solidFill>
-            <a:schemeClr val="tx1"/>
-          </a:solidFill>
+        <a:defRPr sz="1200" kern="1200" cap="small">
+          <a:gradFill flip="none" rotWithShape="1">
+            <a:gsLst>
+              <a:gs pos="0">
+                <a:schemeClr val="tx1"/>
+              </a:gs>
+              <a:gs pos="100000">
+                <a:schemeClr val="tx1">
+                  <a:lumMod val="75000"/>
+                </a:schemeClr>
+              </a:gs>
+            </a:gsLst>
+            <a:lin ang="5580000" scaled="0"/>
+            <a:tileRect/>
+          </a:gradFill>
+          <a:effectLst>
+            <a:glow rad="38100">
+              <a:schemeClr val="bg1">
+                <a:lumMod val="50000"/>
+                <a:lumOff val="50000"/>
+                <a:alpha val="20000"/>
+              </a:schemeClr>
+            </a:glow>
+            <a:outerShdw blurRad="44450" dist="12700" dir="13860000" algn="tl" rotWithShape="0">
+              <a:srgbClr val="000000">
+                <a:alpha val="20000"/>
+              </a:srgbClr>
+            </a:outerShdw>
+          </a:effectLst>
           <a:latin typeface="+mn-lt"/>
           <a:ea typeface="+mn-ea"/>
           <a:cs typeface="+mn-cs"/>
@@ -3223,7 +5621,7 @@
       <a:defPPr>
         <a:defRPr lang="en-US"/>
       </a:defPPr>
-      <a:lvl1pPr marL="0" algn="l" defTabSz="914400" rtl="0" eaLnBrk="1" latinLnBrk="0" hangingPunct="1">
+      <a:lvl1pPr marL="0" algn="l" defTabSz="457200" rtl="0" eaLnBrk="1" latinLnBrk="0" hangingPunct="1">
         <a:defRPr sz="1800" kern="1200">
           <a:solidFill>
             <a:schemeClr val="tx1"/>
@@ -3233,7 +5631,7 @@
           <a:cs typeface="+mn-cs"/>
         </a:defRPr>
       </a:lvl1pPr>
-      <a:lvl2pPr marL="457200" algn="l" defTabSz="914400" rtl="0" eaLnBrk="1" latinLnBrk="0" hangingPunct="1">
+      <a:lvl2pPr marL="457200" algn="l" defTabSz="457200" rtl="0" eaLnBrk="1" latinLnBrk="0" hangingPunct="1">
         <a:defRPr sz="1800" kern="1200">
           <a:solidFill>
             <a:schemeClr val="tx1"/>
@@ -3243,7 +5641,7 @@
           <a:cs typeface="+mn-cs"/>
         </a:defRPr>
       </a:lvl2pPr>
-      <a:lvl3pPr marL="914400" algn="l" defTabSz="914400" rtl="0" eaLnBrk="1" latinLnBrk="0" hangingPunct="1">
+      <a:lvl3pPr marL="914400" algn="l" defTabSz="457200" rtl="0" eaLnBrk="1" latinLnBrk="0" hangingPunct="1">
         <a:defRPr sz="1800" kern="1200">
           <a:solidFill>
             <a:schemeClr val="tx1"/>
@@ -3253,7 +5651,7 @@
           <a:cs typeface="+mn-cs"/>
         </a:defRPr>
       </a:lvl3pPr>
-      <a:lvl4pPr marL="1371600" algn="l" defTabSz="914400" rtl="0" eaLnBrk="1" latinLnBrk="0" hangingPunct="1">
+      <a:lvl4pPr marL="1371600" algn="l" defTabSz="457200" rtl="0" eaLnBrk="1" latinLnBrk="0" hangingPunct="1">
         <a:defRPr sz="1800" kern="1200">
           <a:solidFill>
             <a:schemeClr val="tx1"/>
@@ -3263,7 +5661,7 @@
           <a:cs typeface="+mn-cs"/>
         </a:defRPr>
       </a:lvl4pPr>
-      <a:lvl5pPr marL="1828800" algn="l" defTabSz="914400" rtl="0" eaLnBrk="1" latinLnBrk="0" hangingPunct="1">
+      <a:lvl5pPr marL="1828800" algn="l" defTabSz="457200" rtl="0" eaLnBrk="1" latinLnBrk="0" hangingPunct="1">
         <a:defRPr sz="1800" kern="1200">
           <a:solidFill>
             <a:schemeClr val="tx1"/>
@@ -3273,7 +5671,7 @@
           <a:cs typeface="+mn-cs"/>
         </a:defRPr>
       </a:lvl5pPr>
-      <a:lvl6pPr marL="2286000" algn="l" defTabSz="914400" rtl="0" eaLnBrk="1" latinLnBrk="0" hangingPunct="1">
+      <a:lvl6pPr marL="2286000" algn="l" defTabSz="457200" rtl="0" eaLnBrk="1" latinLnBrk="0" hangingPunct="1">
         <a:defRPr sz="1800" kern="1200">
           <a:solidFill>
             <a:schemeClr val="tx1"/>
@@ -3283,7 +5681,7 @@
           <a:cs typeface="+mn-cs"/>
         </a:defRPr>
       </a:lvl6pPr>
-      <a:lvl7pPr marL="2743200" algn="l" defTabSz="914400" rtl="0" eaLnBrk="1" latinLnBrk="0" hangingPunct="1">
+      <a:lvl7pPr marL="2743200" algn="l" defTabSz="457200" rtl="0" eaLnBrk="1" latinLnBrk="0" hangingPunct="1">
         <a:defRPr sz="1800" kern="1200">
           <a:solidFill>
             <a:schemeClr val="tx1"/>
@@ -3293,7 +5691,7 @@
           <a:cs typeface="+mn-cs"/>
         </a:defRPr>
       </a:lvl7pPr>
-      <a:lvl8pPr marL="3200400" algn="l" defTabSz="914400" rtl="0" eaLnBrk="1" latinLnBrk="0" hangingPunct="1">
+      <a:lvl8pPr marL="3200400" algn="l" defTabSz="457200" rtl="0" eaLnBrk="1" latinLnBrk="0" hangingPunct="1">
         <a:defRPr sz="1800" kern="1200">
           <a:solidFill>
             <a:schemeClr val="tx1"/>
@@ -3303,7 +5701,7 @@
           <a:cs typeface="+mn-cs"/>
         </a:defRPr>
       </a:lvl8pPr>
-      <a:lvl9pPr marL="3657600" algn="l" defTabSz="914400" rtl="0" eaLnBrk="1" latinLnBrk="0" hangingPunct="1">
+      <a:lvl9pPr marL="3657600" algn="l" defTabSz="457200" rtl="0" eaLnBrk="1" latinLnBrk="0" hangingPunct="1">
         <a:defRPr sz="1800" kern="1200">
           <a:solidFill>
             <a:schemeClr val="tx1"/>
@@ -3411,7 +5809,14 @@
           <a:p>
             <a:r>
               <a:rPr lang="sr-Latn-RS" dirty="0"/>
-              <a:t>Nikola Veselinović	Kosta Grujčić</a:t>
+              <a:t>Nikola Veselinović</a:t>
+            </a:r>
+            <a:endParaRPr lang="en-US" dirty="0"/>
+          </a:p>
+          <a:p>
+            <a:r>
+              <a:rPr lang="sr-Latn-RS" dirty="0"/>
+              <a:t>Kosta Grujčić</a:t>
             </a:r>
             <a:endParaRPr lang="en-US" dirty="0"/>
           </a:p>
@@ -3497,7 +5902,203 @@
           <a:bodyPr/>
           <a:lstStyle/>
           <a:p>
-            <a:endParaRPr lang="en-US"/>
+            <a:r>
+              <a:rPr lang="en-US" dirty="0"/>
+              <a:t>Za </a:t>
+            </a:r>
+            <a:r>
+              <a:rPr lang="en-US" dirty="0" err="1"/>
+              <a:t>mapiranje</a:t>
+            </a:r>
+            <a:r>
+              <a:rPr lang="en-US" dirty="0"/>
+              <a:t> </a:t>
+            </a:r>
+            <a:r>
+              <a:rPr lang="en-US" dirty="0" err="1"/>
+              <a:t>podataka</a:t>
+            </a:r>
+            <a:r>
+              <a:rPr lang="en-US" dirty="0"/>
+              <a:t> </a:t>
+            </a:r>
+            <a:r>
+              <a:rPr lang="en-US" dirty="0" err="1"/>
+              <a:t>koristimo</a:t>
+            </a:r>
+            <a:r>
+              <a:rPr lang="en-US" dirty="0"/>
+              <a:t> </a:t>
+            </a:r>
+            <a:r>
+              <a:rPr lang="en-US" dirty="0" err="1"/>
+              <a:t>KeplerMapper</a:t>
+            </a:r>
+            <a:endParaRPr lang="en-US" dirty="0"/>
+          </a:p>
+          <a:p>
+            <a:endParaRPr lang="en-US" dirty="0"/>
+          </a:p>
+          <a:p>
+            <a:r>
+              <a:rPr lang="en-US" dirty="0" err="1"/>
+              <a:t>Algoritam</a:t>
+            </a:r>
+            <a:r>
+              <a:rPr lang="en-US" dirty="0"/>
+              <a:t> za </a:t>
+            </a:r>
+            <a:r>
+              <a:rPr lang="en-US" dirty="0" err="1"/>
+              <a:t>klasterovanje</a:t>
+            </a:r>
+            <a:r>
+              <a:rPr lang="en-US" dirty="0"/>
+              <a:t> koji </a:t>
+            </a:r>
+            <a:r>
+              <a:rPr lang="en-US" dirty="0" err="1"/>
+              <a:t>smo</a:t>
+            </a:r>
+            <a:r>
+              <a:rPr lang="en-US" dirty="0"/>
+              <a:t> </a:t>
+            </a:r>
+            <a:r>
+              <a:rPr lang="en-US" dirty="0" err="1"/>
+              <a:t>koristili</a:t>
+            </a:r>
+            <a:r>
+              <a:rPr lang="en-US" dirty="0"/>
+              <a:t> je </a:t>
+            </a:r>
+            <a:r>
+              <a:rPr lang="en-US" dirty="0" err="1"/>
+              <a:t>AgglomerativeClustering</a:t>
+            </a:r>
+            <a:endParaRPr lang="en-US" dirty="0"/>
+          </a:p>
+          <a:p>
+            <a:endParaRPr lang="en-US" dirty="0"/>
+          </a:p>
+          <a:p>
+            <a:r>
+              <a:rPr lang="en-US" dirty="0" err="1"/>
+              <a:t>Rezultujuci</a:t>
+            </a:r>
+            <a:r>
+              <a:rPr lang="en-US" dirty="0"/>
+              <a:t> </a:t>
+            </a:r>
+            <a:r>
+              <a:rPr lang="en-US" dirty="0" err="1"/>
+              <a:t>graf</a:t>
+            </a:r>
+            <a:r>
+              <a:rPr lang="en-US" dirty="0"/>
+              <a:t> </a:t>
+            </a:r>
+            <a:r>
+              <a:rPr lang="en-US" dirty="0" err="1"/>
+              <a:t>nam</a:t>
+            </a:r>
+            <a:r>
+              <a:rPr lang="en-US" dirty="0"/>
+              <a:t> </a:t>
+            </a:r>
+            <a:r>
+              <a:rPr lang="en-US" dirty="0" err="1"/>
+              <a:t>topoloski</a:t>
+            </a:r>
+            <a:r>
+              <a:rPr lang="en-US" dirty="0"/>
+              <a:t> </a:t>
+            </a:r>
+            <a:r>
+              <a:rPr lang="en-US" dirty="0" err="1"/>
+              <a:t>prikazuje</a:t>
+            </a:r>
+            <a:r>
+              <a:rPr lang="en-US" dirty="0"/>
+              <a:t> </a:t>
+            </a:r>
+            <a:r>
+              <a:rPr lang="en-US" dirty="0" err="1"/>
+              <a:t>povezanost</a:t>
+            </a:r>
+            <a:r>
+              <a:rPr lang="en-US" dirty="0"/>
+              <a:t> </a:t>
+            </a:r>
+            <a:r>
+              <a:rPr lang="en-US" dirty="0" err="1"/>
+              <a:t>interesovanja</a:t>
+            </a:r>
+            <a:r>
+              <a:rPr lang="en-US" dirty="0"/>
+              <a:t> </a:t>
+            </a:r>
+            <a:r>
+              <a:rPr lang="en-US" dirty="0" err="1"/>
+              <a:t>klijenata</a:t>
+            </a:r>
+            <a:r>
+              <a:rPr lang="en-US" dirty="0"/>
+              <a:t> </a:t>
+            </a:r>
+            <a:r>
+              <a:rPr lang="en-US" dirty="0" err="1"/>
+              <a:t>na</a:t>
+            </a:r>
+            <a:r>
+              <a:rPr lang="en-US" dirty="0"/>
+              <a:t> </a:t>
+            </a:r>
+            <a:r>
+              <a:rPr lang="en-US" dirty="0" err="1"/>
+              <a:t>osnovu</a:t>
+            </a:r>
+            <a:r>
+              <a:rPr lang="en-US" dirty="0"/>
+              <a:t> </a:t>
+            </a:r>
+            <a:r>
+              <a:rPr lang="en-US" dirty="0" err="1"/>
+              <a:t>cega</a:t>
+            </a:r>
+            <a:r>
+              <a:rPr lang="en-US" dirty="0"/>
+              <a:t> </a:t>
+            </a:r>
+            <a:r>
+              <a:rPr lang="en-US" dirty="0" err="1"/>
+              <a:t>mozemo</a:t>
+            </a:r>
+            <a:r>
+              <a:rPr lang="en-US" dirty="0"/>
+              <a:t> da </a:t>
+            </a:r>
+            <a:r>
+              <a:rPr lang="en-US" dirty="0" err="1"/>
+              <a:t>preporucimo</a:t>
+            </a:r>
+            <a:r>
+              <a:rPr lang="en-US" dirty="0"/>
+              <a:t> </a:t>
+            </a:r>
+            <a:r>
+              <a:rPr lang="en-US" dirty="0" err="1"/>
+              <a:t>filmove</a:t>
+            </a:r>
+            <a:r>
+              <a:rPr lang="en-US" dirty="0"/>
+              <a:t> </a:t>
+            </a:r>
+            <a:r>
+              <a:rPr lang="en-US" dirty="0" err="1"/>
+              <a:t>klijentima</a:t>
+            </a:r>
+            <a:endParaRPr lang="en-US" dirty="0"/>
           </a:p>
         </p:txBody>
       </p:sp>
@@ -3505,6 +6106,134 @@
     <p:extLst>
       <p:ext uri="{BB962C8B-B14F-4D97-AF65-F5344CB8AC3E}">
         <p14:creationId xmlns:p14="http://schemas.microsoft.com/office/powerpoint/2010/main" val="2327289819"/>
+      </p:ext>
+    </p:extLst>
+  </p:cSld>
+  <p:clrMapOvr>
+    <a:masterClrMapping/>
+  </p:clrMapOvr>
+</p:sld>
+</file>
+
+<file path=ppt/slides/slide11.xml><?xml version="1.0" encoding="utf-8"?>
+<p:sld xmlns:a="http://schemas.openxmlformats.org/drawingml/2006/main" xmlns:r="http://schemas.openxmlformats.org/officeDocument/2006/relationships" xmlns:p="http://schemas.openxmlformats.org/presentationml/2006/main">
+  <p:cSld>
+    <p:spTree>
+      <p:nvGrpSpPr>
+        <p:cNvPr id="1" name=""/>
+        <p:cNvGrpSpPr/>
+        <p:nvPr/>
+      </p:nvGrpSpPr>
+      <p:grpSpPr>
+        <a:xfrm>
+          <a:off x="0" y="0"/>
+          <a:ext cx="0" cy="0"/>
+          <a:chOff x="0" y="0"/>
+          <a:chExt cx="0" cy="0"/>
+        </a:xfrm>
+      </p:grpSpPr>
+      <p:sp>
+        <p:nvSpPr>
+          <p:cNvPr id="6" name="Title 5">
+            <a:extLst>
+              <a:ext uri="{FF2B5EF4-FFF2-40B4-BE49-F238E27FC236}">
+                <a16:creationId xmlns:a16="http://schemas.microsoft.com/office/drawing/2014/main" id="{82F5C893-7C4A-4611-8B8D-CEC9602CBB0C}"/>
+              </a:ext>
+            </a:extLst>
+          </p:cNvPr>
+          <p:cNvSpPr>
+            <a:spLocks noGrp="1"/>
+          </p:cNvSpPr>
+          <p:nvPr>
+            <p:ph type="title"/>
+          </p:nvPr>
+        </p:nvSpPr>
+        <p:spPr>
+          <a:xfrm>
+            <a:off x="1141413" y="609600"/>
+            <a:ext cx="9905998" cy="945823"/>
+          </a:xfrm>
+        </p:spPr>
+        <p:txBody>
+          <a:bodyPr>
+            <a:normAutofit/>
+          </a:bodyPr>
+          <a:lstStyle/>
+          <a:p>
+            <a:pPr algn="ctr"/>
+            <a:r>
+              <a:rPr lang="en-US" sz="2000" dirty="0" err="1">
+                <a:latin typeface="+mn-lt"/>
+              </a:rPr>
+              <a:t>Algoritam</a:t>
+            </a:r>
+            <a:r>
+              <a:rPr lang="en-US" sz="2000" dirty="0">
+                <a:latin typeface="+mn-lt"/>
+              </a:rPr>
+              <a:t> za </a:t>
+            </a:r>
+            <a:r>
+              <a:rPr lang="en-US" sz="2000" dirty="0" err="1">
+                <a:latin typeface="+mn-lt"/>
+              </a:rPr>
+              <a:t>klasterovanje</a:t>
+            </a:r>
+            <a:r>
+              <a:rPr lang="en-US" sz="2000" dirty="0">
+                <a:latin typeface="+mn-lt"/>
+              </a:rPr>
+              <a:t>: </a:t>
+            </a:r>
+            <a:r>
+              <a:rPr lang="en-US" sz="2000" dirty="0" err="1">
+                <a:latin typeface="+mn-lt"/>
+              </a:rPr>
+              <a:t>AgglomerativeClustering</a:t>
+            </a:r>
+            <a:endParaRPr lang="en-US" sz="2000" dirty="0">
+              <a:latin typeface="+mn-lt"/>
+            </a:endParaRPr>
+          </a:p>
+        </p:txBody>
+      </p:sp>
+      <p:pic>
+        <p:nvPicPr>
+          <p:cNvPr id="5" name="Content Placeholder 4">
+            <a:extLst>
+              <a:ext uri="{FF2B5EF4-FFF2-40B4-BE49-F238E27FC236}">
+                <a16:creationId xmlns:a16="http://schemas.microsoft.com/office/drawing/2014/main" id="{29AE232B-5885-4D31-966D-9B6CF6AC849D}"/>
+              </a:ext>
+            </a:extLst>
+          </p:cNvPr>
+          <p:cNvPicPr>
+            <a:picLocks noGrp="1" noChangeAspect="1"/>
+          </p:cNvPicPr>
+          <p:nvPr>
+            <p:ph idx="1"/>
+          </p:nvPr>
+        </p:nvPicPr>
+        <p:blipFill>
+          <a:blip r:embed="rId2">
+            <a:extLst>
+              <a:ext uri="{28A0092B-C50C-407E-A947-70E740481C1C}">
+                <a14:useLocalDpi xmlns:a14="http://schemas.microsoft.com/office/drawing/2010/main" val="0"/>
+              </a:ext>
+            </a:extLst>
+          </a:blip>
+          <a:stretch/>
+        </p:blipFill>
+        <p:spPr>
+          <a:xfrm>
+            <a:off x="3145812" y="1555423"/>
+            <a:ext cx="5897199" cy="4235777"/>
+          </a:xfrm>
+        </p:spPr>
+      </p:pic>
+    </p:spTree>
+    <p:extLst>
+      <p:ext uri="{BB962C8B-B14F-4D97-AF65-F5344CB8AC3E}">
+        <p14:creationId xmlns:p14="http://schemas.microsoft.com/office/powerpoint/2010/main" val="399471958"/>
       </p:ext>
     </p:extLst>
   </p:cSld>
@@ -3685,7 +6414,7 @@
         <p:spPr/>
         <p:txBody>
           <a:bodyPr>
-            <a:normAutofit/>
+            <a:normAutofit fontScale="92500" lnSpcReduction="20000"/>
           </a:bodyPr>
           <a:lstStyle/>
           <a:p>
@@ -4071,8 +6800,8 @@
         </p:blipFill>
         <p:spPr>
           <a:xfrm>
-            <a:off x="838200" y="2017036"/>
-            <a:ext cx="5181600" cy="3968516"/>
+            <a:off x="1540215" y="2667000"/>
+            <a:ext cx="4079195" cy="3124200"/>
           </a:xfrm>
         </p:spPr>
       </p:pic>
@@ -4106,8 +6835,8 @@
         </p:blipFill>
         <p:spPr>
           <a:xfrm>
-            <a:off x="6172200" y="1971834"/>
-            <a:ext cx="5181600" cy="4058919"/>
+            <a:off x="6614843" y="2667000"/>
+            <a:ext cx="3988340" cy="3124200"/>
           </a:xfrm>
         </p:spPr>
       </p:pic>
@@ -4618,9 +7347,9 @@
 </file>
 
 <file path=ppt/theme/theme1.xml><?xml version="1.0" encoding="utf-8"?>
-<a:theme xmlns:a="http://schemas.openxmlformats.org/drawingml/2006/main" name="Office Theme">
+<a:theme xmlns:a="http://schemas.openxmlformats.org/drawingml/2006/main" name="Mesh">
   <a:themeElements>
-    <a:clrScheme name="Office">
+    <a:clrScheme name="Mesh">
       <a:dk1>
         <a:sysClr val="windowText" lastClr="000000"/>
       </a:dk1>
@@ -4628,100 +7357,48 @@
         <a:sysClr val="window" lastClr="FFFFFF"/>
       </a:lt1>
       <a:dk2>
-        <a:srgbClr val="44546A"/>
+        <a:srgbClr val="363D46"/>
       </a:dk2>
       <a:lt2>
-        <a:srgbClr val="E7E6E6"/>
+        <a:srgbClr val="EBEBEB"/>
       </a:lt2>
       <a:accent1>
-        <a:srgbClr val="4472C4"/>
+        <a:srgbClr val="6F6F6F"/>
       </a:accent1>
       <a:accent2>
-        <a:srgbClr val="ED7D31"/>
+        <a:srgbClr val="BFBFA5"/>
       </a:accent2>
       <a:accent3>
-        <a:srgbClr val="A5A5A5"/>
+        <a:srgbClr val="DCD084"/>
       </a:accent3>
       <a:accent4>
-        <a:srgbClr val="FFC000"/>
+        <a:srgbClr val="E7BF5F"/>
       </a:accent4>
       <a:accent5>
-        <a:srgbClr val="5B9BD5"/>
+        <a:srgbClr val="E9A039"/>
       </a:accent5>
       <a:accent6>
-        <a:srgbClr val="70AD47"/>
+        <a:srgbClr val="CF7133"/>
       </a:accent6>
       <a:hlink>
-        <a:srgbClr val="0563C1"/>
+        <a:srgbClr val="F28943"/>
       </a:hlink>
       <a:folHlink>
-        <a:srgbClr val="954F72"/>
+        <a:srgbClr val="F1B76C"/>
       </a:folHlink>
     </a:clrScheme>
-    <a:fontScheme name="Office">
+    <a:fontScheme name="Mesh">
       <a:majorFont>
-        <a:latin typeface="Calibri Light" panose="020F0302020204030204"/>
+        <a:latin typeface="Century Gothic" panose="020B0502020202020204"/>
         <a:ea typeface=""/>
         <a:cs typeface=""/>
-        <a:font script="Jpan" typeface="游ゴシック Light"/>
+        <a:font script="Jpan" typeface="ＭＳ ゴシック"/>
         <a:font script="Hang" typeface="맑은 고딕"/>
-        <a:font script="Hans" typeface="等线 Light"/>
+        <a:font script="Hans" typeface="宋体"/>
         <a:font script="Hant" typeface="新細明體"/>
-        <a:font script="Arab" typeface="Times New Roman"/>
-        <a:font script="Hebr" typeface="Times New Roman"/>
-        <a:font script="Thai" typeface="Angsana New"/>
-        <a:font script="Ethi" typeface="Nyala"/>
-        <a:font script="Beng" typeface="Vrinda"/>
-        <a:font script="Gujr" typeface="Shruti"/>
-        <a:font script="Khmr" typeface="MoolBoran"/>
-        <a:font script="Knda" typeface="Tunga"/>
-        <a:font script="Guru" typeface="Raavi"/>
-        <a:font script="Cans" typeface="Euphemia"/>
-        <a:font script="Cher" typeface="Plantagenet Cherokee"/>
-        <a:font script="Yiii" typeface="Microsoft Yi Baiti"/>
-        <a:font script="Tibt" typeface="Microsoft Himalaya"/>
-        <a:font script="Thaa" typeface="MV Boli"/>
-        <a:font script="Deva" typeface="Mangal"/>
-        <a:font script="Telu" typeface="Gautami"/>
-        <a:font script="Taml" typeface="Latha"/>
-        <a:font script="Syrc" typeface="Estrangelo Edessa"/>
-        <a:font script="Orya" typeface="Kalinga"/>
-        <a:font script="Mlym" typeface="Kartika"/>
-        <a:font script="Laoo" typeface="DokChampa"/>
-        <a:font script="Sinh" typeface="Iskoola Pota"/>
-        <a:font script="Mong" typeface="Mongolian Baiti"/>
-        <a:font script="Viet" typeface="Times New Roman"/>
-        <a:font script="Uigh" typeface="Microsoft Uighur"/>
-        <a:font script="Geor" typeface="Sylfaen"/>
-        <a:font script="Armn" typeface="Arial"/>
-        <a:font script="Bugi" typeface="Leelawadee UI"/>
-        <a:font script="Bopo" typeface="Microsoft JhengHei"/>
-        <a:font script="Java" typeface="Javanese Text"/>
-        <a:font script="Lisu" typeface="Segoe UI"/>
-        <a:font script="Mymr" typeface="Myanmar Text"/>
-        <a:font script="Nkoo" typeface="Ebrima"/>
-        <a:font script="Olck" typeface="Nirmala UI"/>
-        <a:font script="Osma" typeface="Ebrima"/>
-        <a:font script="Phag" typeface="Phagspa"/>
-        <a:font script="Syrn" typeface="Estrangelo Edessa"/>
-        <a:font script="Syrj" typeface="Estrangelo Edessa"/>
-        <a:font script="Syre" typeface="Estrangelo Edessa"/>
-        <a:font script="Sora" typeface="Nirmala UI"/>
-        <a:font script="Tale" typeface="Microsoft Tai Le"/>
-        <a:font script="Talu" typeface="Microsoft New Tai Lue"/>
-        <a:font script="Tfng" typeface="Ebrima"/>
-      </a:majorFont>
-      <a:minorFont>
-        <a:latin typeface="Calibri" panose="020F0502020204030204"/>
-        <a:ea typeface=""/>
-        <a:cs typeface=""/>
-        <a:font script="Jpan" typeface="游ゴシック"/>
-        <a:font script="Hang" typeface="맑은 고딕"/>
-        <a:font script="Hans" typeface="等线"/>
-        <a:font script="Hant" typeface="新細明體"/>
-        <a:font script="Arab" typeface="Arial"/>
-        <a:font script="Hebr" typeface="Arial"/>
-        <a:font script="Thai" typeface="Cordia New"/>
+        <a:font script="Arab" typeface="Tahoma"/>
+        <a:font script="Hebr" typeface="Gisha"/>
+        <a:font script="Thai" typeface="DilleniaUPC"/>
         <a:font script="Ethi" typeface="Nyala"/>
         <a:font script="Beng" typeface="Vrinda"/>
         <a:font script="Gujr" typeface="Shruti"/>
@@ -4742,29 +7419,47 @@
         <a:font script="Laoo" typeface="DokChampa"/>
         <a:font script="Sinh" typeface="Iskoola Pota"/>
         <a:font script="Mong" typeface="Mongolian Baiti"/>
-        <a:font script="Viet" typeface="Arial"/>
+        <a:font script="Viet" typeface="Tahoma"/>
         <a:font script="Uigh" typeface="Microsoft Uighur"/>
         <a:font script="Geor" typeface="Sylfaen"/>
-        <a:font script="Armn" typeface="Arial"/>
-        <a:font script="Bugi" typeface="Leelawadee UI"/>
-        <a:font script="Bopo" typeface="Microsoft JhengHei"/>
-        <a:font script="Java" typeface="Javanese Text"/>
-        <a:font script="Lisu" typeface="Segoe UI"/>
-        <a:font script="Mymr" typeface="Myanmar Text"/>
-        <a:font script="Nkoo" typeface="Ebrima"/>
-        <a:font script="Olck" typeface="Nirmala UI"/>
-        <a:font script="Osma" typeface="Ebrima"/>
-        <a:font script="Phag" typeface="Phagspa"/>
-        <a:font script="Syrn" typeface="Estrangelo Edessa"/>
-        <a:font script="Syrj" typeface="Estrangelo Edessa"/>
-        <a:font script="Syre" typeface="Estrangelo Edessa"/>
-        <a:font script="Sora" typeface="Nirmala UI"/>
-        <a:font script="Tale" typeface="Microsoft Tai Le"/>
-        <a:font script="Talu" typeface="Microsoft New Tai Lue"/>
-        <a:font script="Tfng" typeface="Ebrima"/>
+      </a:majorFont>
+      <a:minorFont>
+        <a:latin typeface="Century Gothic" panose="020B0502020202020204"/>
+        <a:ea typeface=""/>
+        <a:cs typeface=""/>
+        <a:font script="Jpan" typeface="ＭＳ ゴシック"/>
+        <a:font script="Hang" typeface="맑은 고딕"/>
+        <a:font script="Hans" typeface="宋体"/>
+        <a:font script="Hant" typeface="新細明體"/>
+        <a:font script="Arab" typeface="Tahoma"/>
+        <a:font script="Hebr" typeface="Gisha"/>
+        <a:font script="Thai" typeface="DilleniaUPC"/>
+        <a:font script="Ethi" typeface="Nyala"/>
+        <a:font script="Beng" typeface="Vrinda"/>
+        <a:font script="Gujr" typeface="Shruti"/>
+        <a:font script="Khmr" typeface="DaunPenh"/>
+        <a:font script="Knda" typeface="Tunga"/>
+        <a:font script="Guru" typeface="Raavi"/>
+        <a:font script="Cans" typeface="Euphemia"/>
+        <a:font script="Cher" typeface="Plantagenet Cherokee"/>
+        <a:font script="Yiii" typeface="Microsoft Yi Baiti"/>
+        <a:font script="Tibt" typeface="Microsoft Himalaya"/>
+        <a:font script="Thaa" typeface="MV Boli"/>
+        <a:font script="Deva" typeface="Mangal"/>
+        <a:font script="Telu" typeface="Gautami"/>
+        <a:font script="Taml" typeface="Latha"/>
+        <a:font script="Syrc" typeface="Estrangelo Edessa"/>
+        <a:font script="Orya" typeface="Kalinga"/>
+        <a:font script="Mlym" typeface="Kartika"/>
+        <a:font script="Laoo" typeface="DokChampa"/>
+        <a:font script="Sinh" typeface="Iskoola Pota"/>
+        <a:font script="Mong" typeface="Mongolian Baiti"/>
+        <a:font script="Viet" typeface="Verdana"/>
+        <a:font script="Uigh" typeface="Microsoft Uighur"/>
+        <a:font script="Geor" typeface="Sylfaen"/>
       </a:minorFont>
     </a:fontScheme>
-    <a:fmtScheme name="Office">
+    <a:fmtScheme name="Mesh">
       <a:fillStyleLst>
         <a:solidFill>
           <a:schemeClr val="phClr"/>
@@ -4773,23 +7468,13 @@
           <a:gsLst>
             <a:gs pos="0">
               <a:schemeClr val="phClr">
+                <a:tint val="60000"/>
                 <a:lumMod val="110000"/>
-                <a:satMod val="105000"/>
-                <a:tint val="67000"/>
-              </a:schemeClr>
-            </a:gs>
-            <a:gs pos="50000">
-              <a:schemeClr val="phClr">
-                <a:lumMod val="105000"/>
-                <a:satMod val="103000"/>
-                <a:tint val="73000"/>
               </a:schemeClr>
             </a:gs>
             <a:gs pos="100000">
               <a:schemeClr val="phClr">
-                <a:lumMod val="105000"/>
-                <a:satMod val="109000"/>
-                <a:tint val="81000"/>
+                <a:tint val="82000"/>
               </a:schemeClr>
             </a:gs>
           </a:gsLst>
@@ -4799,23 +7484,14 @@
           <a:gsLst>
             <a:gs pos="0">
               <a:schemeClr val="phClr">
-                <a:satMod val="103000"/>
-                <a:lumMod val="102000"/>
-                <a:tint val="94000"/>
-              </a:schemeClr>
-            </a:gs>
-            <a:gs pos="50000">
-              <a:schemeClr val="phClr">
-                <a:satMod val="110000"/>
-                <a:lumMod val="100000"/>
-                <a:shade val="100000"/>
+                <a:tint val="96000"/>
+                <a:lumMod val="104000"/>
               </a:schemeClr>
             </a:gs>
             <a:gs pos="100000">
               <a:schemeClr val="phClr">
-                <a:lumMod val="99000"/>
-                <a:satMod val="120000"/>
-                <a:shade val="78000"/>
+                <a:shade val="84000"/>
+                <a:lumMod val="84000"/>
               </a:schemeClr>
             </a:gs>
           </a:gsLst>
@@ -4823,26 +7499,23 @@
         </a:gradFill>
       </a:fillStyleLst>
       <a:lnStyleLst>
-        <a:ln w="6350" cap="flat" cmpd="sng" algn="ctr">
+        <a:ln w="9525" cap="rnd" cmpd="sng" algn="ctr">
           <a:solidFill>
             <a:schemeClr val="phClr"/>
           </a:solidFill>
           <a:prstDash val="solid"/>
-          <a:miter lim="800000"/>
         </a:ln>
-        <a:ln w="12700" cap="flat" cmpd="sng" algn="ctr">
+        <a:ln w="19050" cap="rnd" cmpd="sng" algn="ctr">
           <a:solidFill>
             <a:schemeClr val="phClr"/>
           </a:solidFill>
           <a:prstDash val="solid"/>
-          <a:miter lim="800000"/>
         </a:ln>
-        <a:ln w="19050" cap="flat" cmpd="sng" algn="ctr">
+        <a:ln w="25400" cap="rnd" cmpd="sng" algn="ctr">
           <a:solidFill>
             <a:schemeClr val="phClr"/>
           </a:solidFill>
           <a:prstDash val="solid"/>
-          <a:miter lim="800000"/>
         </a:ln>
       </a:lnStyleLst>
       <a:effectStyleLst>
@@ -4850,55 +7523,72 @@
           <a:effectLst/>
         </a:effectStyle>
         <a:effectStyle>
-          <a:effectLst/>
+          <a:effectLst>
+            <a:innerShdw blurRad="50800" dist="25400" dir="13500000">
+              <a:srgbClr val="000000">
+                <a:alpha val="55000"/>
+              </a:srgbClr>
+            </a:innerShdw>
+          </a:effectLst>
         </a:effectStyle>
         <a:effectStyle>
           <a:effectLst>
-            <a:outerShdw blurRad="57150" dist="19050" dir="5400000" algn="ctr" rotWithShape="0">
+            <a:outerShdw blurRad="50800" dist="38100" dir="5400000" rotWithShape="0">
               <a:srgbClr val="000000">
-                <a:alpha val="63000"/>
+                <a:alpha val="60000"/>
               </a:srgbClr>
             </a:outerShdw>
           </a:effectLst>
+          <a:scene3d>
+            <a:camera prst="orthographicFront">
+              <a:rot lat="0" lon="0" rev="0"/>
+            </a:camera>
+            <a:lightRig rig="threePt" dir="tl"/>
+          </a:scene3d>
+          <a:sp3d>
+            <a:bevelT w="25400" h="25400" prst="slope"/>
+          </a:sp3d>
         </a:effectStyle>
       </a:effectStyleLst>
       <a:bgFillStyleLst>
         <a:solidFill>
           <a:schemeClr val="phClr"/>
         </a:solidFill>
-        <a:solidFill>
-          <a:schemeClr val="phClr">
-            <a:tint val="95000"/>
-            <a:satMod val="170000"/>
-          </a:schemeClr>
-        </a:solidFill>
         <a:gradFill rotWithShape="1">
           <a:gsLst>
             <a:gs pos="0">
               <a:schemeClr val="phClr">
-                <a:tint val="93000"/>
-                <a:satMod val="150000"/>
-                <a:shade val="98000"/>
-                <a:lumMod val="102000"/>
-              </a:schemeClr>
-            </a:gs>
-            <a:gs pos="50000">
-              <a:schemeClr val="phClr">
-                <a:tint val="98000"/>
-                <a:satMod val="130000"/>
-                <a:shade val="90000"/>
-                <a:lumMod val="103000"/>
+                <a:tint val="90000"/>
+                <a:lumMod val="110000"/>
               </a:schemeClr>
             </a:gs>
             <a:gs pos="100000">
               <a:schemeClr val="phClr">
-                <a:shade val="63000"/>
-                <a:satMod val="120000"/>
+                <a:shade val="64000"/>
+                <a:lumMod val="98000"/>
               </a:schemeClr>
             </a:gs>
           </a:gsLst>
           <a:lin ang="5400000" scaled="0"/>
         </a:gradFill>
+        <a:blipFill rotWithShape="1">
+          <a:blip xmlns:r="http://schemas.openxmlformats.org/officeDocument/2006/relationships" r:embed="rId1">
+            <a:duotone>
+              <a:schemeClr val="phClr">
+                <a:shade val="28000"/>
+                <a:satMod val="94000"/>
+                <a:lumMod val="20000"/>
+              </a:schemeClr>
+              <a:schemeClr val="phClr">
+                <a:tint val="94000"/>
+                <a:shade val="84000"/>
+                <a:satMod val="148000"/>
+                <a:lumMod val="114000"/>
+              </a:schemeClr>
+            </a:duotone>
+          </a:blip>
+          <a:stretch/>
+        </a:blipFill>
       </a:bgFillStyleLst>
     </a:fmtScheme>
   </a:themeElements>
@@ -4906,7 +7596,7 @@
   <a:extraClrSchemeLst/>
   <a:extLst>
     <a:ext uri="{05A4C25C-085E-4340-85A3-A5531E510DB2}">
-      <thm15:themeFamily xmlns:thm15="http://schemas.microsoft.com/office/thememl/2012/main" name="Office Theme" id="{62F939B6-93AF-4DB8-9C6B-D6C7DFDC589F}" vid="{4A3C46E8-61CC-4603-A589-7422A47A8E4A}"/>
+      <thm15:themeFamily xmlns:thm15="http://schemas.microsoft.com/office/thememl/2012/main" name="Mesh" id="{789EC3FE-34FD-429C-9918-760025E6C145}" vid="{B8BE45C0-8141-4D58-8C71-A009BC26FBBB}"/>
     </a:ext>
   </a:extLst>
 </a:theme>

--- a/prezentacija.pptx
+++ b/prezentacija.pptx
@@ -16,6 +16,7 @@
     <p:sldId id="264" r:id="rId10"/>
     <p:sldId id="265" r:id="rId11"/>
     <p:sldId id="266" r:id="rId12"/>
+    <p:sldId id="267" r:id="rId13"/>
   </p:sldIdLst>
   <p:sldSz cx="12192000" cy="6858000"/>
   <p:notesSz cx="6858000" cy="9144000"/>
@@ -6243,6 +6244,72 @@
 </p:sld>
 </file>
 
+<file path=ppt/slides/slide12.xml><?xml version="1.0" encoding="utf-8"?>
+<p:sld xmlns:a="http://schemas.openxmlformats.org/drawingml/2006/main" xmlns:r="http://schemas.openxmlformats.org/officeDocument/2006/relationships" xmlns:p="http://schemas.openxmlformats.org/presentationml/2006/main">
+  <p:cSld>
+    <p:spTree>
+      <p:nvGrpSpPr>
+        <p:cNvPr id="1" name=""/>
+        <p:cNvGrpSpPr/>
+        <p:nvPr/>
+      </p:nvGrpSpPr>
+      <p:grpSpPr>
+        <a:xfrm>
+          <a:off x="0" y="0"/>
+          <a:ext cx="0" cy="0"/>
+          <a:chOff x="0" y="0"/>
+          <a:chExt cx="0" cy="0"/>
+        </a:xfrm>
+      </p:grpSpPr>
+      <p:pic>
+        <p:nvPicPr>
+          <p:cNvPr id="7" name="Picture 6">
+            <a:extLst>
+              <a:ext uri="{FF2B5EF4-FFF2-40B4-BE49-F238E27FC236}">
+                <a16:creationId xmlns:a16="http://schemas.microsoft.com/office/drawing/2014/main" id="{45CB9D31-D639-47AD-85BD-D13244A984DF}"/>
+              </a:ext>
+            </a:extLst>
+          </p:cNvPr>
+          <p:cNvPicPr>
+            <a:picLocks noChangeAspect="1"/>
+          </p:cNvPicPr>
+          <p:nvPr/>
+        </p:nvPicPr>
+        <p:blipFill>
+          <a:blip r:embed="rId2">
+            <a:extLst>
+              <a:ext uri="{28A0092B-C50C-407E-A947-70E740481C1C}">
+                <a14:useLocalDpi xmlns:a14="http://schemas.microsoft.com/office/drawing/2010/main" val="0"/>
+              </a:ext>
+            </a:extLst>
+          </a:blip>
+          <a:stretch>
+            <a:fillRect/>
+          </a:stretch>
+        </p:blipFill>
+        <p:spPr>
+          <a:xfrm>
+            <a:off x="3076575" y="1376362"/>
+            <a:ext cx="6038850" cy="4105275"/>
+          </a:xfrm>
+          <a:prstGeom prst="rect">
+            <a:avLst/>
+          </a:prstGeom>
+        </p:spPr>
+      </p:pic>
+    </p:spTree>
+    <p:extLst>
+      <p:ext uri="{BB962C8B-B14F-4D97-AF65-F5344CB8AC3E}">
+        <p14:creationId xmlns:p14="http://schemas.microsoft.com/office/powerpoint/2010/main" val="2592161941"/>
+      </p:ext>
+    </p:extLst>
+  </p:cSld>
+  <p:clrMapOvr>
+    <a:masterClrMapping/>
+  </p:clrMapOvr>
+</p:sld>
+</file>
+
 <file path=ppt/slides/slide2.xml><?xml version="1.0" encoding="utf-8"?>
 <p:sld xmlns:a="http://schemas.openxmlformats.org/drawingml/2006/main" xmlns:r="http://schemas.openxmlformats.org/officeDocument/2006/relationships" xmlns:p="http://schemas.openxmlformats.org/presentationml/2006/main">
   <p:cSld>

--- a/prezentacija.pptx
+++ b/prezentacija.pptx
@@ -16,7 +16,8 @@
     <p:sldId id="264" r:id="rId10"/>
     <p:sldId id="265" r:id="rId11"/>
     <p:sldId id="266" r:id="rId12"/>
-    <p:sldId id="267" r:id="rId13"/>
+    <p:sldId id="268" r:id="rId13"/>
+    <p:sldId id="267" r:id="rId14"/>
   </p:sldIdLst>
   <p:sldSz cx="12192000" cy="6858000"/>
   <p:notesSz cx="6858000" cy="9144000"/>
@@ -336,7 +337,7 @@
           <a:p>
             <a:fld id="{E4E2E80C-70A6-4D76-B6F8-959F074A456C}" type="datetimeFigureOut">
               <a:rPr lang="en-US" smtClean="0"/>
-              <a:t>07-Jun-21</a:t>
+              <a:t>08-Jun-21</a:t>
             </a:fld>
             <a:endParaRPr lang="en-US"/>
           </a:p>
@@ -627,7 +628,7 @@
           <a:p>
             <a:fld id="{E4E2E80C-70A6-4D76-B6F8-959F074A456C}" type="datetimeFigureOut">
               <a:rPr lang="en-US" smtClean="0"/>
-              <a:t>07-Jun-21</a:t>
+              <a:t>08-Jun-21</a:t>
             </a:fld>
             <a:endParaRPr lang="en-US"/>
           </a:p>
@@ -886,7 +887,7 @@
           <a:p>
             <a:fld id="{E4E2E80C-70A6-4D76-B6F8-959F074A456C}" type="datetimeFigureOut">
               <a:rPr lang="en-US" smtClean="0"/>
-              <a:t>07-Jun-21</a:t>
+              <a:t>08-Jun-21</a:t>
             </a:fld>
             <a:endParaRPr lang="en-US"/>
           </a:p>
@@ -1355,7 +1356,7 @@
           <a:p>
             <a:fld id="{E4E2E80C-70A6-4D76-B6F8-959F074A456C}" type="datetimeFigureOut">
               <a:rPr lang="en-US" smtClean="0"/>
-              <a:t>07-Jun-21</a:t>
+              <a:t>08-Jun-21</a:t>
             </a:fld>
             <a:endParaRPr lang="en-US"/>
           </a:p>
@@ -1535,7 +1536,7 @@
           <a:p>
             <a:fld id="{E4E2E80C-70A6-4D76-B6F8-959F074A456C}" type="datetimeFigureOut">
               <a:rPr lang="en-US" smtClean="0"/>
-              <a:t>07-Jun-21</a:t>
+              <a:t>08-Jun-21</a:t>
             </a:fld>
             <a:endParaRPr lang="en-US"/>
           </a:p>
@@ -2111,7 +2112,7 @@
           <a:p>
             <a:fld id="{E4E2E80C-70A6-4D76-B6F8-959F074A456C}" type="datetimeFigureOut">
               <a:rPr lang="en-US" smtClean="0"/>
-              <a:t>07-Jun-21</a:t>
+              <a:t>08-Jun-21</a:t>
             </a:fld>
             <a:endParaRPr lang="en-US"/>
           </a:p>
@@ -2443,7 +2444,7 @@
           <a:p>
             <a:fld id="{E4E2E80C-70A6-4D76-B6F8-959F074A456C}" type="datetimeFigureOut">
               <a:rPr lang="en-US" smtClean="0"/>
-              <a:t>07-Jun-21</a:t>
+              <a:t>08-Jun-21</a:t>
             </a:fld>
             <a:endParaRPr lang="en-US"/>
           </a:p>
@@ -2618,7 +2619,7 @@
           <a:p>
             <a:fld id="{E4E2E80C-70A6-4D76-B6F8-959F074A456C}" type="datetimeFigureOut">
               <a:rPr lang="en-US" smtClean="0"/>
-              <a:t>07-Jun-21</a:t>
+              <a:t>08-Jun-21</a:t>
             </a:fld>
             <a:endParaRPr lang="en-US"/>
           </a:p>
@@ -2798,7 +2799,7 @@
           <a:p>
             <a:fld id="{E4E2E80C-70A6-4D76-B6F8-959F074A456C}" type="datetimeFigureOut">
               <a:rPr lang="en-US" smtClean="0"/>
-              <a:t>07-Jun-21</a:t>
+              <a:t>08-Jun-21</a:t>
             </a:fld>
             <a:endParaRPr lang="en-US"/>
           </a:p>
@@ -2968,7 +2969,7 @@
           <a:p>
             <a:fld id="{E4E2E80C-70A6-4D76-B6F8-959F074A456C}" type="datetimeFigureOut">
               <a:rPr lang="en-US" smtClean="0"/>
-              <a:t>07-Jun-21</a:t>
+              <a:t>08-Jun-21</a:t>
             </a:fld>
             <a:endParaRPr lang="en-US"/>
           </a:p>
@@ -3225,7 +3226,7 @@
           <a:p>
             <a:fld id="{E4E2E80C-70A6-4D76-B6F8-959F074A456C}" type="datetimeFigureOut">
               <a:rPr lang="en-US" smtClean="0"/>
-              <a:t>07-Jun-21</a:t>
+              <a:t>08-Jun-21</a:t>
             </a:fld>
             <a:endParaRPr lang="en-US"/>
           </a:p>
@@ -3517,7 +3518,7 @@
           <a:p>
             <a:fld id="{E4E2E80C-70A6-4D76-B6F8-959F074A456C}" type="datetimeFigureOut">
               <a:rPr lang="en-US" smtClean="0"/>
-              <a:t>07-Jun-21</a:t>
+              <a:t>08-Jun-21</a:t>
             </a:fld>
             <a:endParaRPr lang="en-US"/>
           </a:p>
@@ -3947,7 +3948,7 @@
           <a:p>
             <a:fld id="{E4E2E80C-70A6-4D76-B6F8-959F074A456C}" type="datetimeFigureOut">
               <a:rPr lang="en-US" smtClean="0"/>
-              <a:t>07-Jun-21</a:t>
+              <a:t>08-Jun-21</a:t>
             </a:fld>
             <a:endParaRPr lang="en-US"/>
           </a:p>
@@ -4065,7 +4066,7 @@
           <a:p>
             <a:fld id="{E4E2E80C-70A6-4D76-B6F8-959F074A456C}" type="datetimeFigureOut">
               <a:rPr lang="en-US" smtClean="0"/>
-              <a:t>07-Jun-21</a:t>
+              <a:t>08-Jun-21</a:t>
             </a:fld>
             <a:endParaRPr lang="en-US"/>
           </a:p>
@@ -4160,7 +4161,7 @@
           <a:p>
             <a:fld id="{E4E2E80C-70A6-4D76-B6F8-959F074A456C}" type="datetimeFigureOut">
               <a:rPr lang="en-US" smtClean="0"/>
-              <a:t>07-Jun-21</a:t>
+              <a:t>08-Jun-21</a:t>
             </a:fld>
             <a:endParaRPr lang="en-US"/>
           </a:p>
@@ -4443,7 +4444,7 @@
           <a:p>
             <a:fld id="{E4E2E80C-70A6-4D76-B6F8-959F074A456C}" type="datetimeFigureOut">
               <a:rPr lang="en-US" smtClean="0"/>
-              <a:t>07-Jun-21</a:t>
+              <a:t>08-Jun-21</a:t>
             </a:fld>
             <a:endParaRPr lang="en-US"/>
           </a:p>
@@ -4734,7 +4735,7 @@
           <a:p>
             <a:fld id="{E4E2E80C-70A6-4D76-B6F8-959F074A456C}" type="datetimeFigureOut">
               <a:rPr lang="en-US" smtClean="0"/>
-              <a:t>07-Jun-21</a:t>
+              <a:t>08-Jun-21</a:t>
             </a:fld>
             <a:endParaRPr lang="en-US"/>
           </a:p>
@@ -4965,7 +4966,7 @@
           <a:p>
             <a:fld id="{E4E2E80C-70A6-4D76-B6F8-959F074A456C}" type="datetimeFigureOut">
               <a:rPr lang="en-US" smtClean="0"/>
-              <a:t>07-Jun-21</a:t>
+              <a:t>08-Jun-21</a:t>
             </a:fld>
             <a:endParaRPr lang="en-US"/>
           </a:p>
@@ -6261,6 +6262,131 @@
           <a:chExt cx="0" cy="0"/>
         </a:xfrm>
       </p:grpSpPr>
+      <p:sp>
+        <p:nvSpPr>
+          <p:cNvPr id="2" name="Title 1">
+            <a:extLst>
+              <a:ext uri="{FF2B5EF4-FFF2-40B4-BE49-F238E27FC236}">
+                <a16:creationId xmlns:a16="http://schemas.microsoft.com/office/drawing/2014/main" id="{B954A6D5-5BB7-4280-B0F7-DDAB8DAE4AB1}"/>
+              </a:ext>
+            </a:extLst>
+          </p:cNvPr>
+          <p:cNvSpPr>
+            <a:spLocks noGrp="1"/>
+          </p:cNvSpPr>
+          <p:nvPr>
+            <p:ph type="title"/>
+          </p:nvPr>
+        </p:nvSpPr>
+        <p:spPr>
+          <a:xfrm>
+            <a:off x="1143001" y="283028"/>
+            <a:ext cx="9905998" cy="1905000"/>
+          </a:xfrm>
+        </p:spPr>
+        <p:txBody>
+          <a:bodyPr>
+            <a:normAutofit/>
+          </a:bodyPr>
+          <a:lstStyle/>
+          <a:p>
+            <a:pPr algn="ctr"/>
+            <a:r>
+              <a:rPr lang="en-US" sz="2000" dirty="0" err="1">
+                <a:latin typeface="+mn-lt"/>
+              </a:rPr>
+              <a:t>Algoritam</a:t>
+            </a:r>
+            <a:r>
+              <a:rPr lang="en-US" sz="2000" dirty="0">
+                <a:latin typeface="+mn-lt"/>
+              </a:rPr>
+              <a:t> za </a:t>
+            </a:r>
+            <a:r>
+              <a:rPr lang="en-US" sz="2000" dirty="0" err="1">
+                <a:latin typeface="+mn-lt"/>
+              </a:rPr>
+              <a:t>klasterovanje</a:t>
+            </a:r>
+            <a:r>
+              <a:rPr lang="en-US" sz="2000" dirty="0">
+                <a:latin typeface="+mn-lt"/>
+              </a:rPr>
+              <a:t>: DBSCAN</a:t>
+            </a:r>
+            <a:endParaRPr lang="en-US" sz="2000" dirty="0"/>
+          </a:p>
+        </p:txBody>
+      </p:sp>
+      <p:pic>
+        <p:nvPicPr>
+          <p:cNvPr id="9" name="Content Placeholder 4" descr="A picture containing graphical user interface&#10;&#10;Description automatically generated">
+            <a:extLst>
+              <a:ext uri="{FF2B5EF4-FFF2-40B4-BE49-F238E27FC236}">
+                <a16:creationId xmlns:a16="http://schemas.microsoft.com/office/drawing/2014/main" id="{04842987-3178-4F58-90AA-44AC3B7EF0E5}"/>
+              </a:ext>
+            </a:extLst>
+          </p:cNvPr>
+          <p:cNvPicPr>
+            <a:picLocks noGrp="1" noChangeAspect="1"/>
+          </p:cNvPicPr>
+          <p:nvPr>
+            <p:ph idx="1"/>
+          </p:nvPr>
+        </p:nvPicPr>
+        <p:blipFill>
+          <a:blip r:embed="rId2">
+            <a:extLst>
+              <a:ext uri="{28A0092B-C50C-407E-A947-70E740481C1C}">
+                <a14:useLocalDpi xmlns:a14="http://schemas.microsoft.com/office/drawing/2010/main" val="0"/>
+              </a:ext>
+            </a:extLst>
+          </a:blip>
+          <a:stretch>
+            <a:fillRect/>
+          </a:stretch>
+        </p:blipFill>
+        <p:spPr>
+          <a:xfrm>
+            <a:off x="2973866" y="1684848"/>
+            <a:ext cx="6244267" cy="3977035"/>
+          </a:xfrm>
+          <a:prstGeom prst="rect">
+            <a:avLst/>
+          </a:prstGeom>
+        </p:spPr>
+      </p:pic>
+    </p:spTree>
+    <p:extLst>
+      <p:ext uri="{BB962C8B-B14F-4D97-AF65-F5344CB8AC3E}">
+        <p14:creationId xmlns:p14="http://schemas.microsoft.com/office/powerpoint/2010/main" val="2280528540"/>
+      </p:ext>
+    </p:extLst>
+  </p:cSld>
+  <p:clrMapOvr>
+    <a:masterClrMapping/>
+  </p:clrMapOvr>
+</p:sld>
+</file>
+
+<file path=ppt/slides/slide13.xml><?xml version="1.0" encoding="utf-8"?>
+<p:sld xmlns:a="http://schemas.openxmlformats.org/drawingml/2006/main" xmlns:r="http://schemas.openxmlformats.org/officeDocument/2006/relationships" xmlns:p="http://schemas.openxmlformats.org/presentationml/2006/main">
+  <p:cSld>
+    <p:spTree>
+      <p:nvGrpSpPr>
+        <p:cNvPr id="1" name=""/>
+        <p:cNvGrpSpPr/>
+        <p:nvPr/>
+      </p:nvGrpSpPr>
+      <p:grpSpPr>
+        <a:xfrm>
+          <a:off x="0" y="0"/>
+          <a:ext cx="0" cy="0"/>
+          <a:chOff x="0" y="0"/>
+          <a:chExt cx="0" cy="0"/>
+        </a:xfrm>
+      </p:grpSpPr>
       <p:pic>
         <p:nvPicPr>
           <p:cNvPr id="7" name="Picture 6">

--- a/prezentacija.pptx
+++ b/prezentacija.pptx
@@ -5939,48 +5939,9 @@
             <a:endParaRPr lang="en-US" dirty="0"/>
           </a:p>
           <a:p>
-            <a:endParaRPr lang="en-US" dirty="0"/>
-          </a:p>
-          <a:p>
-            <a:r>
-              <a:rPr lang="en-US" dirty="0" err="1"/>
-              <a:t>Algoritam</a:t>
-            </a:r>
-            <a:r>
-              <a:rPr lang="en-US" dirty="0"/>
-              <a:t> za </a:t>
-            </a:r>
-            <a:r>
-              <a:rPr lang="en-US" dirty="0" err="1"/>
-              <a:t>klasterovanje</a:t>
-            </a:r>
-            <a:r>
-              <a:rPr lang="en-US" dirty="0"/>
-              <a:t> koji </a:t>
-            </a:r>
-            <a:r>
-              <a:rPr lang="en-US" dirty="0" err="1"/>
-              <a:t>smo</a:t>
-            </a:r>
-            <a:r>
-              <a:rPr lang="en-US" dirty="0"/>
-              <a:t> </a:t>
-            </a:r>
-            <a:r>
-              <a:rPr lang="en-US" dirty="0" err="1"/>
-              <a:t>koristili</a:t>
-            </a:r>
-            <a:r>
-              <a:rPr lang="en-US" dirty="0"/>
-              <a:t> je </a:t>
-            </a:r>
-            <a:r>
-              <a:rPr lang="en-US" dirty="0" err="1"/>
-              <a:t>AgglomerativeClustering</a:t>
-            </a:r>
-            <a:endParaRPr lang="en-US" dirty="0"/>
-          </a:p>
-          <a:p>
+            <a:pPr marL="0" indent="0">
+              <a:buNone/>
+            </a:pPr>
             <a:endParaRPr lang="en-US" dirty="0"/>
           </a:p>
           <a:p>

--- a/prezentacija.pptx
+++ b/prezentacija.pptx
@@ -14,10 +14,12 @@
     <p:sldId id="262" r:id="rId8"/>
     <p:sldId id="263" r:id="rId9"/>
     <p:sldId id="264" r:id="rId10"/>
-    <p:sldId id="265" r:id="rId11"/>
-    <p:sldId id="266" r:id="rId12"/>
-    <p:sldId id="268" r:id="rId13"/>
-    <p:sldId id="267" r:id="rId14"/>
+    <p:sldId id="269" r:id="rId11"/>
+    <p:sldId id="270" r:id="rId12"/>
+    <p:sldId id="265" r:id="rId13"/>
+    <p:sldId id="266" r:id="rId14"/>
+    <p:sldId id="268" r:id="rId15"/>
+    <p:sldId id="267" r:id="rId16"/>
   </p:sldIdLst>
   <p:sldSz cx="12192000" cy="6858000"/>
   <p:notesSz cx="6858000" cy="9144000"/>
@@ -337,7 +339,7 @@
           <a:p>
             <a:fld id="{E4E2E80C-70A6-4D76-B6F8-959F074A456C}" type="datetimeFigureOut">
               <a:rPr lang="en-US" smtClean="0"/>
-              <a:t>08-Jun-21</a:t>
+              <a:t>09-Jun-21</a:t>
             </a:fld>
             <a:endParaRPr lang="en-US"/>
           </a:p>
@@ -628,7 +630,7 @@
           <a:p>
             <a:fld id="{E4E2E80C-70A6-4D76-B6F8-959F074A456C}" type="datetimeFigureOut">
               <a:rPr lang="en-US" smtClean="0"/>
-              <a:t>08-Jun-21</a:t>
+              <a:t>09-Jun-21</a:t>
             </a:fld>
             <a:endParaRPr lang="en-US"/>
           </a:p>
@@ -887,7 +889,7 @@
           <a:p>
             <a:fld id="{E4E2E80C-70A6-4D76-B6F8-959F074A456C}" type="datetimeFigureOut">
               <a:rPr lang="en-US" smtClean="0"/>
-              <a:t>08-Jun-21</a:t>
+              <a:t>09-Jun-21</a:t>
             </a:fld>
             <a:endParaRPr lang="en-US"/>
           </a:p>
@@ -1356,7 +1358,7 @@
           <a:p>
             <a:fld id="{E4E2E80C-70A6-4D76-B6F8-959F074A456C}" type="datetimeFigureOut">
               <a:rPr lang="en-US" smtClean="0"/>
-              <a:t>08-Jun-21</a:t>
+              <a:t>09-Jun-21</a:t>
             </a:fld>
             <a:endParaRPr lang="en-US"/>
           </a:p>
@@ -1536,7 +1538,7 @@
           <a:p>
             <a:fld id="{E4E2E80C-70A6-4D76-B6F8-959F074A456C}" type="datetimeFigureOut">
               <a:rPr lang="en-US" smtClean="0"/>
-              <a:t>08-Jun-21</a:t>
+              <a:t>09-Jun-21</a:t>
             </a:fld>
             <a:endParaRPr lang="en-US"/>
           </a:p>
@@ -2112,7 +2114,7 @@
           <a:p>
             <a:fld id="{E4E2E80C-70A6-4D76-B6F8-959F074A456C}" type="datetimeFigureOut">
               <a:rPr lang="en-US" smtClean="0"/>
-              <a:t>08-Jun-21</a:t>
+              <a:t>09-Jun-21</a:t>
             </a:fld>
             <a:endParaRPr lang="en-US"/>
           </a:p>
@@ -2444,7 +2446,7 @@
           <a:p>
             <a:fld id="{E4E2E80C-70A6-4D76-B6F8-959F074A456C}" type="datetimeFigureOut">
               <a:rPr lang="en-US" smtClean="0"/>
-              <a:t>08-Jun-21</a:t>
+              <a:t>09-Jun-21</a:t>
             </a:fld>
             <a:endParaRPr lang="en-US"/>
           </a:p>
@@ -2619,7 +2621,7 @@
           <a:p>
             <a:fld id="{E4E2E80C-70A6-4D76-B6F8-959F074A456C}" type="datetimeFigureOut">
               <a:rPr lang="en-US" smtClean="0"/>
-              <a:t>08-Jun-21</a:t>
+              <a:t>09-Jun-21</a:t>
             </a:fld>
             <a:endParaRPr lang="en-US"/>
           </a:p>
@@ -2799,7 +2801,7 @@
           <a:p>
             <a:fld id="{E4E2E80C-70A6-4D76-B6F8-959F074A456C}" type="datetimeFigureOut">
               <a:rPr lang="en-US" smtClean="0"/>
-              <a:t>08-Jun-21</a:t>
+              <a:t>09-Jun-21</a:t>
             </a:fld>
             <a:endParaRPr lang="en-US"/>
           </a:p>
@@ -2969,7 +2971,7 @@
           <a:p>
             <a:fld id="{E4E2E80C-70A6-4D76-B6F8-959F074A456C}" type="datetimeFigureOut">
               <a:rPr lang="en-US" smtClean="0"/>
-              <a:t>08-Jun-21</a:t>
+              <a:t>09-Jun-21</a:t>
             </a:fld>
             <a:endParaRPr lang="en-US"/>
           </a:p>
@@ -3226,7 +3228,7 @@
           <a:p>
             <a:fld id="{E4E2E80C-70A6-4D76-B6F8-959F074A456C}" type="datetimeFigureOut">
               <a:rPr lang="en-US" smtClean="0"/>
-              <a:t>08-Jun-21</a:t>
+              <a:t>09-Jun-21</a:t>
             </a:fld>
             <a:endParaRPr lang="en-US"/>
           </a:p>
@@ -3518,7 +3520,7 @@
           <a:p>
             <a:fld id="{E4E2E80C-70A6-4D76-B6F8-959F074A456C}" type="datetimeFigureOut">
               <a:rPr lang="en-US" smtClean="0"/>
-              <a:t>08-Jun-21</a:t>
+              <a:t>09-Jun-21</a:t>
             </a:fld>
             <a:endParaRPr lang="en-US"/>
           </a:p>
@@ -3948,7 +3950,7 @@
           <a:p>
             <a:fld id="{E4E2E80C-70A6-4D76-B6F8-959F074A456C}" type="datetimeFigureOut">
               <a:rPr lang="en-US" smtClean="0"/>
-              <a:t>08-Jun-21</a:t>
+              <a:t>09-Jun-21</a:t>
             </a:fld>
             <a:endParaRPr lang="en-US"/>
           </a:p>
@@ -4066,7 +4068,7 @@
           <a:p>
             <a:fld id="{E4E2E80C-70A6-4D76-B6F8-959F074A456C}" type="datetimeFigureOut">
               <a:rPr lang="en-US" smtClean="0"/>
-              <a:t>08-Jun-21</a:t>
+              <a:t>09-Jun-21</a:t>
             </a:fld>
             <a:endParaRPr lang="en-US"/>
           </a:p>
@@ -4161,7 +4163,7 @@
           <a:p>
             <a:fld id="{E4E2E80C-70A6-4D76-B6F8-959F074A456C}" type="datetimeFigureOut">
               <a:rPr lang="en-US" smtClean="0"/>
-              <a:t>08-Jun-21</a:t>
+              <a:t>09-Jun-21</a:t>
             </a:fld>
             <a:endParaRPr lang="en-US"/>
           </a:p>
@@ -4444,7 +4446,7 @@
           <a:p>
             <a:fld id="{E4E2E80C-70A6-4D76-B6F8-959F074A456C}" type="datetimeFigureOut">
               <a:rPr lang="en-US" smtClean="0"/>
-              <a:t>08-Jun-21</a:t>
+              <a:t>09-Jun-21</a:t>
             </a:fld>
             <a:endParaRPr lang="en-US"/>
           </a:p>
@@ -4735,7 +4737,7 @@
           <a:p>
             <a:fld id="{E4E2E80C-70A6-4D76-B6F8-959F074A456C}" type="datetimeFigureOut">
               <a:rPr lang="en-US" smtClean="0"/>
-              <a:t>08-Jun-21</a:t>
+              <a:t>09-Jun-21</a:t>
             </a:fld>
             <a:endParaRPr lang="en-US"/>
           </a:p>
@@ -4966,7 +4968,7 @@
           <a:p>
             <a:fld id="{E4E2E80C-70A6-4D76-B6F8-959F074A456C}" type="datetimeFigureOut">
               <a:rPr lang="en-US" smtClean="0"/>
-              <a:t>08-Jun-21</a:t>
+              <a:t>09-Jun-21</a:t>
             </a:fld>
             <a:endParaRPr lang="en-US"/>
           </a:p>
@@ -5859,6 +5861,207 @@
           <p:cNvPr id="2" name="Title 1">
             <a:extLst>
               <a:ext uri="{FF2B5EF4-FFF2-40B4-BE49-F238E27FC236}">
+                <a16:creationId xmlns:a16="http://schemas.microsoft.com/office/drawing/2014/main" id="{48290056-EBA6-49D5-8DDE-0E6FD324238F}"/>
+              </a:ext>
+            </a:extLst>
+          </p:cNvPr>
+          <p:cNvSpPr>
+            <a:spLocks noGrp="1"/>
+          </p:cNvSpPr>
+          <p:nvPr>
+            <p:ph type="title"/>
+          </p:nvPr>
+        </p:nvSpPr>
+        <p:spPr/>
+        <p:txBody>
+          <a:bodyPr/>
+          <a:lstStyle/>
+          <a:p>
+            <a:r>
+              <a:rPr lang="sr-Latn-RS" dirty="0"/>
+              <a:t>Topološka analiza podataka</a:t>
+            </a:r>
+            <a:endParaRPr lang="en-US" dirty="0"/>
+          </a:p>
+        </p:txBody>
+      </p:sp>
+      <p:sp>
+        <p:nvSpPr>
+          <p:cNvPr id="3" name="Content Placeholder 2">
+            <a:extLst>
+              <a:ext uri="{FF2B5EF4-FFF2-40B4-BE49-F238E27FC236}">
+                <a16:creationId xmlns:a16="http://schemas.microsoft.com/office/drawing/2014/main" id="{6F1414B0-B4E3-4334-A5E8-13847118C9D8}"/>
+              </a:ext>
+            </a:extLst>
+          </p:cNvPr>
+          <p:cNvSpPr>
+            <a:spLocks noGrp="1"/>
+          </p:cNvSpPr>
+          <p:nvPr>
+            <p:ph idx="1"/>
+          </p:nvPr>
+        </p:nvSpPr>
+        <p:spPr/>
+        <p:txBody>
+          <a:bodyPr/>
+          <a:lstStyle/>
+          <a:p>
+            <a:r>
+              <a:rPr lang="sr-Latn-RS" dirty="0"/>
+              <a:t>Neformalno: Topologija nad podatcima predstavlja odnos elemenata baze podataka u prostoru (može biti i fomalizacija klastera)</a:t>
+            </a:r>
+          </a:p>
+          <a:p>
+            <a:endParaRPr lang="sr-Latn-RS" dirty="0"/>
+          </a:p>
+          <a:p>
+            <a:r>
+              <a:rPr lang="sr-Latn-RS" dirty="0"/>
+              <a:t>Često, diskretna reprezentacija topoloskih podataka je svedena na simplicijalne komplekse</a:t>
+            </a:r>
+          </a:p>
+        </p:txBody>
+      </p:sp>
+    </p:spTree>
+    <p:extLst>
+      <p:ext uri="{BB962C8B-B14F-4D97-AF65-F5344CB8AC3E}">
+        <p14:creationId xmlns:p14="http://schemas.microsoft.com/office/powerpoint/2010/main" val="1278088772"/>
+      </p:ext>
+    </p:extLst>
+  </p:cSld>
+  <p:clrMapOvr>
+    <a:masterClrMapping/>
+  </p:clrMapOvr>
+</p:sld>
+</file>
+
+<file path=ppt/slides/slide11.xml><?xml version="1.0" encoding="utf-8"?>
+<p:sld xmlns:a="http://schemas.openxmlformats.org/drawingml/2006/main" xmlns:r="http://schemas.openxmlformats.org/officeDocument/2006/relationships" xmlns:p="http://schemas.openxmlformats.org/presentationml/2006/main">
+  <p:cSld>
+    <p:spTree>
+      <p:nvGrpSpPr>
+        <p:cNvPr id="1" name=""/>
+        <p:cNvGrpSpPr/>
+        <p:nvPr/>
+      </p:nvGrpSpPr>
+      <p:grpSpPr>
+        <a:xfrm>
+          <a:off x="0" y="0"/>
+          <a:ext cx="0" cy="0"/>
+          <a:chOff x="0" y="0"/>
+          <a:chExt cx="0" cy="0"/>
+        </a:xfrm>
+      </p:grpSpPr>
+      <p:sp>
+        <p:nvSpPr>
+          <p:cNvPr id="2" name="Title 1">
+            <a:extLst>
+              <a:ext uri="{FF2B5EF4-FFF2-40B4-BE49-F238E27FC236}">
+                <a16:creationId xmlns:a16="http://schemas.microsoft.com/office/drawing/2014/main" id="{4B0C1218-2BA0-47A5-B5E2-471E7CC5A66F}"/>
+              </a:ext>
+            </a:extLst>
+          </p:cNvPr>
+          <p:cNvSpPr>
+            <a:spLocks noGrp="1"/>
+          </p:cNvSpPr>
+          <p:nvPr>
+            <p:ph type="title"/>
+          </p:nvPr>
+        </p:nvSpPr>
+        <p:spPr/>
+        <p:txBody>
+          <a:bodyPr/>
+          <a:lstStyle/>
+          <a:p>
+            <a:r>
+              <a:rPr lang="sr-Latn-RS" dirty="0"/>
+              <a:t>Mapper</a:t>
+            </a:r>
+            <a:endParaRPr lang="en-US" dirty="0"/>
+          </a:p>
+        </p:txBody>
+      </p:sp>
+      <p:sp>
+        <p:nvSpPr>
+          <p:cNvPr id="3" name="Content Placeholder 2">
+            <a:extLst>
+              <a:ext uri="{FF2B5EF4-FFF2-40B4-BE49-F238E27FC236}">
+                <a16:creationId xmlns:a16="http://schemas.microsoft.com/office/drawing/2014/main" id="{A8BD1325-9659-4EF4-870A-AF27ED5D5F68}"/>
+              </a:ext>
+            </a:extLst>
+          </p:cNvPr>
+          <p:cNvSpPr>
+            <a:spLocks noGrp="1"/>
+          </p:cNvSpPr>
+          <p:nvPr>
+            <p:ph idx="1"/>
+          </p:nvPr>
+        </p:nvSpPr>
+        <p:spPr/>
+        <p:txBody>
+          <a:bodyPr/>
+          <a:lstStyle/>
+          <a:p>
+            <a:r>
+              <a:rPr lang="sr-Latn-RS" dirty="0"/>
+              <a:t>Mapper je jedna od, ako ne i, najčešće korišćena topološka reprezentacija podataka</a:t>
+            </a:r>
+          </a:p>
+          <a:p>
+            <a:endParaRPr lang="sr-Latn-RS" dirty="0"/>
+          </a:p>
+          <a:p>
+            <a:r>
+              <a:rPr lang="sr-Latn-RS" dirty="0"/>
+              <a:t>On interpretira bilo kakvu listu podataka u R</a:t>
+            </a:r>
+            <a:r>
+              <a:rPr lang="sr-Latn-RS" baseline="30000" dirty="0"/>
+              <a:t>n</a:t>
+            </a:r>
+            <a:r>
+              <a:rPr lang="sr-Latn-RS" dirty="0"/>
+              <a:t> kao „oblak tacaka“, i pretvara ga u uprošćen topološki graf</a:t>
+            </a:r>
+            <a:endParaRPr lang="en-US" baseline="30000" dirty="0"/>
+          </a:p>
+        </p:txBody>
+      </p:sp>
+    </p:spTree>
+    <p:extLst>
+      <p:ext uri="{BB962C8B-B14F-4D97-AF65-F5344CB8AC3E}">
+        <p14:creationId xmlns:p14="http://schemas.microsoft.com/office/powerpoint/2010/main" val="2409000243"/>
+      </p:ext>
+    </p:extLst>
+  </p:cSld>
+  <p:clrMapOvr>
+    <a:masterClrMapping/>
+  </p:clrMapOvr>
+</p:sld>
+</file>
+
+<file path=ppt/slides/slide12.xml><?xml version="1.0" encoding="utf-8"?>
+<p:sld xmlns:a="http://schemas.openxmlformats.org/drawingml/2006/main" xmlns:r="http://schemas.openxmlformats.org/officeDocument/2006/relationships" xmlns:p="http://schemas.openxmlformats.org/presentationml/2006/main">
+  <p:cSld>
+    <p:spTree>
+      <p:nvGrpSpPr>
+        <p:cNvPr id="1" name=""/>
+        <p:cNvGrpSpPr/>
+        <p:nvPr/>
+      </p:nvGrpSpPr>
+      <p:grpSpPr>
+        <a:xfrm>
+          <a:off x="0" y="0"/>
+          <a:ext cx="0" cy="0"/>
+          <a:chOff x="0" y="0"/>
+          <a:chExt cx="0" cy="0"/>
+        </a:xfrm>
+      </p:grpSpPr>
+      <p:sp>
+        <p:nvSpPr>
+          <p:cNvPr id="2" name="Title 1">
+            <a:extLst>
+              <a:ext uri="{FF2B5EF4-FFF2-40B4-BE49-F238E27FC236}">
                 <a16:creationId xmlns:a16="http://schemas.microsoft.com/office/drawing/2014/main" id="{529A39ED-8DFE-49F5-BEBA-A50A55E9418B}"/>
               </a:ext>
             </a:extLst>
@@ -5877,7 +6080,7 @@
           <a:p>
             <a:r>
               <a:rPr lang="sr-Latn-RS" dirty="0"/>
-              <a:t>Topološka analiza podataka</a:t>
+              <a:t>Mapper</a:t>
             </a:r>
             <a:endParaRPr lang="en-US" dirty="0"/>
           </a:p>
@@ -5946,120 +6149,17 @@
           </a:p>
           <a:p>
             <a:r>
-              <a:rPr lang="en-US" dirty="0" err="1"/>
-              <a:t>Rezultujuci</a:t>
-            </a:r>
-            <a:r>
-              <a:rPr lang="en-US" dirty="0"/>
-              <a:t> </a:t>
-            </a:r>
-            <a:r>
-              <a:rPr lang="en-US" dirty="0" err="1"/>
-              <a:t>graf</a:t>
-            </a:r>
-            <a:r>
-              <a:rPr lang="en-US" dirty="0"/>
-              <a:t> </a:t>
-            </a:r>
-            <a:r>
-              <a:rPr lang="en-US" dirty="0" err="1"/>
-              <a:t>nam</a:t>
-            </a:r>
-            <a:r>
-              <a:rPr lang="en-US" dirty="0"/>
-              <a:t> </a:t>
-            </a:r>
-            <a:r>
-              <a:rPr lang="en-US" dirty="0" err="1"/>
-              <a:t>topoloski</a:t>
-            </a:r>
-            <a:r>
-              <a:rPr lang="en-US" dirty="0"/>
-              <a:t> </a:t>
-            </a:r>
-            <a:r>
-              <a:rPr lang="en-US" dirty="0" err="1"/>
-              <a:t>prikazuje</a:t>
-            </a:r>
-            <a:r>
-              <a:rPr lang="en-US" dirty="0"/>
-              <a:t> </a:t>
-            </a:r>
-            <a:r>
-              <a:rPr lang="en-US" dirty="0" err="1"/>
-              <a:t>povezanost</a:t>
-            </a:r>
-            <a:r>
-              <a:rPr lang="en-US" dirty="0"/>
-              <a:t> </a:t>
-            </a:r>
-            <a:r>
-              <a:rPr lang="en-US" dirty="0" err="1"/>
-              <a:t>interesovanja</a:t>
-            </a:r>
-            <a:r>
-              <a:rPr lang="en-US" dirty="0"/>
-              <a:t> </a:t>
-            </a:r>
-            <a:r>
-              <a:rPr lang="en-US" dirty="0" err="1"/>
-              <a:t>klijenata</a:t>
-            </a:r>
-            <a:r>
-              <a:rPr lang="en-US" dirty="0"/>
-              <a:t> </a:t>
-            </a:r>
-            <a:r>
-              <a:rPr lang="en-US" dirty="0" err="1"/>
-              <a:t>na</a:t>
-            </a:r>
-            <a:r>
-              <a:rPr lang="en-US" dirty="0"/>
-              <a:t> </a:t>
-            </a:r>
-            <a:r>
-              <a:rPr lang="en-US" dirty="0" err="1"/>
-              <a:t>osnovu</a:t>
-            </a:r>
-            <a:r>
-              <a:rPr lang="en-US" dirty="0"/>
-              <a:t> </a:t>
-            </a:r>
-            <a:r>
-              <a:rPr lang="en-US" dirty="0" err="1"/>
-              <a:t>cega</a:t>
-            </a:r>
-            <a:r>
-              <a:rPr lang="en-US" dirty="0"/>
-              <a:t> </a:t>
-            </a:r>
-            <a:r>
-              <a:rPr lang="en-US" dirty="0" err="1"/>
-              <a:t>mozemo</a:t>
-            </a:r>
-            <a:r>
-              <a:rPr lang="en-US" dirty="0"/>
-              <a:t> da </a:t>
-            </a:r>
-            <a:r>
-              <a:rPr lang="en-US" dirty="0" err="1"/>
-              <a:t>preporucimo</a:t>
-            </a:r>
-            <a:r>
-              <a:rPr lang="en-US" dirty="0"/>
-              <a:t> </a:t>
-            </a:r>
-            <a:r>
-              <a:rPr lang="en-US" dirty="0" err="1"/>
-              <a:t>filmove</a:t>
-            </a:r>
-            <a:r>
-              <a:rPr lang="en-US" dirty="0"/>
-              <a:t> </a:t>
-            </a:r>
-            <a:r>
-              <a:rPr lang="en-US" dirty="0" err="1"/>
-              <a:t>klijentima</a:t>
+              <a:rPr lang="sr-Latn-RS" dirty="0"/>
+              <a:t>Konstruišemo i prosledjujemo pokrivanjem i podskup inverya glavnog skupa</a:t>
+            </a:r>
+          </a:p>
+          <a:p>
+            <a:endParaRPr lang="sr-Latn-RS" dirty="0"/>
+          </a:p>
+          <a:p>
+            <a:r>
+              <a:rPr lang="sr-Latn-RS" dirty="0"/>
+              <a:t>Kao poslednji parametar prosledjujemo algoritam za klasterovanje u nasem slucaju koristimo 2 kako bi mogli da ih upredimo</a:t>
             </a:r>
             <a:endParaRPr lang="en-US" dirty="0"/>
           </a:p>
@@ -6078,7 +6178,7 @@
 </p:sld>
 </file>
 
-<file path=ppt/slides/slide11.xml><?xml version="1.0" encoding="utf-8"?>
+<file path=ppt/slides/slide13.xml><?xml version="1.0" encoding="utf-8"?>
 <p:sld xmlns:a="http://schemas.openxmlformats.org/drawingml/2006/main" xmlns:r="http://schemas.openxmlformats.org/officeDocument/2006/relationships" xmlns:p="http://schemas.openxmlformats.org/presentationml/2006/main">
   <p:cSld>
     <p:spTree>
@@ -6206,7 +6306,7 @@
 </p:sld>
 </file>
 
-<file path=ppt/slides/slide12.xml><?xml version="1.0" encoding="utf-8"?>
+<file path=ppt/slides/slide14.xml><?xml version="1.0" encoding="utf-8"?>
 <p:sld xmlns:a="http://schemas.openxmlformats.org/drawingml/2006/main" xmlns:r="http://schemas.openxmlformats.org/officeDocument/2006/relationships" xmlns:p="http://schemas.openxmlformats.org/presentationml/2006/main">
   <p:cSld>
     <p:spTree>
@@ -6331,7 +6431,7 @@
 </p:sld>
 </file>
 
-<file path=ppt/slides/slide13.xml><?xml version="1.0" encoding="utf-8"?>
+<file path=ppt/slides/slide15.xml><?xml version="1.0" encoding="utf-8"?>
 <p:sld xmlns:a="http://schemas.openxmlformats.org/drawingml/2006/main" xmlns:r="http://schemas.openxmlformats.org/officeDocument/2006/relationships" xmlns:p="http://schemas.openxmlformats.org/presentationml/2006/main">
   <p:cSld>
     <p:spTree>
